--- a/misc/Menu 24 by 36 on 12-12-24/2_DaBeast Services Menu.pptx
+++ b/misc/Menu 24 by 36 on 12-12-24/2_DaBeast Services Menu.pptx
@@ -21,15 +21,16 @@
       <p:boldItalic r:id="rId7"/>
     </p:embeddedFont>
     <p:embeddedFont>
-      <p:font typeface="Open Sans" panose="020B0606030504020204" pitchFamily="34" charset="0"/>
+      <p:font typeface="Open Sans" panose="020B0604020202020204" charset="0"/>
       <p:regular r:id="rId8"/>
       <p:bold r:id="rId9"/>
-      <p:boldItalic r:id="rId10"/>
+      <p:italic r:id="rId10"/>
+      <p:boldItalic r:id="rId11"/>
     </p:embeddedFont>
     <p:embeddedFont>
       <p:font typeface="Play" panose="020B0604020202020204" charset="0"/>
-      <p:regular r:id="rId11"/>
-      <p:bold r:id="rId12"/>
+      <p:regular r:id="rId12"/>
+      <p:bold r:id="rId13"/>
     </p:embeddedFont>
   </p:embeddedFontLst>
   <p:defaultTextStyle>
@@ -266,7 +267,7 @@
       <p15:sldGuideLst xmlns:p15="http://schemas.microsoft.com/office/powerpoint/2012/main"/>
     </p:ext>
     <p:ext uri="GoogleSlidesCustomDataVersion2">
-      <go:slidesCustomData xmlns:go="http://customooxmlschemas.google.com/" xmlns:ahyp="http://schemas.microsoft.com/office/drawing/2018/hyperlinkcolor" xmlns:p15="http://schemas.microsoft.com/office/powerpoint/2012/main" xmlns:p14="http://schemas.microsoft.com/office/powerpoint/2010/main" xmlns:com="http://schemas.openxmlformats.org/drawingml/2006/compatibility" xmlns:pvml="urn:schemas-microsoft-com:office:powerpoint" xmlns:v="urn:schemas-microsoft-com:vml" xmlns:o="urn:schemas-microsoft-com:office:office" xmlns:dgm="http://schemas.openxmlformats.org/drawingml/2006/diagram" xmlns:c="http://schemas.openxmlformats.org/drawingml/2006/chart" xmlns:mv="urn:schemas-microsoft-com:mac:vml" xmlns:mc="http://schemas.openxmlformats.org/markup-compatibility/2006" xmlns="" r:id="rId14" roundtripDataSignature="AMtx7mhAGQ6bx072VdG0iiEFAjy+qtJDIw=="/>
+      <go:slidesCustomData xmlns="" xmlns:mc="http://schemas.openxmlformats.org/markup-compatibility/2006" xmlns:mv="urn:schemas-microsoft-com:mac:vml" xmlns:c="http://schemas.openxmlformats.org/drawingml/2006/chart" xmlns:dgm="http://schemas.openxmlformats.org/drawingml/2006/diagram" xmlns:o="urn:schemas-microsoft-com:office:office" xmlns:v="urn:schemas-microsoft-com:vml" xmlns:pvml="urn:schemas-microsoft-com:office:powerpoint" xmlns:com="http://schemas.openxmlformats.org/drawingml/2006/compatibility" xmlns:p14="http://schemas.microsoft.com/office/powerpoint/2010/main" xmlns:p15="http://schemas.microsoft.com/office/powerpoint/2012/main" xmlns:ahyp="http://schemas.microsoft.com/office/drawing/2018/hyperlinkcolor" xmlns:go="http://customooxmlschemas.google.com/" r:id="rId14" roundtripDataSignature="AMtx7mhAGQ6bx072VdG0iiEFAjy+qtJDIw=="/>
     </p:ext>
   </p:extLst>
 </p:presentation>
@@ -12070,14 +12071,14 @@
       </p:pic>
       <p:sp>
         <p:nvSpPr>
-          <p:cNvPr id="93" name="Google Shape;93;p1"/>
+          <p:cNvPr id="94" name="Google Shape;94;p1"/>
           <p:cNvSpPr txBox="1"/>
           <p:nvPr/>
         </p:nvSpPr>
         <p:spPr>
           <a:xfrm>
-            <a:off x="894849" y="7286475"/>
-            <a:ext cx="20085900" cy="10029300"/>
+            <a:off x="953150" y="21095145"/>
+            <a:ext cx="9859200" cy="7364837"/>
           </a:xfrm>
           <a:prstGeom prst="rect">
             <a:avLst/>
@@ -12112,485 +12113,8 @@
                 <a:cs typeface="Arial Narrow"/>
                 <a:sym typeface="Arial Narrow"/>
               </a:rPr>
-              <a:t>Lunch / Dinner</a:t>
-            </a:r>
-            <a:endParaRPr sz="11800" dirty="0">
-              <a:solidFill>
-                <a:schemeClr val="lt1"/>
-              </a:solidFill>
-              <a:latin typeface="Arial Narrow"/>
-              <a:ea typeface="Arial Narrow"/>
-              <a:cs typeface="Arial Narrow"/>
-              <a:sym typeface="Arial Narrow"/>
-            </a:endParaRPr>
-          </a:p>
-          <a:p>
-            <a:pPr marL="0" lvl="0" indent="0" algn="l" rtl="0">
-              <a:spcBef>
-                <a:spcPts val="0"/>
-              </a:spcBef>
-              <a:spcAft>
-                <a:spcPts val="0"/>
-              </a:spcAft>
-              <a:buNone/>
-            </a:pPr>
-            <a:endParaRPr sz="5900" b="1" dirty="0">
-              <a:solidFill>
-                <a:schemeClr val="lt1"/>
-              </a:solidFill>
-              <a:latin typeface="Arial Narrow"/>
-              <a:ea typeface="Arial Narrow"/>
-              <a:cs typeface="Arial Narrow"/>
-              <a:sym typeface="Arial Narrow"/>
-            </a:endParaRPr>
-          </a:p>
-          <a:p>
-            <a:pPr marL="1498600" lvl="0" indent="-1041400" algn="l" rtl="0">
-              <a:spcBef>
-                <a:spcPts val="0"/>
-              </a:spcBef>
-              <a:spcAft>
-                <a:spcPts val="0"/>
-              </a:spcAft>
-              <a:buClr>
-                <a:schemeClr val="lt1"/>
-              </a:buClr>
-              <a:buSzPts val="4600"/>
-              <a:buFont typeface="Arial Narrow"/>
-              <a:buChar char="●"/>
-            </a:pPr>
-            <a:r>
-              <a:rPr lang="en-US" sz="5900" b="1" dirty="0">
-                <a:solidFill>
-                  <a:schemeClr val="lt1"/>
-                </a:solidFill>
-                <a:latin typeface="Arial Narrow"/>
-                <a:ea typeface="Arial Narrow"/>
-                <a:cs typeface="Arial Narrow"/>
-                <a:sym typeface="Arial Narrow"/>
-              </a:rPr>
-              <a:t>Cheeseburger </a:t>
-            </a:r>
-            <a:r>
-              <a:rPr lang="en-US" sz="5900" dirty="0">
-                <a:solidFill>
-                  <a:schemeClr val="lt1"/>
-                </a:solidFill>
-                <a:latin typeface="Arial Narrow"/>
-                <a:ea typeface="Arial Narrow"/>
-                <a:cs typeface="Arial Narrow"/>
-                <a:sym typeface="Arial Narrow"/>
-              </a:rPr>
-              <a:t>……………………………….…..........................</a:t>
-            </a:r>
-            <a:r>
-              <a:rPr lang="en-US" sz="5900" dirty="0">
-                <a:solidFill>
-                  <a:srgbClr val="8CD872"/>
-                </a:solidFill>
-                <a:latin typeface="Arial Narrow"/>
-                <a:ea typeface="Arial Narrow"/>
-                <a:cs typeface="Arial Narrow"/>
-                <a:sym typeface="Arial Narrow"/>
-              </a:rPr>
-              <a:t> </a:t>
-            </a:r>
-            <a:r>
-              <a:rPr lang="en-US" sz="5900" b="1" dirty="0">
-                <a:solidFill>
-                  <a:srgbClr val="8CD872"/>
-                </a:solidFill>
-                <a:latin typeface="Arial Narrow"/>
-                <a:ea typeface="Arial Narrow"/>
-                <a:cs typeface="Arial Narrow"/>
-                <a:sym typeface="Arial Narrow"/>
-              </a:rPr>
-              <a:t>12</a:t>
-            </a:r>
-            <a:endParaRPr sz="5900" b="1" dirty="0">
-              <a:solidFill>
-                <a:srgbClr val="8CD872"/>
-              </a:solidFill>
-              <a:latin typeface="Arial Narrow"/>
-              <a:ea typeface="Arial Narrow"/>
-              <a:cs typeface="Arial Narrow"/>
-              <a:sym typeface="Arial Narrow"/>
-            </a:endParaRPr>
-          </a:p>
-          <a:p>
-            <a:pPr marL="1498600" lvl="0" indent="-1041400" algn="l" rtl="0">
-              <a:spcBef>
-                <a:spcPts val="0"/>
-              </a:spcBef>
-              <a:spcAft>
-                <a:spcPts val="0"/>
-              </a:spcAft>
-              <a:buClr>
-                <a:schemeClr val="lt1"/>
-              </a:buClr>
-              <a:buSzPts val="4600"/>
-              <a:buFont typeface="Arial Narrow"/>
-              <a:buChar char="●"/>
-            </a:pPr>
-            <a:r>
-              <a:rPr lang="en-US" sz="5900" b="1" dirty="0">
-                <a:solidFill>
-                  <a:schemeClr val="lt1"/>
-                </a:solidFill>
-                <a:latin typeface="Arial Narrow"/>
-                <a:ea typeface="Arial Narrow"/>
-                <a:cs typeface="Arial Narrow"/>
-                <a:sym typeface="Arial Narrow"/>
-              </a:rPr>
-              <a:t>Beer Brat </a:t>
-            </a:r>
-            <a:r>
-              <a:rPr lang="en-US" sz="5900" dirty="0">
-                <a:solidFill>
-                  <a:schemeClr val="lt1"/>
-                </a:solidFill>
-                <a:latin typeface="Arial Narrow"/>
-                <a:ea typeface="Arial Narrow"/>
-                <a:cs typeface="Arial Narrow"/>
-                <a:sym typeface="Arial Narrow"/>
-              </a:rPr>
-              <a:t>……………………………….......................................</a:t>
-            </a:r>
-            <a:r>
-              <a:rPr lang="en-US" sz="5900" dirty="0">
-                <a:solidFill>
-                  <a:srgbClr val="8CD872"/>
-                </a:solidFill>
-                <a:latin typeface="Arial Narrow"/>
-                <a:ea typeface="Arial Narrow"/>
-                <a:cs typeface="Arial Narrow"/>
-                <a:sym typeface="Arial Narrow"/>
-              </a:rPr>
-              <a:t>  </a:t>
-            </a:r>
-            <a:r>
-              <a:rPr lang="en-US" sz="5900" b="1" dirty="0">
-                <a:solidFill>
-                  <a:srgbClr val="8CD872"/>
-                </a:solidFill>
-                <a:latin typeface="Arial Narrow"/>
-                <a:ea typeface="Arial Narrow"/>
-                <a:cs typeface="Arial Narrow"/>
-                <a:sym typeface="Arial Narrow"/>
-              </a:rPr>
-              <a:t>8</a:t>
-            </a:r>
-            <a:endParaRPr sz="5900" b="1" dirty="0">
-              <a:solidFill>
-                <a:srgbClr val="8CD872"/>
-              </a:solidFill>
-              <a:latin typeface="Arial Narrow"/>
-              <a:ea typeface="Arial Narrow"/>
-              <a:cs typeface="Arial Narrow"/>
-              <a:sym typeface="Arial Narrow"/>
-            </a:endParaRPr>
-          </a:p>
-          <a:p>
-            <a:pPr marL="2984500" lvl="1" indent="-1123950" algn="l" rtl="0">
-              <a:spcBef>
-                <a:spcPts val="0"/>
-              </a:spcBef>
-              <a:spcAft>
-                <a:spcPts val="0"/>
-              </a:spcAft>
-              <a:buClr>
-                <a:schemeClr val="lt1"/>
-              </a:buClr>
-              <a:buSzPts val="5900"/>
-              <a:buFont typeface="Arial Narrow"/>
-              <a:buChar char="○"/>
-            </a:pPr>
-            <a:r>
-              <a:rPr lang="en-US" sz="5900" dirty="0">
-                <a:solidFill>
-                  <a:schemeClr val="lt1"/>
-                </a:solidFill>
-                <a:latin typeface="Arial Narrow"/>
-                <a:ea typeface="Arial Narrow"/>
-                <a:cs typeface="Arial Narrow"/>
-                <a:sym typeface="Arial Narrow"/>
-              </a:rPr>
-              <a:t>Meal deal: Chips and drink ……………………………. </a:t>
-            </a:r>
-            <a:r>
-              <a:rPr lang="en-US" sz="5900" b="1" dirty="0">
-                <a:solidFill>
-                  <a:srgbClr val="8CD872"/>
-                </a:solidFill>
-                <a:latin typeface="Arial Narrow"/>
-                <a:ea typeface="Arial Narrow"/>
-                <a:cs typeface="Arial Narrow"/>
-                <a:sym typeface="Arial Narrow"/>
-              </a:rPr>
-              <a:t>Add 3</a:t>
-            </a:r>
-            <a:endParaRPr sz="5900" b="1" dirty="0">
-              <a:solidFill>
-                <a:srgbClr val="8CD872"/>
-              </a:solidFill>
-              <a:latin typeface="Arial Narrow"/>
-              <a:ea typeface="Arial Narrow"/>
-              <a:cs typeface="Arial Narrow"/>
-              <a:sym typeface="Arial Narrow"/>
-            </a:endParaRPr>
-          </a:p>
-          <a:p>
-            <a:pPr marL="2984500" lvl="0" indent="0" algn="l" rtl="0">
-              <a:spcBef>
-                <a:spcPts val="0"/>
-              </a:spcBef>
-              <a:spcAft>
-                <a:spcPts val="0"/>
-              </a:spcAft>
-              <a:buNone/>
-            </a:pPr>
-            <a:endParaRPr sz="5900" dirty="0">
-              <a:solidFill>
-                <a:schemeClr val="lt1"/>
-              </a:solidFill>
-              <a:latin typeface="Arial Narrow"/>
-              <a:ea typeface="Arial Narrow"/>
-              <a:cs typeface="Arial Narrow"/>
-              <a:sym typeface="Arial Narrow"/>
-            </a:endParaRPr>
-          </a:p>
-          <a:p>
-            <a:pPr marL="1498600" marR="0" lvl="0" indent="-1041400" algn="l" rtl="0">
-              <a:spcBef>
-                <a:spcPts val="0"/>
-              </a:spcBef>
-              <a:spcAft>
-                <a:spcPts val="0"/>
-              </a:spcAft>
-              <a:buClr>
-                <a:schemeClr val="lt1"/>
-              </a:buClr>
-              <a:buSzPts val="4600"/>
-              <a:buFont typeface="Arial Narrow"/>
-              <a:buChar char="●"/>
-            </a:pPr>
-            <a:r>
-              <a:rPr lang="en-US" sz="5900" b="1" dirty="0" err="1">
-                <a:solidFill>
-                  <a:schemeClr val="lt1"/>
-                </a:solidFill>
-                <a:latin typeface="Arial Narrow"/>
-                <a:ea typeface="Arial Narrow"/>
-                <a:cs typeface="Arial Narrow"/>
-                <a:sym typeface="Arial Narrow"/>
-              </a:rPr>
-              <a:t>Pastelillos</a:t>
-            </a:r>
-            <a:r>
-              <a:rPr lang="en-US" sz="5900" b="1" dirty="0">
-                <a:solidFill>
-                  <a:schemeClr val="lt1"/>
-                </a:solidFill>
-                <a:latin typeface="Arial Narrow"/>
-                <a:ea typeface="Arial Narrow"/>
-                <a:cs typeface="Arial Narrow"/>
-                <a:sym typeface="Arial Narrow"/>
-              </a:rPr>
-              <a:t> ………………………………</a:t>
-            </a:r>
-            <a:r>
-              <a:rPr lang="en-US" sz="5900" dirty="0">
-                <a:solidFill>
-                  <a:schemeClr val="lt1"/>
-                </a:solidFill>
-                <a:latin typeface="Arial Narrow"/>
-                <a:ea typeface="Arial Narrow"/>
-                <a:cs typeface="Arial Narrow"/>
-                <a:sym typeface="Arial Narrow"/>
-              </a:rPr>
-              <a:t>.....................................</a:t>
-            </a:r>
-            <a:r>
-              <a:rPr lang="en-US" sz="5900" dirty="0">
-                <a:solidFill>
-                  <a:srgbClr val="8CD872"/>
-                </a:solidFill>
-                <a:latin typeface="Arial Narrow"/>
-                <a:ea typeface="Arial Narrow"/>
-                <a:cs typeface="Arial Narrow"/>
-                <a:sym typeface="Arial Narrow"/>
-              </a:rPr>
-              <a:t>  </a:t>
-            </a:r>
-            <a:r>
-              <a:rPr lang="en-US" sz="5900" b="1" dirty="0">
-                <a:solidFill>
-                  <a:srgbClr val="8CD872"/>
-                </a:solidFill>
-                <a:latin typeface="Arial Narrow"/>
-                <a:ea typeface="Arial Narrow"/>
-                <a:cs typeface="Arial Narrow"/>
-                <a:sym typeface="Arial Narrow"/>
-              </a:rPr>
-              <a:t>4</a:t>
-            </a:r>
-            <a:endParaRPr sz="5900" b="1" dirty="0">
-              <a:solidFill>
-                <a:srgbClr val="8CD872"/>
-              </a:solidFill>
-              <a:latin typeface="Arial Narrow"/>
-              <a:ea typeface="Arial Narrow"/>
-              <a:cs typeface="Arial Narrow"/>
-              <a:sym typeface="Arial Narrow"/>
-            </a:endParaRPr>
-          </a:p>
-          <a:p>
-            <a:pPr marL="2984500" marR="0" lvl="1" indent="-1123950" algn="l" rtl="0">
-              <a:spcBef>
-                <a:spcPts val="0"/>
-              </a:spcBef>
-              <a:spcAft>
-                <a:spcPts val="0"/>
-              </a:spcAft>
-              <a:buClr>
-                <a:schemeClr val="lt1"/>
-              </a:buClr>
-              <a:buSzPts val="5900"/>
-              <a:buFont typeface="Arial Narrow"/>
-              <a:buChar char="○"/>
-            </a:pPr>
-            <a:r>
-              <a:rPr lang="en-US" sz="5900" dirty="0">
-                <a:solidFill>
-                  <a:schemeClr val="lt1"/>
-                </a:solidFill>
-                <a:latin typeface="Arial Narrow"/>
-                <a:ea typeface="Arial Narrow"/>
-                <a:cs typeface="Arial Narrow"/>
-                <a:sym typeface="Arial Narrow"/>
-              </a:rPr>
-              <a:t>Stuffed fried empanadas (beef and cheese)</a:t>
-            </a:r>
-            <a:br>
-              <a:rPr lang="en-US" sz="5900" dirty="0">
-                <a:solidFill>
-                  <a:schemeClr val="lt1"/>
-                </a:solidFill>
-                <a:latin typeface="Arial Narrow"/>
-                <a:ea typeface="Arial Narrow"/>
-                <a:cs typeface="Arial Narrow"/>
-                <a:sym typeface="Arial Narrow"/>
-              </a:rPr>
-            </a:br>
-            <a:endParaRPr sz="5900" dirty="0">
-              <a:solidFill>
-                <a:schemeClr val="lt1"/>
-              </a:solidFill>
-              <a:latin typeface="Arial Narrow"/>
-              <a:ea typeface="Arial Narrow"/>
-              <a:cs typeface="Arial Narrow"/>
-              <a:sym typeface="Arial Narrow"/>
-            </a:endParaRPr>
-          </a:p>
-          <a:p>
-            <a:pPr marL="0" marR="0" lvl="0" indent="0" algn="l" rtl="0">
-              <a:spcBef>
-                <a:spcPts val="0"/>
-              </a:spcBef>
-              <a:spcAft>
-                <a:spcPts val="0"/>
-              </a:spcAft>
-              <a:buNone/>
-            </a:pPr>
-            <a:br>
-              <a:rPr lang="en-US" sz="1600" dirty="0">
-                <a:solidFill>
-                  <a:schemeClr val="lt1"/>
-                </a:solidFill>
-                <a:latin typeface="Arial Narrow"/>
-                <a:ea typeface="Arial Narrow"/>
-                <a:cs typeface="Arial Narrow"/>
-                <a:sym typeface="Arial Narrow"/>
-              </a:rPr>
-            </a:br>
-            <a:endParaRPr sz="2600" dirty="0">
-              <a:solidFill>
-                <a:schemeClr val="lt1"/>
-              </a:solidFill>
-              <a:latin typeface="Arial Narrow"/>
-              <a:ea typeface="Arial Narrow"/>
-              <a:cs typeface="Arial Narrow"/>
-              <a:sym typeface="Arial Narrow"/>
-            </a:endParaRPr>
-          </a:p>
-        </p:txBody>
-      </p:sp>
-      <p:sp>
-        <p:nvSpPr>
-          <p:cNvPr id="94" name="Google Shape;94;p1"/>
-          <p:cNvSpPr txBox="1"/>
-          <p:nvPr/>
-        </p:nvSpPr>
-        <p:spPr>
-          <a:xfrm>
-            <a:off x="953150" y="19068225"/>
-            <a:ext cx="9859200" cy="8072723"/>
-          </a:xfrm>
-          <a:prstGeom prst="rect">
-            <a:avLst/>
-          </a:prstGeom>
-          <a:noFill/>
-          <a:ln>
-            <a:noFill/>
-          </a:ln>
-        </p:spPr>
-        <p:txBody>
-          <a:bodyPr spcFirstLastPara="1" wrap="square" lIns="298525" tIns="149225" rIns="298525" bIns="149225" anchor="t" anchorCtr="0">
-            <a:spAutoFit/>
-          </a:bodyPr>
-          <a:lstStyle/>
-          <a:p>
-            <a:pPr marL="0" marR="0" lvl="0" indent="0" algn="l" rtl="0">
-              <a:spcBef>
-                <a:spcPts val="0"/>
-              </a:spcBef>
-              <a:spcAft>
-                <a:spcPts val="0"/>
-              </a:spcAft>
-              <a:buNone/>
-            </a:pPr>
-            <a:r>
-              <a:rPr lang="en-US" sz="11800" b="1" dirty="0">
-                <a:solidFill>
-                  <a:schemeClr val="lt1"/>
-                </a:solidFill>
-                <a:latin typeface="Arial Narrow"/>
-                <a:ea typeface="Arial Narrow"/>
-                <a:cs typeface="Arial Narrow"/>
-                <a:sym typeface="Arial Narrow"/>
-              </a:rPr>
               <a:t>Desserts</a:t>
             </a:r>
-            <a:endParaRPr sz="7800" b="1" dirty="0">
-              <a:solidFill>
-                <a:schemeClr val="lt1"/>
-              </a:solidFill>
-              <a:latin typeface="Arial Narrow"/>
-              <a:ea typeface="Arial Narrow"/>
-              <a:cs typeface="Arial Narrow"/>
-              <a:sym typeface="Arial Narrow"/>
-            </a:endParaRPr>
-          </a:p>
-          <a:p>
-            <a:pPr marL="0" marR="0" lvl="0" indent="0" algn="l" rtl="0">
-              <a:spcBef>
-                <a:spcPts val="0"/>
-              </a:spcBef>
-              <a:spcAft>
-                <a:spcPts val="0"/>
-              </a:spcAft>
-              <a:buNone/>
-            </a:pPr>
             <a:endParaRPr sz="4600" dirty="0">
               <a:solidFill>
                 <a:schemeClr val="lt1"/>
@@ -12610,7 +12134,7 @@
               <a:buFont typeface="Arial"/>
               <a:buChar char="•"/>
             </a:pPr>
-            <a:endParaRPr lang="en-US" sz="5900">
+            <a:endParaRPr lang="en-US" sz="5900" dirty="0">
               <a:solidFill>
                 <a:schemeClr val="lt1"/>
               </a:solidFill>
@@ -12630,7 +12154,7 @@
               <a:buChar char="•"/>
             </a:pPr>
             <a:r>
-              <a:rPr lang="en-US" sz="5900">
+              <a:rPr lang="en-US" sz="5900" dirty="0">
                 <a:solidFill>
                   <a:schemeClr val="lt1"/>
                 </a:solidFill>
@@ -12639,19 +12163,7 @@
                 <a:cs typeface="Arial Narrow"/>
                 <a:sym typeface="Arial Narrow"/>
               </a:rPr>
-              <a:t>Limber </a:t>
-            </a:r>
-            <a:r>
-              <a:rPr lang="en-US" sz="5900" dirty="0">
-                <a:solidFill>
-                  <a:schemeClr val="lt1"/>
-                </a:solidFill>
-                <a:latin typeface="Arial Narrow"/>
-                <a:ea typeface="Arial Narrow"/>
-                <a:cs typeface="Arial Narrow"/>
-                <a:sym typeface="Arial Narrow"/>
-              </a:rPr>
-              <a:t>De Coco (Ice Cream)</a:t>
+              <a:t>Limber De Coco (Ice Cream)</a:t>
             </a:r>
             <a:br>
               <a:rPr lang="en-US" sz="5900" dirty="0">
@@ -12805,7 +12317,7 @@
         </p:nvCxnSpPr>
         <p:spPr>
           <a:xfrm>
-            <a:off x="497853" y="9816771"/>
+            <a:off x="497853" y="8565495"/>
             <a:ext cx="20755200" cy="0"/>
           </a:xfrm>
           <a:prstGeom prst="straightConnector1">
@@ -12831,7 +12343,7 @@
         </p:nvCxnSpPr>
         <p:spPr>
           <a:xfrm>
-            <a:off x="497853" y="21400656"/>
+            <a:off x="497853" y="23320896"/>
             <a:ext cx="20755200" cy="0"/>
           </a:xfrm>
           <a:prstGeom prst="straightConnector1">
@@ -12857,8 +12369,8 @@
         </p:nvSpPr>
         <p:spPr>
           <a:xfrm>
-            <a:off x="11416931" y="19068223"/>
-            <a:ext cx="9859200" cy="9888604"/>
+            <a:off x="11416931" y="21095143"/>
+            <a:ext cx="9859200" cy="8980664"/>
           </a:xfrm>
           <a:prstGeom prst="rect">
             <a:avLst/>
@@ -12895,18 +12407,6 @@
               </a:rPr>
               <a:t>Beverages</a:t>
             </a:r>
-            <a:endParaRPr sz="4600" dirty="0"/>
-          </a:p>
-          <a:p>
-            <a:pPr marL="0" marR="0" lvl="0" indent="0" algn="l" rtl="0">
-              <a:spcBef>
-                <a:spcPts val="0"/>
-              </a:spcBef>
-              <a:spcAft>
-                <a:spcPts val="0"/>
-              </a:spcAft>
-              <a:buNone/>
-            </a:pPr>
             <a:endParaRPr sz="5900" dirty="0">
               <a:solidFill>
                 <a:schemeClr val="lt1"/>
@@ -13156,7 +12656,7 @@
         </p:blipFill>
         <p:spPr>
           <a:xfrm>
-            <a:off x="4054643" y="27988238"/>
+            <a:off x="4054643" y="28201598"/>
             <a:ext cx="2560503" cy="2560503"/>
           </a:xfrm>
           <a:prstGeom prst="rect">
@@ -13176,7 +12676,7 @@
         </p:nvSpPr>
         <p:spPr>
           <a:xfrm>
-            <a:off x="595237" y="30842762"/>
+            <a:off x="595237" y="31056122"/>
             <a:ext cx="9479100" cy="1101900"/>
           </a:xfrm>
           <a:prstGeom prst="rect">
@@ -13283,6 +12783,803 @@
               <a:t>(719) 551-9409</a:t>
             </a:r>
             <a:endParaRPr sz="4600"/>
+          </a:p>
+        </p:txBody>
+      </p:sp>
+      <p:sp>
+        <p:nvSpPr>
+          <p:cNvPr id="14" name="Google Shape;91;p1">
+            <a:extLst>
+              <a:ext uri="{FF2B5EF4-FFF2-40B4-BE49-F238E27FC236}">
+                <a16:creationId xmlns:a16="http://schemas.microsoft.com/office/drawing/2014/main" id="{C3B27BE9-C689-4820-811B-03F7B6B3A0E4}"/>
+              </a:ext>
+            </a:extLst>
+          </p:cNvPr>
+          <p:cNvSpPr/>
+          <p:nvPr/>
+        </p:nvSpPr>
+        <p:spPr>
+          <a:xfrm>
+            <a:off x="1200251" y="15790609"/>
+            <a:ext cx="19780445" cy="4661472"/>
+          </a:xfrm>
+          <a:prstGeom prst="roundRect">
+            <a:avLst>
+              <a:gd name="adj" fmla="val 4489"/>
+            </a:avLst>
+          </a:prstGeom>
+          <a:solidFill>
+            <a:srgbClr val="3F3F3F"/>
+          </a:solidFill>
+          <a:ln>
+            <a:noFill/>
+          </a:ln>
+        </p:spPr>
+        <p:txBody>
+          <a:bodyPr spcFirstLastPara="1" wrap="square" lIns="298525" tIns="149225" rIns="298525" bIns="149225" anchor="ctr" anchorCtr="0">
+            <a:noAutofit/>
+          </a:bodyPr>
+          <a:lstStyle/>
+          <a:p>
+            <a:pPr marL="0" marR="0" lvl="0" indent="0" algn="ctr" rtl="0">
+              <a:spcBef>
+                <a:spcPts val="0"/>
+              </a:spcBef>
+              <a:spcAft>
+                <a:spcPts val="0"/>
+              </a:spcAft>
+              <a:buNone/>
+            </a:pPr>
+            <a:endParaRPr sz="5900" b="0" i="0" u="none" strike="noStrike" cap="none">
+              <a:solidFill>
+                <a:schemeClr val="lt1"/>
+              </a:solidFill>
+              <a:latin typeface="Arial"/>
+              <a:ea typeface="Arial"/>
+              <a:cs typeface="Arial"/>
+              <a:sym typeface="Arial"/>
+            </a:endParaRPr>
+          </a:p>
+        </p:txBody>
+      </p:sp>
+      <p:sp>
+        <p:nvSpPr>
+          <p:cNvPr id="93" name="Google Shape;93;p1"/>
+          <p:cNvSpPr txBox="1"/>
+          <p:nvPr/>
+        </p:nvSpPr>
+        <p:spPr>
+          <a:xfrm>
+            <a:off x="894849" y="6179576"/>
+            <a:ext cx="20085900" cy="14320587"/>
+          </a:xfrm>
+          <a:prstGeom prst="rect">
+            <a:avLst/>
+          </a:prstGeom>
+          <a:noFill/>
+          <a:ln>
+            <a:noFill/>
+          </a:ln>
+        </p:spPr>
+        <p:txBody>
+          <a:bodyPr spcFirstLastPara="1" wrap="square" lIns="298525" tIns="149225" rIns="298525" bIns="149225" anchor="t" anchorCtr="0">
+            <a:spAutoFit/>
+          </a:bodyPr>
+          <a:lstStyle/>
+          <a:p>
+            <a:pPr marL="0" marR="0" lvl="0" indent="0" algn="l" rtl="0">
+              <a:spcBef>
+                <a:spcPts val="0"/>
+              </a:spcBef>
+              <a:spcAft>
+                <a:spcPts val="0"/>
+              </a:spcAft>
+              <a:buNone/>
+            </a:pPr>
+            <a:r>
+              <a:rPr lang="en-US" sz="11800" b="1" dirty="0">
+                <a:solidFill>
+                  <a:schemeClr val="lt1"/>
+                </a:solidFill>
+                <a:latin typeface="Arial Narrow"/>
+                <a:ea typeface="Arial Narrow"/>
+                <a:cs typeface="Arial Narrow"/>
+                <a:sym typeface="Arial Narrow"/>
+              </a:rPr>
+              <a:t>Lunch / Dinner</a:t>
+            </a:r>
+            <a:endParaRPr sz="11800" dirty="0">
+              <a:solidFill>
+                <a:schemeClr val="lt1"/>
+              </a:solidFill>
+              <a:latin typeface="Arial Narrow"/>
+              <a:ea typeface="Arial Narrow"/>
+              <a:cs typeface="Arial Narrow"/>
+              <a:sym typeface="Arial Narrow"/>
+            </a:endParaRPr>
+          </a:p>
+          <a:p>
+            <a:pPr marL="0" lvl="0" indent="0" algn="l" rtl="0">
+              <a:spcBef>
+                <a:spcPts val="0"/>
+              </a:spcBef>
+              <a:spcAft>
+                <a:spcPts val="0"/>
+              </a:spcAft>
+              <a:buNone/>
+            </a:pPr>
+            <a:endParaRPr sz="5900" b="1" dirty="0">
+              <a:solidFill>
+                <a:schemeClr val="lt1"/>
+              </a:solidFill>
+              <a:latin typeface="Arial Narrow"/>
+              <a:ea typeface="Arial Narrow"/>
+              <a:cs typeface="Arial Narrow"/>
+              <a:sym typeface="Arial Narrow"/>
+            </a:endParaRPr>
+          </a:p>
+          <a:p>
+            <a:pPr marL="1498600" lvl="0" indent="-1041400" algn="l" rtl="0">
+              <a:spcBef>
+                <a:spcPts val="0"/>
+              </a:spcBef>
+              <a:spcAft>
+                <a:spcPts val="0"/>
+              </a:spcAft>
+              <a:buClr>
+                <a:schemeClr val="lt1"/>
+              </a:buClr>
+              <a:buSzPts val="4600"/>
+              <a:buFont typeface="Arial Narrow"/>
+              <a:buChar char="●"/>
+            </a:pPr>
+            <a:r>
+              <a:rPr lang="en-US" sz="5900" b="1" dirty="0">
+                <a:solidFill>
+                  <a:schemeClr val="lt1"/>
+                </a:solidFill>
+                <a:latin typeface="Arial Narrow"/>
+                <a:ea typeface="Arial Narrow"/>
+                <a:cs typeface="Arial Narrow"/>
+                <a:sym typeface="Arial Narrow"/>
+              </a:rPr>
+              <a:t>Cheeseburger </a:t>
+            </a:r>
+            <a:r>
+              <a:rPr lang="en-US" sz="5900" dirty="0">
+                <a:solidFill>
+                  <a:schemeClr val="lt1"/>
+                </a:solidFill>
+                <a:latin typeface="Arial Narrow"/>
+                <a:ea typeface="Arial Narrow"/>
+                <a:cs typeface="Arial Narrow"/>
+                <a:sym typeface="Arial Narrow"/>
+              </a:rPr>
+              <a:t>……………………………….……....................</a:t>
+            </a:r>
+            <a:r>
+              <a:rPr lang="en-US" sz="5900" dirty="0">
+                <a:solidFill>
+                  <a:srgbClr val="8CD872"/>
+                </a:solidFill>
+                <a:latin typeface="Arial Narrow"/>
+                <a:ea typeface="Arial Narrow"/>
+                <a:cs typeface="Arial Narrow"/>
+                <a:sym typeface="Arial Narrow"/>
+              </a:rPr>
+              <a:t> </a:t>
+            </a:r>
+            <a:r>
+              <a:rPr lang="en-US" sz="5900" b="1" dirty="0">
+                <a:solidFill>
+                  <a:srgbClr val="8CD872"/>
+                </a:solidFill>
+                <a:latin typeface="Arial Narrow"/>
+                <a:ea typeface="Arial Narrow"/>
+                <a:cs typeface="Arial Narrow"/>
+                <a:sym typeface="Arial Narrow"/>
+              </a:rPr>
+              <a:t>13.5</a:t>
+            </a:r>
+            <a:endParaRPr sz="5900" b="1" dirty="0">
+              <a:solidFill>
+                <a:srgbClr val="8CD872"/>
+              </a:solidFill>
+              <a:latin typeface="Arial Narrow"/>
+              <a:ea typeface="Arial Narrow"/>
+              <a:cs typeface="Arial Narrow"/>
+              <a:sym typeface="Arial Narrow"/>
+            </a:endParaRPr>
+          </a:p>
+          <a:p>
+            <a:pPr marL="1498600" lvl="0" indent="-1041400" algn="l" rtl="0">
+              <a:spcBef>
+                <a:spcPts val="0"/>
+              </a:spcBef>
+              <a:spcAft>
+                <a:spcPts val="0"/>
+              </a:spcAft>
+              <a:buClr>
+                <a:schemeClr val="lt1"/>
+              </a:buClr>
+              <a:buSzPts val="4600"/>
+              <a:buFont typeface="Arial Narrow"/>
+              <a:buChar char="●"/>
+            </a:pPr>
+            <a:r>
+              <a:rPr lang="en-US" sz="5900" b="1" dirty="0">
+                <a:solidFill>
+                  <a:schemeClr val="lt1"/>
+                </a:solidFill>
+                <a:latin typeface="Arial Narrow"/>
+                <a:ea typeface="Arial Narrow"/>
+                <a:cs typeface="Arial Narrow"/>
+                <a:sym typeface="Arial Narrow"/>
+              </a:rPr>
+              <a:t>Smoked Chicken Sandwich </a:t>
+            </a:r>
+            <a:r>
+              <a:rPr lang="en-US" sz="5900" dirty="0">
+                <a:solidFill>
+                  <a:schemeClr val="lt1"/>
+                </a:solidFill>
+                <a:latin typeface="Arial Narrow"/>
+                <a:ea typeface="Arial Narrow"/>
+                <a:cs typeface="Arial Narrow"/>
+                <a:sym typeface="Arial Narrow"/>
+              </a:rPr>
+              <a:t>…………….…..........................</a:t>
+            </a:r>
+            <a:r>
+              <a:rPr lang="en-US" sz="5900" dirty="0">
+                <a:solidFill>
+                  <a:srgbClr val="8CD872"/>
+                </a:solidFill>
+                <a:latin typeface="Arial Narrow"/>
+                <a:ea typeface="Arial Narrow"/>
+                <a:cs typeface="Arial Narrow"/>
+                <a:sym typeface="Arial Narrow"/>
+              </a:rPr>
+              <a:t> </a:t>
+            </a:r>
+            <a:r>
+              <a:rPr lang="en-US" sz="5900" b="1" dirty="0">
+                <a:solidFill>
+                  <a:srgbClr val="8CD872"/>
+                </a:solidFill>
+                <a:latin typeface="Arial Narrow"/>
+                <a:ea typeface="Arial Narrow"/>
+                <a:cs typeface="Arial Narrow"/>
+                <a:sym typeface="Arial Narrow"/>
+              </a:rPr>
+              <a:t>13.5</a:t>
+            </a:r>
+            <a:endParaRPr lang="en-US" sz="5900" b="1" dirty="0">
+              <a:solidFill>
+                <a:schemeClr val="lt1"/>
+              </a:solidFill>
+              <a:latin typeface="Arial Narrow"/>
+              <a:ea typeface="Arial Narrow"/>
+              <a:cs typeface="Arial Narrow"/>
+              <a:sym typeface="Arial Narrow"/>
+            </a:endParaRPr>
+          </a:p>
+          <a:p>
+            <a:pPr marL="1498600" lvl="0" indent="-1041400" algn="l" rtl="0">
+              <a:spcBef>
+                <a:spcPts val="0"/>
+              </a:spcBef>
+              <a:spcAft>
+                <a:spcPts val="0"/>
+              </a:spcAft>
+              <a:buClr>
+                <a:schemeClr val="lt1"/>
+              </a:buClr>
+              <a:buSzPts val="4600"/>
+              <a:buFont typeface="Arial Narrow"/>
+              <a:buChar char="●"/>
+            </a:pPr>
+            <a:r>
+              <a:rPr lang="en-US" sz="5900" b="1" dirty="0">
+                <a:solidFill>
+                  <a:schemeClr val="lt1"/>
+                </a:solidFill>
+                <a:latin typeface="Arial Narrow"/>
+                <a:ea typeface="Arial Narrow"/>
+                <a:cs typeface="Arial Narrow"/>
+                <a:sym typeface="Arial Narrow"/>
+              </a:rPr>
+              <a:t>Beer Brat </a:t>
+            </a:r>
+            <a:r>
+              <a:rPr lang="en-US" sz="5900" dirty="0">
+                <a:solidFill>
+                  <a:schemeClr val="lt1"/>
+                </a:solidFill>
+                <a:latin typeface="Arial Narrow"/>
+                <a:ea typeface="Arial Narrow"/>
+                <a:cs typeface="Arial Narrow"/>
+                <a:sym typeface="Arial Narrow"/>
+              </a:rPr>
+              <a:t>………………………………......................................</a:t>
+            </a:r>
+            <a:r>
+              <a:rPr lang="en-US" sz="5900" dirty="0">
+                <a:solidFill>
+                  <a:srgbClr val="8CD872"/>
+                </a:solidFill>
+                <a:latin typeface="Arial Narrow"/>
+                <a:ea typeface="Arial Narrow"/>
+                <a:cs typeface="Arial Narrow"/>
+                <a:sym typeface="Arial Narrow"/>
+              </a:rPr>
+              <a:t>  </a:t>
+            </a:r>
+            <a:r>
+              <a:rPr lang="en-US" sz="5900" b="1" dirty="0">
+                <a:solidFill>
+                  <a:srgbClr val="8CD872"/>
+                </a:solidFill>
+                <a:latin typeface="Arial Narrow"/>
+                <a:ea typeface="Arial Narrow"/>
+                <a:cs typeface="Arial Narrow"/>
+                <a:sym typeface="Arial Narrow"/>
+              </a:rPr>
+              <a:t>10</a:t>
+            </a:r>
+            <a:endParaRPr sz="5900" b="1" dirty="0">
+              <a:solidFill>
+                <a:srgbClr val="8CD872"/>
+              </a:solidFill>
+              <a:latin typeface="Arial Narrow"/>
+              <a:ea typeface="Arial Narrow"/>
+              <a:cs typeface="Arial Narrow"/>
+              <a:sym typeface="Arial Narrow"/>
+            </a:endParaRPr>
+          </a:p>
+          <a:p>
+            <a:pPr marL="2984500" lvl="1" indent="-1123950" algn="l" rtl="0">
+              <a:spcBef>
+                <a:spcPts val="0"/>
+              </a:spcBef>
+              <a:spcAft>
+                <a:spcPts val="0"/>
+              </a:spcAft>
+              <a:buClr>
+                <a:schemeClr val="lt1"/>
+              </a:buClr>
+              <a:buSzPts val="5900"/>
+              <a:buFont typeface="Arial Narrow"/>
+              <a:buChar char="○"/>
+            </a:pPr>
+            <a:r>
+              <a:rPr lang="en-US" sz="5900" dirty="0">
+                <a:solidFill>
+                  <a:schemeClr val="lt1"/>
+                </a:solidFill>
+                <a:latin typeface="Arial Narrow"/>
+                <a:ea typeface="Arial Narrow"/>
+                <a:cs typeface="Arial Narrow"/>
+                <a:sym typeface="Arial Narrow"/>
+              </a:rPr>
+              <a:t>Meal deal: Chips and drink ……………………………. </a:t>
+            </a:r>
+            <a:r>
+              <a:rPr lang="en-US" sz="5900" b="1" dirty="0">
+                <a:solidFill>
+                  <a:srgbClr val="8CD872"/>
+                </a:solidFill>
+                <a:latin typeface="Arial Narrow"/>
+                <a:ea typeface="Arial Narrow"/>
+                <a:cs typeface="Arial Narrow"/>
+                <a:sym typeface="Arial Narrow"/>
+              </a:rPr>
+              <a:t>Add 3</a:t>
+            </a:r>
+            <a:endParaRPr sz="5900" b="1" dirty="0">
+              <a:solidFill>
+                <a:srgbClr val="8CD872"/>
+              </a:solidFill>
+              <a:latin typeface="Arial Narrow"/>
+              <a:ea typeface="Arial Narrow"/>
+              <a:cs typeface="Arial Narrow"/>
+              <a:sym typeface="Arial Narrow"/>
+            </a:endParaRPr>
+          </a:p>
+          <a:p>
+            <a:pPr marL="2984500" lvl="0" indent="0" algn="l" rtl="0">
+              <a:spcBef>
+                <a:spcPts val="0"/>
+              </a:spcBef>
+              <a:spcAft>
+                <a:spcPts val="0"/>
+              </a:spcAft>
+              <a:buNone/>
+            </a:pPr>
+            <a:endParaRPr lang="en-US" sz="5900" dirty="0">
+              <a:solidFill>
+                <a:schemeClr val="lt1"/>
+              </a:solidFill>
+              <a:latin typeface="Arial Narrow"/>
+              <a:ea typeface="Arial Narrow"/>
+              <a:cs typeface="Arial Narrow"/>
+              <a:sym typeface="Arial Narrow"/>
+            </a:endParaRPr>
+          </a:p>
+          <a:p>
+            <a:pPr marL="1498600" marR="0" lvl="0" indent="-1041400" algn="l" rtl="0">
+              <a:spcBef>
+                <a:spcPts val="0"/>
+              </a:spcBef>
+              <a:spcAft>
+                <a:spcPts val="0"/>
+              </a:spcAft>
+              <a:buClr>
+                <a:schemeClr val="lt1"/>
+              </a:buClr>
+              <a:buSzPts val="4600"/>
+              <a:buFont typeface="Arial Narrow"/>
+              <a:buChar char="●"/>
+            </a:pPr>
+            <a:r>
+              <a:rPr lang="en-US" sz="5900" b="1" dirty="0" err="1">
+                <a:solidFill>
+                  <a:schemeClr val="lt1"/>
+                </a:solidFill>
+                <a:latin typeface="Arial Narrow"/>
+                <a:ea typeface="Arial Narrow"/>
+                <a:cs typeface="Arial Narrow"/>
+                <a:sym typeface="Arial Narrow"/>
+              </a:rPr>
+              <a:t>Pastelillos</a:t>
+            </a:r>
+            <a:r>
+              <a:rPr lang="en-US" sz="5900" b="1" dirty="0">
+                <a:solidFill>
+                  <a:schemeClr val="lt1"/>
+                </a:solidFill>
+                <a:latin typeface="Arial Narrow"/>
+                <a:ea typeface="Arial Narrow"/>
+                <a:cs typeface="Arial Narrow"/>
+                <a:sym typeface="Arial Narrow"/>
+              </a:rPr>
+              <a:t> ………………………………</a:t>
+            </a:r>
+            <a:r>
+              <a:rPr lang="en-US" sz="5900" dirty="0">
+                <a:solidFill>
+                  <a:schemeClr val="lt1"/>
+                </a:solidFill>
+                <a:latin typeface="Arial Narrow"/>
+                <a:ea typeface="Arial Narrow"/>
+                <a:cs typeface="Arial Narrow"/>
+                <a:sym typeface="Arial Narrow"/>
+              </a:rPr>
+              <a:t>.....................................</a:t>
+            </a:r>
+            <a:r>
+              <a:rPr lang="en-US" sz="5900" dirty="0">
+                <a:solidFill>
+                  <a:srgbClr val="8CD872"/>
+                </a:solidFill>
+                <a:latin typeface="Arial Narrow"/>
+                <a:ea typeface="Arial Narrow"/>
+                <a:cs typeface="Arial Narrow"/>
+                <a:sym typeface="Arial Narrow"/>
+              </a:rPr>
+              <a:t>  </a:t>
+            </a:r>
+            <a:r>
+              <a:rPr lang="en-US" sz="5900" b="1" dirty="0">
+                <a:solidFill>
+                  <a:srgbClr val="8CD872"/>
+                </a:solidFill>
+                <a:latin typeface="Arial Narrow"/>
+                <a:ea typeface="Arial Narrow"/>
+                <a:cs typeface="Arial Narrow"/>
+                <a:sym typeface="Arial Narrow"/>
+              </a:rPr>
+              <a:t>5</a:t>
+            </a:r>
+          </a:p>
+          <a:p>
+            <a:pPr marL="2984500" lvl="0" indent="0" algn="l" rtl="0">
+              <a:spcBef>
+                <a:spcPts val="0"/>
+              </a:spcBef>
+              <a:spcAft>
+                <a:spcPts val="0"/>
+              </a:spcAft>
+              <a:buNone/>
+            </a:pPr>
+            <a:r>
+              <a:rPr lang="en-US" sz="5900" dirty="0">
+                <a:solidFill>
+                  <a:schemeClr val="lt1"/>
+                </a:solidFill>
+                <a:latin typeface="Arial Narrow"/>
+                <a:ea typeface="Arial Narrow"/>
+                <a:cs typeface="Arial Narrow"/>
+                <a:sym typeface="Arial Narrow"/>
+              </a:rPr>
+              <a:t>Stuffed fried empanadas (beef and cheese)</a:t>
+            </a:r>
+            <a:br>
+              <a:rPr lang="en-US" sz="5900" dirty="0">
+                <a:solidFill>
+                  <a:schemeClr val="lt1"/>
+                </a:solidFill>
+                <a:latin typeface="Arial Narrow"/>
+                <a:ea typeface="Arial Narrow"/>
+                <a:cs typeface="Arial Narrow"/>
+                <a:sym typeface="Arial Narrow"/>
+              </a:rPr>
+            </a:br>
+            <a:endParaRPr lang="en-US" sz="5900" dirty="0">
+              <a:solidFill>
+                <a:schemeClr val="lt1"/>
+              </a:solidFill>
+              <a:latin typeface="Arial Narrow"/>
+              <a:ea typeface="Arial Narrow"/>
+              <a:cs typeface="Arial Narrow"/>
+              <a:sym typeface="Arial Narrow"/>
+            </a:endParaRPr>
+          </a:p>
+          <a:p>
+            <a:pPr marL="1498600" marR="0" lvl="0" indent="-1041400" algn="l" rtl="0">
+              <a:spcBef>
+                <a:spcPts val="0"/>
+              </a:spcBef>
+              <a:spcAft>
+                <a:spcPts val="0"/>
+              </a:spcAft>
+              <a:buClr>
+                <a:schemeClr val="lt1"/>
+              </a:buClr>
+              <a:buSzPts val="4600"/>
+              <a:buFont typeface="Arial Narrow"/>
+              <a:buChar char="●"/>
+            </a:pPr>
+            <a:r>
+              <a:rPr lang="en-US" sz="5900" b="1" dirty="0" err="1">
+                <a:solidFill>
+                  <a:schemeClr val="lt1"/>
+                </a:solidFill>
+                <a:latin typeface="Arial Narrow"/>
+                <a:ea typeface="Arial Narrow"/>
+                <a:cs typeface="Arial Narrow"/>
+                <a:sym typeface="Arial Narrow"/>
+              </a:rPr>
+              <a:t>Pincho</a:t>
+            </a:r>
+            <a:r>
+              <a:rPr lang="en-US" sz="5900" b="1" dirty="0">
+                <a:solidFill>
+                  <a:schemeClr val="lt1"/>
+                </a:solidFill>
+                <a:latin typeface="Arial Narrow"/>
+                <a:ea typeface="Arial Narrow"/>
+                <a:cs typeface="Arial Narrow"/>
+                <a:sym typeface="Arial Narrow"/>
+              </a:rPr>
+              <a:t> Fries &amp; Smoked Chicken </a:t>
+            </a:r>
+            <a:r>
+              <a:rPr lang="en-US" sz="5900" dirty="0">
+                <a:solidFill>
+                  <a:schemeClr val="lt1"/>
+                </a:solidFill>
+                <a:latin typeface="Arial Narrow"/>
+                <a:ea typeface="Arial Narrow"/>
+                <a:cs typeface="Arial Narrow"/>
+                <a:sym typeface="Arial Narrow"/>
+              </a:rPr>
+              <a:t>…......................................</a:t>
+            </a:r>
+            <a:r>
+              <a:rPr lang="en-US" sz="5900" dirty="0">
+                <a:solidFill>
+                  <a:srgbClr val="8CD872"/>
+                </a:solidFill>
+                <a:latin typeface="Arial Narrow"/>
+                <a:ea typeface="Arial Narrow"/>
+                <a:cs typeface="Arial Narrow"/>
+                <a:sym typeface="Arial Narrow"/>
+              </a:rPr>
+              <a:t>  </a:t>
+            </a:r>
+            <a:r>
+              <a:rPr lang="en-US" sz="5900" b="1" dirty="0">
+                <a:solidFill>
+                  <a:srgbClr val="8CD872"/>
+                </a:solidFill>
+                <a:latin typeface="Arial Narrow"/>
+                <a:ea typeface="Arial Narrow"/>
+                <a:cs typeface="Arial Narrow"/>
+                <a:sym typeface="Arial Narrow"/>
+              </a:rPr>
+              <a:t>18</a:t>
+            </a:r>
+          </a:p>
+          <a:p>
+            <a:pPr marL="2984500" lvl="0" indent="0" algn="l" rtl="0">
+              <a:spcBef>
+                <a:spcPts val="0"/>
+              </a:spcBef>
+              <a:spcAft>
+                <a:spcPts val="0"/>
+              </a:spcAft>
+              <a:buNone/>
+            </a:pPr>
+            <a:r>
+              <a:rPr lang="en-US" sz="5900" dirty="0">
+                <a:solidFill>
+                  <a:schemeClr val="lt1"/>
+                </a:solidFill>
+                <a:latin typeface="Arial Narrow"/>
+                <a:ea typeface="Arial Narrow"/>
+                <a:cs typeface="Arial Narrow"/>
+                <a:sym typeface="Arial Narrow"/>
+              </a:rPr>
+              <a:t>Includes cheese, guava BBQ, &amp; cilantro</a:t>
+            </a:r>
+          </a:p>
+          <a:p>
+            <a:pPr marL="1498600" marR="0" lvl="0" indent="-1041400" algn="l" rtl="0">
+              <a:spcBef>
+                <a:spcPts val="0"/>
+              </a:spcBef>
+              <a:spcAft>
+                <a:spcPts val="0"/>
+              </a:spcAft>
+              <a:buClr>
+                <a:schemeClr val="lt1"/>
+              </a:buClr>
+              <a:buSzPts val="4600"/>
+              <a:buFont typeface="Arial Narrow"/>
+              <a:buChar char="●"/>
+            </a:pPr>
+            <a:r>
+              <a:rPr lang="en-US" sz="5900" b="1" dirty="0">
+                <a:solidFill>
+                  <a:schemeClr val="lt1"/>
+                </a:solidFill>
+                <a:latin typeface="Arial Narrow"/>
+                <a:ea typeface="Arial Narrow"/>
+                <a:cs typeface="Arial Narrow"/>
+                <a:sym typeface="Arial Narrow"/>
+              </a:rPr>
+              <a:t>Regular Fries </a:t>
+            </a:r>
+            <a:r>
+              <a:rPr lang="en-US" sz="5900" dirty="0">
+                <a:solidFill>
+                  <a:schemeClr val="lt1"/>
+                </a:solidFill>
+                <a:latin typeface="Arial Narrow"/>
+                <a:ea typeface="Arial Narrow"/>
+                <a:cs typeface="Arial Narrow"/>
+                <a:sym typeface="Arial Narrow"/>
+              </a:rPr>
+              <a:t>….......................................................................</a:t>
+            </a:r>
+            <a:r>
+              <a:rPr lang="en-US" sz="5900" dirty="0">
+                <a:solidFill>
+                  <a:srgbClr val="8CD872"/>
+                </a:solidFill>
+                <a:latin typeface="Arial Narrow"/>
+                <a:ea typeface="Arial Narrow"/>
+                <a:cs typeface="Arial Narrow"/>
+                <a:sym typeface="Arial Narrow"/>
+              </a:rPr>
+              <a:t>  </a:t>
+            </a:r>
+            <a:r>
+              <a:rPr lang="en-US" sz="5900" b="1" dirty="0">
+                <a:solidFill>
+                  <a:srgbClr val="8CD872"/>
+                </a:solidFill>
+                <a:latin typeface="Arial Narrow"/>
+                <a:ea typeface="Arial Narrow"/>
+                <a:cs typeface="Arial Narrow"/>
+                <a:sym typeface="Arial Narrow"/>
+              </a:rPr>
+              <a:t>9</a:t>
+            </a:r>
+            <a:endParaRPr lang="en-US" sz="2600" b="1" dirty="0">
+              <a:solidFill>
+                <a:schemeClr val="lt1"/>
+              </a:solidFill>
+              <a:latin typeface="Arial Narrow"/>
+              <a:ea typeface="Arial Narrow"/>
+              <a:cs typeface="Arial Narrow"/>
+              <a:sym typeface="Arial Narrow"/>
+            </a:endParaRPr>
+          </a:p>
+          <a:p>
+            <a:pPr marL="1498600" marR="0" lvl="0" indent="-1041400" algn="l" rtl="0">
+              <a:spcBef>
+                <a:spcPts val="0"/>
+              </a:spcBef>
+              <a:spcAft>
+                <a:spcPts val="0"/>
+              </a:spcAft>
+              <a:buClr>
+                <a:schemeClr val="lt1"/>
+              </a:buClr>
+              <a:buSzPts val="4600"/>
+              <a:buFont typeface="Arial Narrow"/>
+              <a:buChar char="●"/>
+            </a:pPr>
+            <a:r>
+              <a:rPr lang="en-US" sz="5900" b="1" dirty="0">
+                <a:solidFill>
+                  <a:schemeClr val="lt1"/>
+                </a:solidFill>
+                <a:latin typeface="Arial Narrow"/>
+                <a:ea typeface="Arial Narrow"/>
+                <a:cs typeface="Arial Narrow"/>
+                <a:sym typeface="Arial Narrow"/>
+              </a:rPr>
+              <a:t>Homestyle Fries </a:t>
+            </a:r>
+            <a:r>
+              <a:rPr lang="en-US" sz="5900" dirty="0">
+                <a:solidFill>
+                  <a:schemeClr val="lt1"/>
+                </a:solidFill>
+                <a:latin typeface="Arial Narrow"/>
+                <a:ea typeface="Arial Narrow"/>
+                <a:cs typeface="Arial Narrow"/>
+                <a:sym typeface="Arial Narrow"/>
+              </a:rPr>
+              <a:t>…..................................................................</a:t>
+            </a:r>
+            <a:r>
+              <a:rPr lang="en-US" sz="5900" dirty="0">
+                <a:solidFill>
+                  <a:srgbClr val="8CD872"/>
+                </a:solidFill>
+                <a:latin typeface="Arial Narrow"/>
+                <a:ea typeface="Arial Narrow"/>
+                <a:cs typeface="Arial Narrow"/>
+                <a:sym typeface="Arial Narrow"/>
+              </a:rPr>
+              <a:t>  </a:t>
+            </a:r>
+            <a:r>
+              <a:rPr lang="en-US" sz="5900" b="1" dirty="0">
+                <a:solidFill>
+                  <a:srgbClr val="8CD872"/>
+                </a:solidFill>
+                <a:latin typeface="Arial Narrow"/>
+                <a:ea typeface="Arial Narrow"/>
+                <a:cs typeface="Arial Narrow"/>
+                <a:sym typeface="Arial Narrow"/>
+              </a:rPr>
+              <a:t>5</a:t>
+            </a:r>
+            <a:br>
+              <a:rPr lang="en-US" sz="1600" dirty="0">
+                <a:solidFill>
+                  <a:schemeClr val="lt1"/>
+                </a:solidFill>
+                <a:latin typeface="Arial Narrow"/>
+                <a:ea typeface="Arial Narrow"/>
+                <a:cs typeface="Arial Narrow"/>
+                <a:sym typeface="Arial Narrow"/>
+              </a:rPr>
+            </a:br>
+            <a:endParaRPr sz="2600" dirty="0">
+              <a:solidFill>
+                <a:schemeClr val="lt1"/>
+              </a:solidFill>
+              <a:latin typeface="Arial Narrow"/>
+              <a:ea typeface="Arial Narrow"/>
+              <a:cs typeface="Arial Narrow"/>
+              <a:sym typeface="Arial Narrow"/>
+            </a:endParaRPr>
           </a:p>
         </p:txBody>
       </p:sp>

--- a/misc/Menu 24 by 36 on 12-12-24/2_DaBeast Services Menu.pptx
+++ b/misc/Menu 24 by 36 on 12-12-24/2_DaBeast Services Menu.pptx
@@ -267,7 +267,7 @@
       <p15:sldGuideLst xmlns:p15="http://schemas.microsoft.com/office/powerpoint/2012/main"/>
     </p:ext>
     <p:ext uri="GoogleSlidesCustomDataVersion2">
-      <go:slidesCustomData xmlns="" xmlns:mc="http://schemas.openxmlformats.org/markup-compatibility/2006" xmlns:mv="urn:schemas-microsoft-com:mac:vml" xmlns:c="http://schemas.openxmlformats.org/drawingml/2006/chart" xmlns:dgm="http://schemas.openxmlformats.org/drawingml/2006/diagram" xmlns:o="urn:schemas-microsoft-com:office:office" xmlns:v="urn:schemas-microsoft-com:vml" xmlns:pvml="urn:schemas-microsoft-com:office:powerpoint" xmlns:com="http://schemas.openxmlformats.org/drawingml/2006/compatibility" xmlns:p14="http://schemas.microsoft.com/office/powerpoint/2010/main" xmlns:p15="http://schemas.microsoft.com/office/powerpoint/2012/main" xmlns:ahyp="http://schemas.microsoft.com/office/drawing/2018/hyperlinkcolor" xmlns:go="http://customooxmlschemas.google.com/" r:id="rId14" roundtripDataSignature="AMtx7mhAGQ6bx072VdG0iiEFAjy+qtJDIw=="/>
+      <go:slidesCustomData xmlns:go="http://customooxmlschemas.google.com/" xmlns:ahyp="http://schemas.microsoft.com/office/drawing/2018/hyperlinkcolor" xmlns:p15="http://schemas.microsoft.com/office/powerpoint/2012/main" xmlns:p14="http://schemas.microsoft.com/office/powerpoint/2010/main" xmlns:com="http://schemas.openxmlformats.org/drawingml/2006/compatibility" xmlns:pvml="urn:schemas-microsoft-com:office:powerpoint" xmlns:v="urn:schemas-microsoft-com:vml" xmlns:o="urn:schemas-microsoft-com:office:office" xmlns:dgm="http://schemas.openxmlformats.org/drawingml/2006/diagram" xmlns:c="http://schemas.openxmlformats.org/drawingml/2006/chart" xmlns:mv="urn:schemas-microsoft-com:mac:vml" xmlns:mc="http://schemas.openxmlformats.org/markup-compatibility/2006" xmlns="" r:id="rId14" roundtripDataSignature="AMtx7mhAGQ6bx072VdG0iiEFAjy+qtJDIw=="/>
     </p:ext>
   </p:extLst>
 </p:presentation>
@@ -12077,7 +12077,7 @@
         </p:nvSpPr>
         <p:spPr>
           <a:xfrm>
-            <a:off x="953150" y="21095145"/>
+            <a:off x="953150" y="20882495"/>
             <a:ext cx="9859200" cy="7364837"/>
           </a:xfrm>
           <a:prstGeom prst="rect">
@@ -12145,6 +12145,87 @@
             </a:endParaRPr>
           </a:p>
           <a:p>
+            <a:pPr marL="927100" marR="0" lvl="0" indent="-933450" algn="l" rtl="0">
+              <a:spcBef>
+                <a:spcPts val="0"/>
+              </a:spcBef>
+              <a:spcAft>
+                <a:spcPts val="0"/>
+              </a:spcAft>
+              <a:buClr>
+                <a:schemeClr val="lt1"/>
+              </a:buClr>
+              <a:buSzPts val="5900"/>
+              <a:buFont typeface="Arial"/>
+              <a:buChar char="•"/>
+            </a:pPr>
+            <a:r>
+              <a:rPr lang="en-US" sz="5900" dirty="0">
+                <a:solidFill>
+                  <a:schemeClr val="lt1"/>
+                </a:solidFill>
+                <a:latin typeface="Arial Narrow"/>
+                <a:ea typeface="Arial Narrow"/>
+                <a:cs typeface="Arial Narrow"/>
+                <a:sym typeface="Arial Narrow"/>
+              </a:rPr>
+              <a:t>Fried Oreos ……………….. </a:t>
+            </a:r>
+            <a:r>
+              <a:rPr lang="en-US" sz="5900" b="1" dirty="0">
+                <a:solidFill>
+                  <a:srgbClr val="8CD872"/>
+                </a:solidFill>
+                <a:latin typeface="Arial Narrow"/>
+                <a:ea typeface="Arial Narrow"/>
+                <a:cs typeface="Arial Narrow"/>
+                <a:sym typeface="Arial Narrow"/>
+              </a:rPr>
+              <a:t>5</a:t>
+            </a:r>
+            <a:endParaRPr lang="en-US" sz="4600" dirty="0"/>
+          </a:p>
+          <a:p>
+            <a:pPr marL="927100" marR="0" lvl="0" indent="-933450" algn="l" rtl="0">
+              <a:spcBef>
+                <a:spcPts val="0"/>
+              </a:spcBef>
+              <a:spcAft>
+                <a:spcPts val="0"/>
+              </a:spcAft>
+              <a:buClr>
+                <a:schemeClr val="lt1"/>
+              </a:buClr>
+              <a:buSzPts val="5900"/>
+              <a:buFont typeface="Arial"/>
+              <a:buChar char="•"/>
+            </a:pPr>
+            <a:r>
+              <a:rPr lang="en-US" sz="5900" dirty="0">
+                <a:solidFill>
+                  <a:schemeClr val="lt1"/>
+                </a:solidFill>
+                <a:latin typeface="Arial Narrow"/>
+                <a:ea typeface="Arial Narrow"/>
+                <a:cs typeface="Arial Narrow"/>
+                <a:sym typeface="Arial Narrow"/>
+              </a:rPr>
+              <a:t>Fried Cheesecake Bites …. </a:t>
+            </a:r>
+            <a:r>
+              <a:rPr lang="en-US" sz="5900" b="1" dirty="0">
+                <a:solidFill>
+                  <a:srgbClr val="8CD872"/>
+                </a:solidFill>
+                <a:latin typeface="Arial Narrow"/>
+                <a:ea typeface="Arial Narrow"/>
+                <a:cs typeface="Arial Narrow"/>
+                <a:sym typeface="Arial Narrow"/>
+              </a:rPr>
+              <a:t>6</a:t>
+            </a:r>
+          </a:p>
+          <a:p>
             <a:pPr marL="927100" indent="-933450">
               <a:buClr>
                 <a:schemeClr val="lt1"/>
@@ -12228,84 +12309,7 @@
               <a:buFont typeface="Arial"/>
               <a:buChar char="•"/>
             </a:pPr>
-            <a:r>
-              <a:rPr lang="en-US" sz="5900" dirty="0">
-                <a:solidFill>
-                  <a:schemeClr val="lt1"/>
-                </a:solidFill>
-                <a:latin typeface="Arial Narrow"/>
-                <a:ea typeface="Arial Narrow"/>
-                <a:cs typeface="Arial Narrow"/>
-                <a:sym typeface="Arial Narrow"/>
-              </a:rPr>
-              <a:t>Fried Oreos ……………….. </a:t>
-            </a:r>
-            <a:r>
-              <a:rPr lang="en-US" sz="5900" b="1" dirty="0">
-                <a:solidFill>
-                  <a:srgbClr val="8CD872"/>
-                </a:solidFill>
-                <a:latin typeface="Arial Narrow"/>
-                <a:ea typeface="Arial Narrow"/>
-                <a:cs typeface="Arial Narrow"/>
-                <a:sym typeface="Arial Narrow"/>
-              </a:rPr>
-              <a:t>5</a:t>
-            </a:r>
-            <a:endParaRPr sz="4600" dirty="0"/>
-          </a:p>
-          <a:p>
-            <a:pPr marL="927100" marR="0" lvl="0" indent="-933450" algn="l" rtl="0">
-              <a:spcBef>
-                <a:spcPts val="0"/>
-              </a:spcBef>
-              <a:spcAft>
-                <a:spcPts val="0"/>
-              </a:spcAft>
-              <a:buClr>
-                <a:schemeClr val="lt1"/>
-              </a:buClr>
-              <a:buSzPts val="5900"/>
-              <a:buFont typeface="Arial"/>
-              <a:buChar char="•"/>
-            </a:pPr>
-            <a:r>
-              <a:rPr lang="en-US" sz="5900" dirty="0">
-                <a:solidFill>
-                  <a:schemeClr val="lt1"/>
-                </a:solidFill>
-                <a:latin typeface="Arial Narrow"/>
-                <a:ea typeface="Arial Narrow"/>
-                <a:cs typeface="Arial Narrow"/>
-                <a:sym typeface="Arial Narrow"/>
-              </a:rPr>
-              <a:t>Fried Cheesecake Bites …. </a:t>
-            </a:r>
-            <a:r>
-              <a:rPr lang="en-US" sz="5900" b="1" dirty="0">
-                <a:solidFill>
-                  <a:srgbClr val="8CD872"/>
-                </a:solidFill>
-                <a:latin typeface="Arial Narrow"/>
-                <a:ea typeface="Arial Narrow"/>
-                <a:cs typeface="Arial Narrow"/>
-                <a:sym typeface="Arial Narrow"/>
-              </a:rPr>
-              <a:t>6</a:t>
-            </a:r>
-            <a:endParaRPr sz="4600" dirty="0"/>
-          </a:p>
-          <a:p>
-            <a:pPr marL="1498600" marR="0" lvl="0" indent="0" algn="l" rtl="0">
-              <a:spcBef>
-                <a:spcPts val="0"/>
-              </a:spcBef>
-              <a:spcAft>
-                <a:spcPts val="0"/>
-              </a:spcAft>
-              <a:buNone/>
-            </a:pPr>
-            <a:endParaRPr sz="4600" dirty="0"/>
+            <a:endParaRPr lang="en-US" sz="4600" dirty="0"/>
           </a:p>
         </p:txBody>
       </p:sp>
@@ -12317,7 +12321,7 @@
         </p:nvCxnSpPr>
         <p:spPr>
           <a:xfrm>
-            <a:off x="497853" y="8565495"/>
+            <a:off x="497853" y="8480435"/>
             <a:ext cx="20755200" cy="0"/>
           </a:xfrm>
           <a:prstGeom prst="straightConnector1">
@@ -12343,7 +12347,7 @@
         </p:nvCxnSpPr>
         <p:spPr>
           <a:xfrm>
-            <a:off x="497853" y="23320896"/>
+            <a:off x="497853" y="23108246"/>
             <a:ext cx="20755200" cy="0"/>
           </a:xfrm>
           <a:prstGeom prst="straightConnector1">
@@ -12369,8 +12373,8 @@
         </p:nvSpPr>
         <p:spPr>
           <a:xfrm>
-            <a:off x="11416931" y="21095143"/>
-            <a:ext cx="9859200" cy="8980664"/>
+            <a:off x="11416931" y="20882493"/>
+            <a:ext cx="9859200" cy="9488495"/>
           </a:xfrm>
           <a:prstGeom prst="rect">
             <a:avLst/>
@@ -12577,8 +12581,61 @@
               </a:rPr>
               <a:t>3</a:t>
             </a:r>
+            <a:endParaRPr lang="en-US" sz="4600" dirty="0"/>
+          </a:p>
+          <a:p>
+            <a:pPr marL="2984500" marR="0" lvl="1" indent="-1041400" algn="l" rtl="0">
+              <a:spcBef>
+                <a:spcPts val="0"/>
+              </a:spcBef>
+              <a:spcAft>
+                <a:spcPts val="0"/>
+              </a:spcAft>
+              <a:buClr>
+                <a:schemeClr val="lt1"/>
+              </a:buClr>
+              <a:buSzPts val="4600"/>
+              <a:buFont typeface="Arial Narrow"/>
+              <a:buChar char="○"/>
+            </a:pPr>
+            <a:r>
+              <a:rPr lang="en-US" sz="4600" i="1" dirty="0">
+                <a:solidFill>
+                  <a:schemeClr val="lt1"/>
+                </a:solidFill>
+                <a:latin typeface="Arial Narrow"/>
+                <a:ea typeface="Arial Narrow"/>
+                <a:cs typeface="Arial Narrow"/>
+                <a:sym typeface="Arial Narrow"/>
+              </a:rPr>
+              <a:t>Gatorade, </a:t>
+            </a:r>
+            <a:r>
+              <a:rPr lang="en-US" sz="4600" i="1" dirty="0" err="1">
+                <a:solidFill>
+                  <a:schemeClr val="lt1"/>
+                </a:solidFill>
+                <a:latin typeface="Arial Narrow"/>
+                <a:ea typeface="Arial Narrow"/>
+                <a:cs typeface="Arial Narrow"/>
+                <a:sym typeface="Arial Narrow"/>
+              </a:rPr>
+              <a:t>Redbull</a:t>
+            </a:r>
+            <a:r>
+              <a:rPr lang="en-US" sz="4600" i="1" dirty="0">
+                <a:solidFill>
+                  <a:schemeClr val="lt1"/>
+                </a:solidFill>
+                <a:latin typeface="Arial Narrow"/>
+                <a:ea typeface="Arial Narrow"/>
+                <a:cs typeface="Arial Narrow"/>
+                <a:sym typeface="Arial Narrow"/>
+              </a:rPr>
+              <a:t>, Coke,</a:t>
+            </a:r>
             <a:br>
-              <a:rPr lang="en-US" sz="5900" dirty="0">
+              <a:rPr lang="en-US" sz="4600" i="1" dirty="0">
                 <a:solidFill>
                   <a:schemeClr val="lt1"/>
                 </a:solidFill>
@@ -12588,15 +12645,18 @@
                 <a:sym typeface="Arial Narrow"/>
               </a:rPr>
             </a:br>
-            <a:endParaRPr sz="5900" dirty="0">
-              <a:solidFill>
-                <a:schemeClr val="lt1"/>
-              </a:solidFill>
-              <a:latin typeface="Arial Narrow"/>
-              <a:ea typeface="Arial Narrow"/>
-              <a:cs typeface="Arial Narrow"/>
-              <a:sym typeface="Arial Narrow"/>
-            </a:endParaRPr>
+            <a:r>
+              <a:rPr lang="en-US" sz="4600" i="1" dirty="0">
+                <a:solidFill>
+                  <a:schemeClr val="lt1"/>
+                </a:solidFill>
+                <a:latin typeface="Arial Narrow"/>
+                <a:ea typeface="Arial Narrow"/>
+                <a:cs typeface="Arial Narrow"/>
+                <a:sym typeface="Arial Narrow"/>
+              </a:rPr>
+              <a:t>Sprite, Fanta, Iced Tea, etc.</a:t>
+            </a:r>
           </a:p>
           <a:p>
             <a:pPr marL="927100" marR="0" lvl="0" indent="-933450" algn="l" rtl="0">
@@ -12656,7 +12716,7 @@
         </p:blipFill>
         <p:spPr>
           <a:xfrm>
-            <a:off x="4054643" y="28201598"/>
+            <a:off x="4054643" y="28052743"/>
             <a:ext cx="2560503" cy="2560503"/>
           </a:xfrm>
           <a:prstGeom prst="rect">
@@ -12676,7 +12736,7 @@
         </p:nvSpPr>
         <p:spPr>
           <a:xfrm>
-            <a:off x="595237" y="31056122"/>
+            <a:off x="595237" y="30843472"/>
             <a:ext cx="9479100" cy="1101900"/>
           </a:xfrm>
           <a:prstGeom prst="rect">
@@ -12800,7 +12860,7 @@
         </p:nvSpPr>
         <p:spPr>
           <a:xfrm>
-            <a:off x="1200251" y="15790609"/>
+            <a:off x="1200251" y="15705549"/>
             <a:ext cx="19780445" cy="4661472"/>
           </a:xfrm>
           <a:prstGeom prst="roundRect">
@@ -12850,7 +12910,7 @@
         </p:nvSpPr>
         <p:spPr>
           <a:xfrm>
-            <a:off x="894849" y="6179576"/>
+            <a:off x="894849" y="6094516"/>
             <a:ext cx="20085900" cy="14320587"/>
           </a:xfrm>
           <a:prstGeom prst="rect">
@@ -13028,7 +13088,7 @@
                 <a:cs typeface="Arial Narrow"/>
                 <a:sym typeface="Arial Narrow"/>
               </a:rPr>
-              <a:t>…………….…..........................</a:t>
+              <a:t>…………….….............................</a:t>
             </a:r>
             <a:r>
               <a:rPr lang="en-US" sz="5900" dirty="0">
@@ -13052,7 +13112,7 @@
                 <a:cs typeface="Arial Narrow"/>
                 <a:sym typeface="Arial Narrow"/>
               </a:rPr>
-              <a:t>13.5</a:t>
+              <a:t>13</a:t>
             </a:r>
             <a:endParaRPr lang="en-US" sz="5900" b="1" dirty="0">
               <a:solidFill>
@@ -13176,15 +13236,6 @@
               </a:rPr>
               <a:t>Add 3</a:t>
             </a:r>
-            <a:endParaRPr sz="5900" b="1" dirty="0">
-              <a:solidFill>
-                <a:srgbClr val="8CD872"/>
-              </a:solidFill>
-              <a:latin typeface="Arial Narrow"/>
-              <a:ea typeface="Arial Narrow"/>
-              <a:cs typeface="Arial Narrow"/>
-              <a:sym typeface="Arial Narrow"/>
-            </a:endParaRPr>
           </a:p>
           <a:p>
             <a:pPr marL="2984500" lvl="0" indent="0" algn="l" rtl="0">
@@ -13207,7 +13258,7 @@
             </a:endParaRPr>
           </a:p>
           <a:p>
-            <a:pPr marL="1498600" marR="0" lvl="0" indent="-1041400" algn="l" rtl="0">
+            <a:pPr marL="1498600" lvl="0" indent="-1041400" algn="l" rtl="0">
               <a:spcBef>
                 <a:spcPts val="0"/>
               </a:spcBef>
@@ -13283,14 +13334,19 @@
             </a:r>
           </a:p>
           <a:p>
-            <a:pPr marL="2984500" lvl="0" indent="0" algn="l" rtl="0">
-              <a:spcBef>
-                <a:spcPts val="0"/>
-              </a:spcBef>
-              <a:spcAft>
-                <a:spcPts val="0"/>
-              </a:spcAft>
-              <a:buNone/>
+            <a:pPr marL="2984500" lvl="1" indent="-1123950" algn="l" rtl="0">
+              <a:spcBef>
+                <a:spcPts val="0"/>
+              </a:spcBef>
+              <a:spcAft>
+                <a:spcPts val="0"/>
+              </a:spcAft>
+              <a:buClr>
+                <a:schemeClr val="lt1"/>
+              </a:buClr>
+              <a:buSzPts val="5900"/>
+              <a:buFont typeface="Arial Narrow"/>
+              <a:buChar char="○"/>
             </a:pPr>
             <a:r>
               <a:rPr lang="en-US" sz="5900" dirty="0">
@@ -13326,7 +13382,7 @@
             </a:endParaRPr>
           </a:p>
           <a:p>
-            <a:pPr marL="1498600" marR="0" lvl="0" indent="-1041400" algn="l" rtl="0">
+            <a:pPr marL="1498600" lvl="0" indent="-1041400" algn="l" rtl="0">
               <a:spcBef>
                 <a:spcPts val="0"/>
               </a:spcBef>
@@ -13362,7 +13418,7 @@
                 <a:cs typeface="Arial Narrow"/>
                 <a:sym typeface="Arial Narrow"/>
               </a:rPr>
-              <a:t> Fries &amp; Smoked Chicken </a:t>
+              <a:t> Fries </a:t>
             </a:r>
             <a:r>
               <a:rPr lang="en-US" sz="5900" dirty="0">
@@ -13374,7 +13430,7 @@
                 <a:cs typeface="Arial Narrow"/>
                 <a:sym typeface="Arial Narrow"/>
               </a:rPr>
-              <a:t>…......................................</a:t>
+              <a:t>….......................................................................</a:t>
             </a:r>
             <a:r>
               <a:rPr lang="en-US" sz="5900" dirty="0">
@@ -13402,14 +13458,19 @@
             </a:r>
           </a:p>
           <a:p>
-            <a:pPr marL="2984500" lvl="0" indent="0" algn="l" rtl="0">
-              <a:spcBef>
-                <a:spcPts val="0"/>
-              </a:spcBef>
-              <a:spcAft>
-                <a:spcPts val="0"/>
-              </a:spcAft>
-              <a:buNone/>
+            <a:pPr marL="2984500" lvl="1" indent="-1123950" algn="l" rtl="0">
+              <a:spcBef>
+                <a:spcPts val="0"/>
+              </a:spcBef>
+              <a:spcAft>
+                <a:spcPts val="0"/>
+              </a:spcAft>
+              <a:buClr>
+                <a:schemeClr val="lt1"/>
+              </a:buClr>
+              <a:buSzPts val="5900"/>
+              <a:buFont typeface="Arial Narrow"/>
+              <a:buChar char="○"/>
             </a:pPr>
             <a:r>
               <a:rPr lang="en-US" sz="5900" dirty="0">
@@ -13421,7 +13482,7 @@
                 <a:cs typeface="Arial Narrow"/>
                 <a:sym typeface="Arial Narrow"/>
               </a:rPr>
-              <a:t>Includes cheese, guava BBQ, &amp; cilantro</a:t>
+              <a:t>Includes smoked chicken, cheese, guava BBQ, &amp; cilantro</a:t>
             </a:r>
           </a:p>
           <a:p>

--- a/misc/Menu 24 by 36 on 12-12-24/2_DaBeast Services Menu.pptx
+++ b/misc/Menu 24 by 36 on 12-12-24/2_DaBeast Services Menu.pptx
@@ -12608,31 +12608,7 @@
                 <a:cs typeface="Arial Narrow"/>
                 <a:sym typeface="Arial Narrow"/>
               </a:rPr>
-              <a:t>Gatorade, </a:t>
-            </a:r>
-            <a:r>
-              <a:rPr lang="en-US" sz="4600" i="1" dirty="0" err="1">
-                <a:solidFill>
-                  <a:schemeClr val="lt1"/>
-                </a:solidFill>
-                <a:latin typeface="Arial Narrow"/>
-                <a:ea typeface="Arial Narrow"/>
-                <a:cs typeface="Arial Narrow"/>
-                <a:sym typeface="Arial Narrow"/>
-              </a:rPr>
-              <a:t>Redbull</a:t>
-            </a:r>
-            <a:r>
-              <a:rPr lang="en-US" sz="4600" i="1" dirty="0">
-                <a:solidFill>
-                  <a:schemeClr val="lt1"/>
-                </a:solidFill>
-                <a:latin typeface="Arial Narrow"/>
-                <a:ea typeface="Arial Narrow"/>
-                <a:cs typeface="Arial Narrow"/>
-                <a:sym typeface="Arial Narrow"/>
-              </a:rPr>
-              <a:t>, Coke,</a:t>
+              <a:t>Gatorade, Red Bull, Coke,</a:t>
             </a:r>
             <a:br>
               <a:rPr lang="en-US" sz="4600" i="1" dirty="0">
@@ -12860,8 +12836,8 @@
         </p:nvSpPr>
         <p:spPr>
           <a:xfrm>
-            <a:off x="1200251" y="15705549"/>
-            <a:ext cx="19780445" cy="4661472"/>
+            <a:off x="1200251" y="16688774"/>
+            <a:ext cx="19780445" cy="4381755"/>
           </a:xfrm>
           <a:prstGeom prst="roundRect">
             <a:avLst>
@@ -12911,7 +12887,7 @@
         <p:spPr>
           <a:xfrm>
             <a:off x="894849" y="6094516"/>
-            <a:ext cx="20085900" cy="14320587"/>
+            <a:ext cx="20085900" cy="15228528"/>
           </a:xfrm>
           <a:prstGeom prst="rect">
             <a:avLst/>
@@ -13041,9 +13017,67 @@
               </a:rPr>
               <a:t>13.5</a:t>
             </a:r>
-            <a:endParaRPr sz="5900" b="1" dirty="0">
+          </a:p>
+          <a:p>
+            <a:pPr marL="2984500" lvl="1" indent="-1123950">
+              <a:buClr>
+                <a:schemeClr val="lt1"/>
+              </a:buClr>
+              <a:buSzPts val="5900"/>
+              <a:buFont typeface="Arial Narrow"/>
+              <a:buChar char="○"/>
+            </a:pPr>
+            <a:r>
+              <a:rPr lang="en-US" sz="5900" dirty="0">
+                <a:solidFill>
+                  <a:schemeClr val="lt1"/>
+                </a:solidFill>
+                <a:latin typeface="Arial Narrow"/>
+                <a:ea typeface="Arial Narrow"/>
+                <a:cs typeface="Arial Narrow"/>
+                <a:sym typeface="Arial Narrow"/>
+              </a:rPr>
+              <a:t>With</a:t>
+            </a:r>
+            <a:r>
+              <a:rPr lang="en-US" sz="5900" b="1" dirty="0">
+                <a:solidFill>
+                  <a:schemeClr val="lt1"/>
+                </a:solidFill>
+                <a:latin typeface="Arial Narrow"/>
+                <a:ea typeface="Arial Narrow"/>
+                <a:cs typeface="Arial Narrow"/>
+                <a:sym typeface="Arial Narrow"/>
+              </a:rPr>
+              <a:t> bacon  </a:t>
+            </a:r>
+            <a:r>
+              <a:rPr lang="en-US" sz="5900" dirty="0">
+                <a:solidFill>
+                  <a:schemeClr val="lt1"/>
+                </a:solidFill>
+                <a:latin typeface="Arial Narrow"/>
+                <a:ea typeface="Arial Narrow"/>
+                <a:cs typeface="Arial Narrow"/>
+                <a:sym typeface="Arial Narrow"/>
+              </a:rPr>
+              <a:t>……………………………………….......</a:t>
+            </a:r>
+            <a:r>
+              <a:rPr lang="en-US" sz="5900" b="1" dirty="0">
+                <a:solidFill>
+                  <a:srgbClr val="8CD872"/>
+                </a:solidFill>
+                <a:latin typeface="Arial Narrow"/>
+                <a:ea typeface="Arial Narrow"/>
+                <a:cs typeface="Arial Narrow"/>
+                <a:sym typeface="Arial Narrow"/>
+              </a:rPr>
+              <a:t> Add 1.5</a:t>
+            </a:r>
+            <a:endParaRPr lang="en-US" sz="5900" b="1" dirty="0">
               <a:solidFill>
-                <a:srgbClr val="8CD872"/>
+                <a:schemeClr val="lt1"/>
               </a:solidFill>
               <a:latin typeface="Arial Narrow"/>
               <a:ea typeface="Arial Narrow"/>
@@ -13198,13 +13232,7 @@
             </a:endParaRPr>
           </a:p>
           <a:p>
-            <a:pPr marL="2984500" lvl="1" indent="-1123950" algn="l" rtl="0">
-              <a:spcBef>
-                <a:spcPts val="0"/>
-              </a:spcBef>
-              <a:spcAft>
-                <a:spcPts val="0"/>
-              </a:spcAft>
+            <a:pPr marL="2984500" indent="-1123950">
               <a:buClr>
                 <a:schemeClr val="lt1"/>
               </a:buClr>
@@ -13222,7 +13250,7 @@
                 <a:cs typeface="Arial Narrow"/>
                 <a:sym typeface="Arial Narrow"/>
               </a:rPr>
-              <a:t>Meal deal: Chips and drink ……………………………. </a:t>
+              <a:t>Meal deal: Chips and drink …………………………..... </a:t>
             </a:r>
             <a:r>
               <a:rPr lang="en-US" sz="5900" b="1" dirty="0">
@@ -13238,14 +13266,13 @@
             </a:r>
           </a:p>
           <a:p>
-            <a:pPr marL="2984500" lvl="0" indent="0" algn="l" rtl="0">
-              <a:spcBef>
-                <a:spcPts val="0"/>
-              </a:spcBef>
-              <a:spcAft>
-                <a:spcPts val="0"/>
-              </a:spcAft>
-              <a:buNone/>
+            <a:pPr marL="2984500" indent="-1123950">
+              <a:buClr>
+                <a:schemeClr val="lt1"/>
+              </a:buClr>
+              <a:buSzPts val="5900"/>
+              <a:buFont typeface="Arial Narrow"/>
+              <a:buChar char="○"/>
             </a:pPr>
             <a:endParaRPr lang="en-US" sz="5900" dirty="0">
               <a:solidFill>
@@ -13318,7 +13345,7 @@
                 <a:cs typeface="Arial Narrow"/>
                 <a:sym typeface="Arial Narrow"/>
               </a:rPr>
-              <a:t>  </a:t>
+              <a:t>.. </a:t>
             </a:r>
             <a:r>
               <a:rPr lang="en-US" sz="5900" b="1" dirty="0">
@@ -13358,7 +13385,31 @@
                 <a:cs typeface="Arial Narrow"/>
                 <a:sym typeface="Arial Narrow"/>
               </a:rPr>
-              <a:t>Stuffed fried empanadas (beef and cheese)</a:t>
+              <a:t>Stuffed fried </a:t>
+            </a:r>
+            <a:r>
+              <a:rPr lang="en-US" sz="5900" b="1" dirty="0">
+                <a:solidFill>
+                  <a:schemeClr val="lt1"/>
+                </a:solidFill>
+                <a:latin typeface="Arial Narrow"/>
+                <a:ea typeface="Arial Narrow"/>
+                <a:cs typeface="Arial Narrow"/>
+                <a:sym typeface="Arial Narrow"/>
+              </a:rPr>
+              <a:t>empanadas</a:t>
+            </a:r>
+            <a:r>
+              <a:rPr lang="en-US" sz="5900" dirty="0">
+                <a:solidFill>
+                  <a:schemeClr val="lt1"/>
+                </a:solidFill>
+                <a:latin typeface="Arial Narrow"/>
+                <a:ea typeface="Arial Narrow"/>
+                <a:cs typeface="Arial Narrow"/>
+                <a:sym typeface="Arial Narrow"/>
+              </a:rPr>
+              <a:t> (beef and cheese)</a:t>
             </a:r>
             <a:br>
               <a:rPr lang="en-US" sz="5900" dirty="0">
@@ -13644,6 +13695,239 @@
           </a:p>
         </p:txBody>
       </p:sp>
+      <p:grpSp>
+        <p:nvGrpSpPr>
+          <p:cNvPr id="15" name="Group 14">
+            <a:extLst>
+              <a:ext uri="{FF2B5EF4-FFF2-40B4-BE49-F238E27FC236}">
+                <a16:creationId xmlns:a16="http://schemas.microsoft.com/office/drawing/2014/main" id="{F0A390F7-70A9-4BC0-B08B-4552209E8164}"/>
+              </a:ext>
+            </a:extLst>
+          </p:cNvPr>
+          <p:cNvGrpSpPr/>
+          <p:nvPr/>
+        </p:nvGrpSpPr>
+        <p:grpSpPr>
+          <a:xfrm>
+            <a:off x="1832007" y="9525805"/>
+            <a:ext cx="2222636" cy="3730290"/>
+            <a:chOff x="1832007" y="9525805"/>
+            <a:chExt cx="2222636" cy="3730290"/>
+          </a:xfrm>
+        </p:grpSpPr>
+        <p:sp>
+          <p:nvSpPr>
+            <p:cNvPr id="4" name="Rectangle 3">
+              <a:extLst>
+                <a:ext uri="{FF2B5EF4-FFF2-40B4-BE49-F238E27FC236}">
+                  <a16:creationId xmlns:a16="http://schemas.microsoft.com/office/drawing/2014/main" id="{D2178AA9-52F4-48B2-9E84-6DD1AABE18D5}"/>
+                </a:ext>
+              </a:extLst>
+            </p:cNvPr>
+            <p:cNvSpPr/>
+            <p:nvPr/>
+          </p:nvSpPr>
+          <p:spPr>
+            <a:xfrm>
+              <a:off x="2993011" y="12888450"/>
+              <a:ext cx="1061632" cy="367645"/>
+            </a:xfrm>
+            <a:prstGeom prst="rect">
+              <a:avLst/>
+            </a:prstGeom>
+            <a:noFill/>
+            <a:ln>
+              <a:noFill/>
+            </a:ln>
+          </p:spPr>
+          <p:style>
+            <a:lnRef idx="2">
+              <a:schemeClr val="accent1">
+                <a:shade val="50000"/>
+              </a:schemeClr>
+            </a:lnRef>
+            <a:fillRef idx="1">
+              <a:schemeClr val="accent1"/>
+            </a:fillRef>
+            <a:effectRef idx="0">
+              <a:schemeClr val="accent1"/>
+            </a:effectRef>
+            <a:fontRef idx="minor">
+              <a:schemeClr val="lt1"/>
+            </a:fontRef>
+          </p:style>
+          <p:txBody>
+            <a:bodyPr rtlCol="0" anchor="ctr"/>
+            <a:lstStyle/>
+            <a:p>
+              <a:pPr algn="ctr"/>
+              <a:endParaRPr lang="en-US"/>
+            </a:p>
+          </p:txBody>
+        </p:sp>
+        <p:cxnSp>
+          <p:nvCxnSpPr>
+            <p:cNvPr id="8" name="Connector: Elbow 7">
+              <a:extLst>
+                <a:ext uri="{FF2B5EF4-FFF2-40B4-BE49-F238E27FC236}">
+                  <a16:creationId xmlns:a16="http://schemas.microsoft.com/office/drawing/2014/main" id="{61407823-9A88-477B-A998-48180145C7F1}"/>
+                </a:ext>
+              </a:extLst>
+            </p:cNvPr>
+            <p:cNvCxnSpPr>
+              <a:cxnSpLocks/>
+              <a:endCxn id="4" idx="1"/>
+            </p:cNvCxnSpPr>
+            <p:nvPr/>
+          </p:nvCxnSpPr>
+          <p:spPr>
+            <a:xfrm rot="16200000" flipH="1">
+              <a:off x="639275" y="10718537"/>
+              <a:ext cx="3546468" cy="1161003"/>
+            </a:xfrm>
+            <a:prstGeom prst="bentConnector2">
+              <a:avLst/>
+            </a:prstGeom>
+            <a:ln w="57150" cap="rnd">
+              <a:solidFill>
+                <a:schemeClr val="bg1"/>
+              </a:solidFill>
+              <a:prstDash val="sysDot"/>
+              <a:round/>
+              <a:tailEnd type="stealth"/>
+            </a:ln>
+          </p:spPr>
+          <p:style>
+            <a:lnRef idx="1">
+              <a:schemeClr val="accent1"/>
+            </a:lnRef>
+            <a:fillRef idx="0">
+              <a:schemeClr val="accent1"/>
+            </a:fillRef>
+            <a:effectRef idx="0">
+              <a:schemeClr val="accent1"/>
+            </a:effectRef>
+            <a:fontRef idx="minor">
+              <a:schemeClr val="tx1"/>
+            </a:fontRef>
+          </p:style>
+        </p:cxnSp>
+        <p:grpSp>
+          <p:nvGrpSpPr>
+            <p:cNvPr id="13" name="Group 12">
+              <a:extLst>
+                <a:ext uri="{FF2B5EF4-FFF2-40B4-BE49-F238E27FC236}">
+                  <a16:creationId xmlns:a16="http://schemas.microsoft.com/office/drawing/2014/main" id="{070F665B-7F65-4565-8667-05C97B32CC51}"/>
+                </a:ext>
+              </a:extLst>
+            </p:cNvPr>
+            <p:cNvGrpSpPr/>
+            <p:nvPr/>
+          </p:nvGrpSpPr>
+          <p:grpSpPr>
+            <a:xfrm>
+              <a:off x="3086435" y="9886814"/>
+              <a:ext cx="259334" cy="999811"/>
+              <a:chOff x="3085806" y="9887577"/>
+              <a:chExt cx="259334" cy="999811"/>
+            </a:xfrm>
+          </p:grpSpPr>
+          <p:cxnSp>
+            <p:nvCxnSpPr>
+              <p:cNvPr id="11" name="Straight Connector 10">
+                <a:extLst>
+                  <a:ext uri="{FF2B5EF4-FFF2-40B4-BE49-F238E27FC236}">
+                    <a16:creationId xmlns:a16="http://schemas.microsoft.com/office/drawing/2014/main" id="{A08D5958-C764-448E-90A2-C685E1E47884}"/>
+                  </a:ext>
+                </a:extLst>
+              </p:cNvPr>
+              <p:cNvCxnSpPr/>
+              <p:nvPr/>
+            </p:nvCxnSpPr>
+            <p:spPr>
+              <a:xfrm>
+                <a:off x="3215473" y="9887577"/>
+                <a:ext cx="0" cy="999811"/>
+              </a:xfrm>
+              <a:prstGeom prst="line">
+                <a:avLst/>
+              </a:prstGeom>
+              <a:ln w="57150" cap="rnd">
+                <a:solidFill>
+                  <a:schemeClr val="bg1"/>
+                </a:solidFill>
+                <a:prstDash val="sysDot"/>
+              </a:ln>
+            </p:spPr>
+            <p:style>
+              <a:lnRef idx="1">
+                <a:schemeClr val="accent1"/>
+              </a:lnRef>
+              <a:fillRef idx="0">
+                <a:schemeClr val="accent1"/>
+              </a:fillRef>
+              <a:effectRef idx="0">
+                <a:schemeClr val="accent1"/>
+              </a:effectRef>
+              <a:fontRef idx="minor">
+                <a:schemeClr val="tx1"/>
+              </a:fontRef>
+            </p:style>
+          </p:cxnSp>
+          <p:sp>
+            <p:nvSpPr>
+              <p:cNvPr id="12" name="Oval 11">
+                <a:extLst>
+                  <a:ext uri="{FF2B5EF4-FFF2-40B4-BE49-F238E27FC236}">
+                    <a16:creationId xmlns:a16="http://schemas.microsoft.com/office/drawing/2014/main" id="{655E8217-FA33-4C6D-A9C5-206215842B38}"/>
+                  </a:ext>
+                </a:extLst>
+              </p:cNvPr>
+              <p:cNvSpPr/>
+              <p:nvPr/>
+            </p:nvSpPr>
+            <p:spPr>
+              <a:xfrm>
+                <a:off x="3085806" y="10228897"/>
+                <a:ext cx="259334" cy="259332"/>
+              </a:xfrm>
+              <a:prstGeom prst="ellipse">
+                <a:avLst/>
+              </a:prstGeom>
+              <a:solidFill>
+                <a:srgbClr val="262626"/>
+              </a:solidFill>
+              <a:ln>
+                <a:noFill/>
+              </a:ln>
+            </p:spPr>
+            <p:style>
+              <a:lnRef idx="2">
+                <a:schemeClr val="accent1">
+                  <a:shade val="50000"/>
+                </a:schemeClr>
+              </a:lnRef>
+              <a:fillRef idx="1">
+                <a:schemeClr val="accent1"/>
+              </a:fillRef>
+              <a:effectRef idx="0">
+                <a:schemeClr val="accent1"/>
+              </a:effectRef>
+              <a:fontRef idx="minor">
+                <a:schemeClr val="lt1"/>
+              </a:fontRef>
+            </p:style>
+            <p:txBody>
+              <a:bodyPr rtlCol="0" anchor="ctr"/>
+              <a:lstStyle/>
+              <a:p>
+                <a:pPr algn="ctr"/>
+                <a:endParaRPr lang="en-US"/>
+              </a:p>
+            </p:txBody>
+          </p:sp>
+        </p:grpSp>
+      </p:grpSp>
     </p:spTree>
   </p:cSld>
   <p:clrMapOvr>

--- a/misc/Menu 24 by 36 on 12-12-24/2_DaBeast Services Menu.pptx
+++ b/misc/Menu 24 by 36 on 12-12-24/2_DaBeast Services Menu.pptx
@@ -267,7 +267,7 @@
       <p15:sldGuideLst xmlns:p15="http://schemas.microsoft.com/office/powerpoint/2012/main"/>
     </p:ext>
     <p:ext uri="GoogleSlidesCustomDataVersion2">
-      <go:slidesCustomData xmlns:go="http://customooxmlschemas.google.com/" xmlns:ahyp="http://schemas.microsoft.com/office/drawing/2018/hyperlinkcolor" xmlns:p15="http://schemas.microsoft.com/office/powerpoint/2012/main" xmlns:p14="http://schemas.microsoft.com/office/powerpoint/2010/main" xmlns:com="http://schemas.openxmlformats.org/drawingml/2006/compatibility" xmlns:pvml="urn:schemas-microsoft-com:office:powerpoint" xmlns:v="urn:schemas-microsoft-com:vml" xmlns:o="urn:schemas-microsoft-com:office:office" xmlns:dgm="http://schemas.openxmlformats.org/drawingml/2006/diagram" xmlns:c="http://schemas.openxmlformats.org/drawingml/2006/chart" xmlns:mv="urn:schemas-microsoft-com:mac:vml" xmlns:mc="http://schemas.openxmlformats.org/markup-compatibility/2006" xmlns="" r:id="rId14" roundtripDataSignature="AMtx7mhAGQ6bx072VdG0iiEFAjy+qtJDIw=="/>
+      <go:slidesCustomData xmlns="" xmlns:mc="http://schemas.openxmlformats.org/markup-compatibility/2006" xmlns:mv="urn:schemas-microsoft-com:mac:vml" xmlns:c="http://schemas.openxmlformats.org/drawingml/2006/chart" xmlns:dgm="http://schemas.openxmlformats.org/drawingml/2006/diagram" xmlns:o="urn:schemas-microsoft-com:office:office" xmlns:v="urn:schemas-microsoft-com:vml" xmlns:pvml="urn:schemas-microsoft-com:office:powerpoint" xmlns:com="http://schemas.openxmlformats.org/drawingml/2006/compatibility" xmlns:p14="http://schemas.microsoft.com/office/powerpoint/2010/main" xmlns:p15="http://schemas.microsoft.com/office/powerpoint/2012/main" xmlns:ahyp="http://schemas.microsoft.com/office/drawing/2018/hyperlinkcolor" xmlns:go="http://customooxmlschemas.google.com/" r:id="rId14" roundtripDataSignature="AMtx7mhAGQ6bx072VdG0iiEFAjy+qtJDIw=="/>
     </p:ext>
   </p:extLst>
 </p:presentation>
@@ -12374,7 +12374,7 @@
         <p:spPr>
           <a:xfrm>
             <a:off x="11416931" y="20882493"/>
-            <a:ext cx="9859200" cy="9488495"/>
+            <a:ext cx="9859200" cy="10396436"/>
           </a:xfrm>
           <a:prstGeom prst="rect">
             <a:avLst/>
@@ -12649,8 +12649,33 @@
               <a:buFont typeface="Arial"/>
               <a:buChar char="•"/>
             </a:pPr>
+            <a:endParaRPr lang="en-US" sz="5900">
+              <a:solidFill>
+                <a:schemeClr val="lt1"/>
+              </a:solidFill>
+              <a:latin typeface="Arial Narrow"/>
+              <a:ea typeface="Arial Narrow"/>
+              <a:cs typeface="Arial Narrow"/>
+              <a:sym typeface="Arial Narrow"/>
+            </a:endParaRPr>
+          </a:p>
+          <a:p>
+            <a:pPr marL="927100" marR="0" lvl="0" indent="-933450" algn="l" rtl="0">
+              <a:spcBef>
+                <a:spcPts val="0"/>
+              </a:spcBef>
+              <a:spcAft>
+                <a:spcPts val="0"/>
+              </a:spcAft>
+              <a:buClr>
+                <a:schemeClr val="lt1"/>
+              </a:buClr>
+              <a:buSzPts val="5900"/>
+              <a:buFont typeface="Arial"/>
+              <a:buChar char="•"/>
+            </a:pPr>
             <a:r>
-              <a:rPr lang="en-US" sz="5900" dirty="0">
+              <a:rPr lang="en-US" sz="5900">
                 <a:solidFill>
                   <a:schemeClr val="lt1"/>
                 </a:solidFill>
@@ -12659,7 +12684,19 @@
                 <a:cs typeface="Arial Narrow"/>
                 <a:sym typeface="Arial Narrow"/>
               </a:rPr>
-              <a:t>Water ……………………….. </a:t>
+              <a:t>Water </a:t>
+            </a:r>
+            <a:r>
+              <a:rPr lang="en-US" sz="5900" dirty="0">
+                <a:solidFill>
+                  <a:schemeClr val="lt1"/>
+                </a:solidFill>
+                <a:latin typeface="Arial Narrow"/>
+                <a:ea typeface="Arial Narrow"/>
+                <a:cs typeface="Arial Narrow"/>
+                <a:sym typeface="Arial Narrow"/>
+              </a:rPr>
+              <a:t>……………………….. </a:t>
             </a:r>
             <a:r>
               <a:rPr lang="en-US" sz="5900" b="1" dirty="0">

--- a/misc/Menu 24 by 36 on 12-12-24/2_DaBeast Services Menu.pptx
+++ b/misc/Menu 24 by 36 on 12-12-24/2_DaBeast Services Menu.pptx
@@ -267,7 +267,7 @@
       <p15:sldGuideLst xmlns:p15="http://schemas.microsoft.com/office/powerpoint/2012/main"/>
     </p:ext>
     <p:ext uri="GoogleSlidesCustomDataVersion2">
-      <go:slidesCustomData xmlns="" xmlns:mc="http://schemas.openxmlformats.org/markup-compatibility/2006" xmlns:mv="urn:schemas-microsoft-com:mac:vml" xmlns:c="http://schemas.openxmlformats.org/drawingml/2006/chart" xmlns:dgm="http://schemas.openxmlformats.org/drawingml/2006/diagram" xmlns:o="urn:schemas-microsoft-com:office:office" xmlns:v="urn:schemas-microsoft-com:vml" xmlns:pvml="urn:schemas-microsoft-com:office:powerpoint" xmlns:com="http://schemas.openxmlformats.org/drawingml/2006/compatibility" xmlns:p14="http://schemas.microsoft.com/office/powerpoint/2010/main" xmlns:p15="http://schemas.microsoft.com/office/powerpoint/2012/main" xmlns:ahyp="http://schemas.microsoft.com/office/drawing/2018/hyperlinkcolor" xmlns:go="http://customooxmlschemas.google.com/" r:id="rId14" roundtripDataSignature="AMtx7mhAGQ6bx072VdG0iiEFAjy+qtJDIw=="/>
+      <go:slidesCustomData xmlns:go="http://customooxmlschemas.google.com/" xmlns:ahyp="http://schemas.microsoft.com/office/drawing/2018/hyperlinkcolor" xmlns:p15="http://schemas.microsoft.com/office/powerpoint/2012/main" xmlns:p14="http://schemas.microsoft.com/office/powerpoint/2010/main" xmlns:com="http://schemas.openxmlformats.org/drawingml/2006/compatibility" xmlns:pvml="urn:schemas-microsoft-com:office:powerpoint" xmlns:v="urn:schemas-microsoft-com:vml" xmlns:o="urn:schemas-microsoft-com:office:office" xmlns:dgm="http://schemas.openxmlformats.org/drawingml/2006/diagram" xmlns:c="http://schemas.openxmlformats.org/drawingml/2006/chart" xmlns:mv="urn:schemas-microsoft-com:mac:vml" xmlns:mc="http://schemas.openxmlformats.org/markup-compatibility/2006" xmlns="" r:id="rId14" roundtripDataSignature="AMtx7mhAGQ6bx072VdG0iiEFAjy+qtJDIw=="/>
     </p:ext>
   </p:extLst>
 </p:presentation>
@@ -12210,20 +12210,41 @@
                 <a:cs typeface="Arial Narrow"/>
                 <a:sym typeface="Arial Narrow"/>
               </a:rPr>
-              <a:t>Fried Cheesecake Bites …. </a:t>
+              <a:t>Fried Cheesecake Bites </a:t>
             </a:r>
             <a:r>
-              <a:rPr lang="en-US" sz="5900" b="1" dirty="0">
-                <a:solidFill>
-                  <a:srgbClr val="8CD872"/>
+              <a:rPr lang="en-US" sz="5900">
+                <a:solidFill>
+                  <a:schemeClr val="lt1"/>
                 </a:solidFill>
                 <a:latin typeface="Arial Narrow"/>
                 <a:ea typeface="Arial Narrow"/>
                 <a:cs typeface="Arial Narrow"/>
                 <a:sym typeface="Arial Narrow"/>
               </a:rPr>
-              <a:t>6</a:t>
+              <a:t>…. </a:t>
             </a:r>
+            <a:r>
+              <a:rPr lang="en-US" sz="5900" b="1">
+                <a:solidFill>
+                  <a:srgbClr val="8CD872"/>
+                </a:solidFill>
+                <a:latin typeface="Arial Narrow"/>
+                <a:ea typeface="Arial Narrow"/>
+                <a:cs typeface="Arial Narrow"/>
+                <a:sym typeface="Arial Narrow"/>
+              </a:rPr>
+              <a:t>7</a:t>
+            </a:r>
+            <a:endParaRPr lang="en-US" sz="5900" b="1" dirty="0">
+              <a:solidFill>
+                <a:srgbClr val="8CD872"/>
+              </a:solidFill>
+              <a:latin typeface="Arial Narrow"/>
+              <a:ea typeface="Arial Narrow"/>
+              <a:cs typeface="Arial Narrow"/>
+              <a:sym typeface="Arial Narrow"/>
+            </a:endParaRPr>
           </a:p>
           <a:p>
             <a:pPr marL="927100" indent="-933450">

--- a/misc/Menu 24 by 36 on 12-12-24/2_DaBeast Services Menu.pptx
+++ b/misc/Menu 24 by 36 on 12-12-24/2_DaBeast Services Menu.pptx
@@ -13884,10 +13884,10 @@
           </p:nvGrpSpPr>
           <p:grpSpPr>
             <a:xfrm>
-              <a:off x="3086435" y="9886814"/>
-              <a:ext cx="259334" cy="999811"/>
-              <a:chOff x="3085806" y="9887577"/>
-              <a:chExt cx="259334" cy="999811"/>
+              <a:off x="3080839" y="9902914"/>
+              <a:ext cx="270526" cy="999811"/>
+              <a:chOff x="3080210" y="9903677"/>
+              <a:chExt cx="270526" cy="999811"/>
             </a:xfrm>
           </p:grpSpPr>
           <p:cxnSp>
@@ -13904,7 +13904,7 @@
             </p:nvCxnSpPr>
             <p:spPr>
               <a:xfrm>
-                <a:off x="3215473" y="9887577"/>
+                <a:off x="3215473" y="9903677"/>
                 <a:ext cx="0" cy="999811"/>
               </a:xfrm>
               <a:prstGeom prst="line">
@@ -13946,8 +13946,8 @@
             </p:nvSpPr>
             <p:spPr>
               <a:xfrm>
-                <a:off x="3085806" y="10228897"/>
-                <a:ext cx="259334" cy="259332"/>
+                <a:off x="3080210" y="10226521"/>
+                <a:ext cx="270526" cy="270524"/>
               </a:xfrm>
               <a:prstGeom prst="ellipse">
                 <a:avLst/>

--- a/misc/Menu 24 by 36 on 12-12-24/2_DaBeast Services Menu.pptx
+++ b/misc/Menu 24 by 36 on 12-12-24/2_DaBeast Services Menu.pptx
@@ -12210,20 +12210,41 @@
                 <a:cs typeface="Arial Narrow"/>
                 <a:sym typeface="Arial Narrow"/>
               </a:rPr>
-              <a:t>Fried Cheesecake Bites …. </a:t>
+              <a:t>Fried Cheesecake Bites </a:t>
             </a:r>
             <a:r>
-              <a:rPr lang="en-US" sz="5900" b="1" dirty="0">
-                <a:solidFill>
-                  <a:srgbClr val="8CD872"/>
+              <a:rPr lang="en-US" sz="5900">
+                <a:solidFill>
+                  <a:schemeClr val="lt1"/>
                 </a:solidFill>
                 <a:latin typeface="Arial Narrow"/>
                 <a:ea typeface="Arial Narrow"/>
                 <a:cs typeface="Arial Narrow"/>
                 <a:sym typeface="Arial Narrow"/>
               </a:rPr>
-              <a:t>6</a:t>
+              <a:t>…. </a:t>
             </a:r>
+            <a:r>
+              <a:rPr lang="en-US" sz="5900" b="1">
+                <a:solidFill>
+                  <a:srgbClr val="8CD872"/>
+                </a:solidFill>
+                <a:latin typeface="Arial Narrow"/>
+                <a:ea typeface="Arial Narrow"/>
+                <a:cs typeface="Arial Narrow"/>
+                <a:sym typeface="Arial Narrow"/>
+              </a:rPr>
+              <a:t>7</a:t>
+            </a:r>
+            <a:endParaRPr lang="en-US" sz="5900" b="1" dirty="0">
+              <a:solidFill>
+                <a:srgbClr val="8CD872"/>
+              </a:solidFill>
+              <a:latin typeface="Arial Narrow"/>
+              <a:ea typeface="Arial Narrow"/>
+              <a:cs typeface="Arial Narrow"/>
+              <a:sym typeface="Arial Narrow"/>
+            </a:endParaRPr>
           </a:p>
           <a:p>
             <a:pPr marL="927100" indent="-933450">
@@ -12374,7 +12395,7 @@
         <p:spPr>
           <a:xfrm>
             <a:off x="11416931" y="20882493"/>
-            <a:ext cx="9859200" cy="9488495"/>
+            <a:ext cx="9859200" cy="10396436"/>
           </a:xfrm>
           <a:prstGeom prst="rect">
             <a:avLst/>
@@ -12608,31 +12629,7 @@
                 <a:cs typeface="Arial Narrow"/>
                 <a:sym typeface="Arial Narrow"/>
               </a:rPr>
-              <a:t>Gatorade, </a:t>
-            </a:r>
-            <a:r>
-              <a:rPr lang="en-US" sz="4600" i="1" dirty="0" err="1">
-                <a:solidFill>
-                  <a:schemeClr val="lt1"/>
-                </a:solidFill>
-                <a:latin typeface="Arial Narrow"/>
-                <a:ea typeface="Arial Narrow"/>
-                <a:cs typeface="Arial Narrow"/>
-                <a:sym typeface="Arial Narrow"/>
-              </a:rPr>
-              <a:t>Redbull</a:t>
-            </a:r>
-            <a:r>
-              <a:rPr lang="en-US" sz="4600" i="1" dirty="0">
-                <a:solidFill>
-                  <a:schemeClr val="lt1"/>
-                </a:solidFill>
-                <a:latin typeface="Arial Narrow"/>
-                <a:ea typeface="Arial Narrow"/>
-                <a:cs typeface="Arial Narrow"/>
-                <a:sym typeface="Arial Narrow"/>
-              </a:rPr>
-              <a:t>, Coke,</a:t>
+              <a:t>Gatorade, Red Bull, Coke,</a:t>
             </a:r>
             <a:br>
               <a:rPr lang="en-US" sz="4600" i="1" dirty="0">
@@ -12673,8 +12670,33 @@
               <a:buFont typeface="Arial"/>
               <a:buChar char="•"/>
             </a:pPr>
+            <a:endParaRPr lang="en-US" sz="5900">
+              <a:solidFill>
+                <a:schemeClr val="lt1"/>
+              </a:solidFill>
+              <a:latin typeface="Arial Narrow"/>
+              <a:ea typeface="Arial Narrow"/>
+              <a:cs typeface="Arial Narrow"/>
+              <a:sym typeface="Arial Narrow"/>
+            </a:endParaRPr>
+          </a:p>
+          <a:p>
+            <a:pPr marL="927100" marR="0" lvl="0" indent="-933450" algn="l" rtl="0">
+              <a:spcBef>
+                <a:spcPts val="0"/>
+              </a:spcBef>
+              <a:spcAft>
+                <a:spcPts val="0"/>
+              </a:spcAft>
+              <a:buClr>
+                <a:schemeClr val="lt1"/>
+              </a:buClr>
+              <a:buSzPts val="5900"/>
+              <a:buFont typeface="Arial"/>
+              <a:buChar char="•"/>
+            </a:pPr>
             <a:r>
-              <a:rPr lang="en-US" sz="5900" dirty="0">
+              <a:rPr lang="en-US" sz="5900">
                 <a:solidFill>
                   <a:schemeClr val="lt1"/>
                 </a:solidFill>
@@ -12683,7 +12705,19 @@
                 <a:cs typeface="Arial Narrow"/>
                 <a:sym typeface="Arial Narrow"/>
               </a:rPr>
-              <a:t>Water ……………………….. </a:t>
+              <a:t>Water </a:t>
+            </a:r>
+            <a:r>
+              <a:rPr lang="en-US" sz="5900" dirty="0">
+                <a:solidFill>
+                  <a:schemeClr val="lt1"/>
+                </a:solidFill>
+                <a:latin typeface="Arial Narrow"/>
+                <a:ea typeface="Arial Narrow"/>
+                <a:cs typeface="Arial Narrow"/>
+                <a:sym typeface="Arial Narrow"/>
+              </a:rPr>
+              <a:t>……………………….. </a:t>
             </a:r>
             <a:r>
               <a:rPr lang="en-US" sz="5900" b="1" dirty="0">
@@ -12860,8 +12894,8 @@
         </p:nvSpPr>
         <p:spPr>
           <a:xfrm>
-            <a:off x="1200251" y="15705549"/>
-            <a:ext cx="19780445" cy="4661472"/>
+            <a:off x="1200251" y="16688774"/>
+            <a:ext cx="19780445" cy="4381755"/>
           </a:xfrm>
           <a:prstGeom prst="roundRect">
             <a:avLst>
@@ -12911,7 +12945,7 @@
         <p:spPr>
           <a:xfrm>
             <a:off x="894849" y="6094516"/>
-            <a:ext cx="20085900" cy="14320587"/>
+            <a:ext cx="20085900" cy="15228528"/>
           </a:xfrm>
           <a:prstGeom prst="rect">
             <a:avLst/>
@@ -13041,9 +13075,67 @@
               </a:rPr>
               <a:t>13.5</a:t>
             </a:r>
-            <a:endParaRPr sz="5900" b="1" dirty="0">
+          </a:p>
+          <a:p>
+            <a:pPr marL="2984500" lvl="1" indent="-1123950">
+              <a:buClr>
+                <a:schemeClr val="lt1"/>
+              </a:buClr>
+              <a:buSzPts val="5900"/>
+              <a:buFont typeface="Arial Narrow"/>
+              <a:buChar char="○"/>
+            </a:pPr>
+            <a:r>
+              <a:rPr lang="en-US" sz="5900" dirty="0">
+                <a:solidFill>
+                  <a:schemeClr val="lt1"/>
+                </a:solidFill>
+                <a:latin typeface="Arial Narrow"/>
+                <a:ea typeface="Arial Narrow"/>
+                <a:cs typeface="Arial Narrow"/>
+                <a:sym typeface="Arial Narrow"/>
+              </a:rPr>
+              <a:t>With</a:t>
+            </a:r>
+            <a:r>
+              <a:rPr lang="en-US" sz="5900" b="1" dirty="0">
+                <a:solidFill>
+                  <a:schemeClr val="lt1"/>
+                </a:solidFill>
+                <a:latin typeface="Arial Narrow"/>
+                <a:ea typeface="Arial Narrow"/>
+                <a:cs typeface="Arial Narrow"/>
+                <a:sym typeface="Arial Narrow"/>
+              </a:rPr>
+              <a:t> bacon  </a:t>
+            </a:r>
+            <a:r>
+              <a:rPr lang="en-US" sz="5900" dirty="0">
+                <a:solidFill>
+                  <a:schemeClr val="lt1"/>
+                </a:solidFill>
+                <a:latin typeface="Arial Narrow"/>
+                <a:ea typeface="Arial Narrow"/>
+                <a:cs typeface="Arial Narrow"/>
+                <a:sym typeface="Arial Narrow"/>
+              </a:rPr>
+              <a:t>……………………………………….......</a:t>
+            </a:r>
+            <a:r>
+              <a:rPr lang="en-US" sz="5900" b="1" dirty="0">
+                <a:solidFill>
+                  <a:srgbClr val="8CD872"/>
+                </a:solidFill>
+                <a:latin typeface="Arial Narrow"/>
+                <a:ea typeface="Arial Narrow"/>
+                <a:cs typeface="Arial Narrow"/>
+                <a:sym typeface="Arial Narrow"/>
+              </a:rPr>
+              <a:t> Add 1.5</a:t>
+            </a:r>
+            <a:endParaRPr lang="en-US" sz="5900" b="1" dirty="0">
               <a:solidFill>
-                <a:srgbClr val="8CD872"/>
+                <a:schemeClr val="lt1"/>
               </a:solidFill>
               <a:latin typeface="Arial Narrow"/>
               <a:ea typeface="Arial Narrow"/>
@@ -13198,13 +13290,7 @@
             </a:endParaRPr>
           </a:p>
           <a:p>
-            <a:pPr marL="2984500" lvl="1" indent="-1123950" algn="l" rtl="0">
-              <a:spcBef>
-                <a:spcPts val="0"/>
-              </a:spcBef>
-              <a:spcAft>
-                <a:spcPts val="0"/>
-              </a:spcAft>
+            <a:pPr marL="2984500" indent="-1123950">
               <a:buClr>
                 <a:schemeClr val="lt1"/>
               </a:buClr>
@@ -13222,7 +13308,7 @@
                 <a:cs typeface="Arial Narrow"/>
                 <a:sym typeface="Arial Narrow"/>
               </a:rPr>
-              <a:t>Meal deal: Chips and drink ……………………………. </a:t>
+              <a:t>Meal deal: Chips and drink …………………………..... </a:t>
             </a:r>
             <a:r>
               <a:rPr lang="en-US" sz="5900" b="1" dirty="0">
@@ -13238,14 +13324,13 @@
             </a:r>
           </a:p>
           <a:p>
-            <a:pPr marL="2984500" lvl="0" indent="0" algn="l" rtl="0">
-              <a:spcBef>
-                <a:spcPts val="0"/>
-              </a:spcBef>
-              <a:spcAft>
-                <a:spcPts val="0"/>
-              </a:spcAft>
-              <a:buNone/>
+            <a:pPr marL="2984500" indent="-1123950">
+              <a:buClr>
+                <a:schemeClr val="lt1"/>
+              </a:buClr>
+              <a:buSzPts val="5900"/>
+              <a:buFont typeface="Arial Narrow"/>
+              <a:buChar char="○"/>
             </a:pPr>
             <a:endParaRPr lang="en-US" sz="5900" dirty="0">
               <a:solidFill>
@@ -13318,7 +13403,7 @@
                 <a:cs typeface="Arial Narrow"/>
                 <a:sym typeface="Arial Narrow"/>
               </a:rPr>
-              <a:t>  </a:t>
+              <a:t>.. </a:t>
             </a:r>
             <a:r>
               <a:rPr lang="en-US" sz="5900" b="1" dirty="0">
@@ -13358,7 +13443,31 @@
                 <a:cs typeface="Arial Narrow"/>
                 <a:sym typeface="Arial Narrow"/>
               </a:rPr>
-              <a:t>Stuffed fried empanadas (beef and cheese)</a:t>
+              <a:t>Stuffed fried </a:t>
+            </a:r>
+            <a:r>
+              <a:rPr lang="en-US" sz="5900" b="1" dirty="0">
+                <a:solidFill>
+                  <a:schemeClr val="lt1"/>
+                </a:solidFill>
+                <a:latin typeface="Arial Narrow"/>
+                <a:ea typeface="Arial Narrow"/>
+                <a:cs typeface="Arial Narrow"/>
+                <a:sym typeface="Arial Narrow"/>
+              </a:rPr>
+              <a:t>empanadas</a:t>
+            </a:r>
+            <a:r>
+              <a:rPr lang="en-US" sz="5900" dirty="0">
+                <a:solidFill>
+                  <a:schemeClr val="lt1"/>
+                </a:solidFill>
+                <a:latin typeface="Arial Narrow"/>
+                <a:ea typeface="Arial Narrow"/>
+                <a:cs typeface="Arial Narrow"/>
+                <a:sym typeface="Arial Narrow"/>
+              </a:rPr>
+              <a:t> (beef and cheese)</a:t>
             </a:r>
             <a:br>
               <a:rPr lang="en-US" sz="5900" dirty="0">
@@ -13644,6 +13753,239 @@
           </a:p>
         </p:txBody>
       </p:sp>
+      <p:grpSp>
+        <p:nvGrpSpPr>
+          <p:cNvPr id="15" name="Group 14">
+            <a:extLst>
+              <a:ext uri="{FF2B5EF4-FFF2-40B4-BE49-F238E27FC236}">
+                <a16:creationId xmlns:a16="http://schemas.microsoft.com/office/drawing/2014/main" id="{F0A390F7-70A9-4BC0-B08B-4552209E8164}"/>
+              </a:ext>
+            </a:extLst>
+          </p:cNvPr>
+          <p:cNvGrpSpPr/>
+          <p:nvPr/>
+        </p:nvGrpSpPr>
+        <p:grpSpPr>
+          <a:xfrm>
+            <a:off x="1832007" y="9525805"/>
+            <a:ext cx="2222636" cy="3730290"/>
+            <a:chOff x="1832007" y="9525805"/>
+            <a:chExt cx="2222636" cy="3730290"/>
+          </a:xfrm>
+        </p:grpSpPr>
+        <p:sp>
+          <p:nvSpPr>
+            <p:cNvPr id="4" name="Rectangle 3">
+              <a:extLst>
+                <a:ext uri="{FF2B5EF4-FFF2-40B4-BE49-F238E27FC236}">
+                  <a16:creationId xmlns:a16="http://schemas.microsoft.com/office/drawing/2014/main" id="{D2178AA9-52F4-48B2-9E84-6DD1AABE18D5}"/>
+                </a:ext>
+              </a:extLst>
+            </p:cNvPr>
+            <p:cNvSpPr/>
+            <p:nvPr/>
+          </p:nvSpPr>
+          <p:spPr>
+            <a:xfrm>
+              <a:off x="2993011" y="12888450"/>
+              <a:ext cx="1061632" cy="367645"/>
+            </a:xfrm>
+            <a:prstGeom prst="rect">
+              <a:avLst/>
+            </a:prstGeom>
+            <a:noFill/>
+            <a:ln>
+              <a:noFill/>
+            </a:ln>
+          </p:spPr>
+          <p:style>
+            <a:lnRef idx="2">
+              <a:schemeClr val="accent1">
+                <a:shade val="50000"/>
+              </a:schemeClr>
+            </a:lnRef>
+            <a:fillRef idx="1">
+              <a:schemeClr val="accent1"/>
+            </a:fillRef>
+            <a:effectRef idx="0">
+              <a:schemeClr val="accent1"/>
+            </a:effectRef>
+            <a:fontRef idx="minor">
+              <a:schemeClr val="lt1"/>
+            </a:fontRef>
+          </p:style>
+          <p:txBody>
+            <a:bodyPr rtlCol="0" anchor="ctr"/>
+            <a:lstStyle/>
+            <a:p>
+              <a:pPr algn="ctr"/>
+              <a:endParaRPr lang="en-US"/>
+            </a:p>
+          </p:txBody>
+        </p:sp>
+        <p:cxnSp>
+          <p:nvCxnSpPr>
+            <p:cNvPr id="8" name="Connector: Elbow 7">
+              <a:extLst>
+                <a:ext uri="{FF2B5EF4-FFF2-40B4-BE49-F238E27FC236}">
+                  <a16:creationId xmlns:a16="http://schemas.microsoft.com/office/drawing/2014/main" id="{61407823-9A88-477B-A998-48180145C7F1}"/>
+                </a:ext>
+              </a:extLst>
+            </p:cNvPr>
+            <p:cNvCxnSpPr>
+              <a:cxnSpLocks/>
+              <a:endCxn id="4" idx="1"/>
+            </p:cNvCxnSpPr>
+            <p:nvPr/>
+          </p:nvCxnSpPr>
+          <p:spPr>
+            <a:xfrm rot="16200000" flipH="1">
+              <a:off x="639275" y="10718537"/>
+              <a:ext cx="3546468" cy="1161003"/>
+            </a:xfrm>
+            <a:prstGeom prst="bentConnector2">
+              <a:avLst/>
+            </a:prstGeom>
+            <a:ln w="57150" cap="rnd">
+              <a:solidFill>
+                <a:schemeClr val="bg1"/>
+              </a:solidFill>
+              <a:prstDash val="sysDot"/>
+              <a:round/>
+              <a:tailEnd type="stealth"/>
+            </a:ln>
+          </p:spPr>
+          <p:style>
+            <a:lnRef idx="1">
+              <a:schemeClr val="accent1"/>
+            </a:lnRef>
+            <a:fillRef idx="0">
+              <a:schemeClr val="accent1"/>
+            </a:fillRef>
+            <a:effectRef idx="0">
+              <a:schemeClr val="accent1"/>
+            </a:effectRef>
+            <a:fontRef idx="minor">
+              <a:schemeClr val="tx1"/>
+            </a:fontRef>
+          </p:style>
+        </p:cxnSp>
+        <p:grpSp>
+          <p:nvGrpSpPr>
+            <p:cNvPr id="13" name="Group 12">
+              <a:extLst>
+                <a:ext uri="{FF2B5EF4-FFF2-40B4-BE49-F238E27FC236}">
+                  <a16:creationId xmlns:a16="http://schemas.microsoft.com/office/drawing/2014/main" id="{070F665B-7F65-4565-8667-05C97B32CC51}"/>
+                </a:ext>
+              </a:extLst>
+            </p:cNvPr>
+            <p:cNvGrpSpPr/>
+            <p:nvPr/>
+          </p:nvGrpSpPr>
+          <p:grpSpPr>
+            <a:xfrm>
+              <a:off x="3080839" y="9902914"/>
+              <a:ext cx="270526" cy="999811"/>
+              <a:chOff x="3080210" y="9903677"/>
+              <a:chExt cx="270526" cy="999811"/>
+            </a:xfrm>
+          </p:grpSpPr>
+          <p:cxnSp>
+            <p:nvCxnSpPr>
+              <p:cNvPr id="11" name="Straight Connector 10">
+                <a:extLst>
+                  <a:ext uri="{FF2B5EF4-FFF2-40B4-BE49-F238E27FC236}">
+                    <a16:creationId xmlns:a16="http://schemas.microsoft.com/office/drawing/2014/main" id="{A08D5958-C764-448E-90A2-C685E1E47884}"/>
+                  </a:ext>
+                </a:extLst>
+              </p:cNvPr>
+              <p:cNvCxnSpPr/>
+              <p:nvPr/>
+            </p:nvCxnSpPr>
+            <p:spPr>
+              <a:xfrm>
+                <a:off x="3215473" y="9903677"/>
+                <a:ext cx="0" cy="999811"/>
+              </a:xfrm>
+              <a:prstGeom prst="line">
+                <a:avLst/>
+              </a:prstGeom>
+              <a:ln w="57150" cap="rnd">
+                <a:solidFill>
+                  <a:schemeClr val="bg1"/>
+                </a:solidFill>
+                <a:prstDash val="sysDot"/>
+              </a:ln>
+            </p:spPr>
+            <p:style>
+              <a:lnRef idx="1">
+                <a:schemeClr val="accent1"/>
+              </a:lnRef>
+              <a:fillRef idx="0">
+                <a:schemeClr val="accent1"/>
+              </a:fillRef>
+              <a:effectRef idx="0">
+                <a:schemeClr val="accent1"/>
+              </a:effectRef>
+              <a:fontRef idx="minor">
+                <a:schemeClr val="tx1"/>
+              </a:fontRef>
+            </p:style>
+          </p:cxnSp>
+          <p:sp>
+            <p:nvSpPr>
+              <p:cNvPr id="12" name="Oval 11">
+                <a:extLst>
+                  <a:ext uri="{FF2B5EF4-FFF2-40B4-BE49-F238E27FC236}">
+                    <a16:creationId xmlns:a16="http://schemas.microsoft.com/office/drawing/2014/main" id="{655E8217-FA33-4C6D-A9C5-206215842B38}"/>
+                  </a:ext>
+                </a:extLst>
+              </p:cNvPr>
+              <p:cNvSpPr/>
+              <p:nvPr/>
+            </p:nvSpPr>
+            <p:spPr>
+              <a:xfrm>
+                <a:off x="3080210" y="10226521"/>
+                <a:ext cx="270526" cy="270524"/>
+              </a:xfrm>
+              <a:prstGeom prst="ellipse">
+                <a:avLst/>
+              </a:prstGeom>
+              <a:solidFill>
+                <a:srgbClr val="262626"/>
+              </a:solidFill>
+              <a:ln>
+                <a:noFill/>
+              </a:ln>
+            </p:spPr>
+            <p:style>
+              <a:lnRef idx="2">
+                <a:schemeClr val="accent1">
+                  <a:shade val="50000"/>
+                </a:schemeClr>
+              </a:lnRef>
+              <a:fillRef idx="1">
+                <a:schemeClr val="accent1"/>
+              </a:fillRef>
+              <a:effectRef idx="0">
+                <a:schemeClr val="accent1"/>
+              </a:effectRef>
+              <a:fontRef idx="minor">
+                <a:schemeClr val="lt1"/>
+              </a:fontRef>
+            </p:style>
+            <p:txBody>
+              <a:bodyPr rtlCol="0" anchor="ctr"/>
+              <a:lstStyle/>
+              <a:p>
+                <a:pPr algn="ctr"/>
+                <a:endParaRPr lang="en-US"/>
+              </a:p>
+            </p:txBody>
+          </p:sp>
+        </p:grpSp>
+      </p:grpSp>
     </p:spTree>
   </p:cSld>
   <p:clrMapOvr>

--- a/misc/Menu 24 by 36 on 12-12-24/2_DaBeast Services Menu.pptx
+++ b/misc/Menu 24 by 36 on 12-12-24/2_DaBeast Services Menu.pptx
@@ -21,16 +21,15 @@
       <p:boldItalic r:id="rId7"/>
     </p:embeddedFont>
     <p:embeddedFont>
-      <p:font typeface="Open Sans" panose="020B0604020202020204" charset="0"/>
+      <p:font typeface="Open Sans" panose="020B0606030504020204" pitchFamily="34" charset="0"/>
       <p:regular r:id="rId8"/>
       <p:bold r:id="rId9"/>
-      <p:italic r:id="rId10"/>
-      <p:boldItalic r:id="rId11"/>
+      <p:boldItalic r:id="rId10"/>
     </p:embeddedFont>
     <p:embeddedFont>
       <p:font typeface="Play" panose="020B0604020202020204" charset="0"/>
-      <p:regular r:id="rId12"/>
-      <p:bold r:id="rId13"/>
+      <p:regular r:id="rId11"/>
+      <p:bold r:id="rId12"/>
     </p:embeddedFont>
   </p:embeddedFontLst>
   <p:defaultTextStyle>
@@ -12071,14 +12070,14 @@
       </p:pic>
       <p:sp>
         <p:nvSpPr>
-          <p:cNvPr id="94" name="Google Shape;94;p1"/>
+          <p:cNvPr id="93" name="Google Shape;93;p1"/>
           <p:cNvSpPr txBox="1"/>
           <p:nvPr/>
         </p:nvSpPr>
         <p:spPr>
           <a:xfrm>
-            <a:off x="953150" y="20882495"/>
-            <a:ext cx="9859200" cy="7364837"/>
+            <a:off x="894849" y="7286475"/>
+            <a:ext cx="20085900" cy="10029300"/>
           </a:xfrm>
           <a:prstGeom prst="rect">
             <a:avLst/>
@@ -12113,8 +12112,485 @@
                 <a:cs typeface="Arial Narrow"/>
                 <a:sym typeface="Arial Narrow"/>
               </a:rPr>
+              <a:t>Lunch / Dinner</a:t>
+            </a:r>
+            <a:endParaRPr sz="11800" dirty="0">
+              <a:solidFill>
+                <a:schemeClr val="lt1"/>
+              </a:solidFill>
+              <a:latin typeface="Arial Narrow"/>
+              <a:ea typeface="Arial Narrow"/>
+              <a:cs typeface="Arial Narrow"/>
+              <a:sym typeface="Arial Narrow"/>
+            </a:endParaRPr>
+          </a:p>
+          <a:p>
+            <a:pPr marL="0" lvl="0" indent="0" algn="l" rtl="0">
+              <a:spcBef>
+                <a:spcPts val="0"/>
+              </a:spcBef>
+              <a:spcAft>
+                <a:spcPts val="0"/>
+              </a:spcAft>
+              <a:buNone/>
+            </a:pPr>
+            <a:endParaRPr sz="5900" b="1" dirty="0">
+              <a:solidFill>
+                <a:schemeClr val="lt1"/>
+              </a:solidFill>
+              <a:latin typeface="Arial Narrow"/>
+              <a:ea typeface="Arial Narrow"/>
+              <a:cs typeface="Arial Narrow"/>
+              <a:sym typeface="Arial Narrow"/>
+            </a:endParaRPr>
+          </a:p>
+          <a:p>
+            <a:pPr marL="1498600" lvl="0" indent="-1041400" algn="l" rtl="0">
+              <a:spcBef>
+                <a:spcPts val="0"/>
+              </a:spcBef>
+              <a:spcAft>
+                <a:spcPts val="0"/>
+              </a:spcAft>
+              <a:buClr>
+                <a:schemeClr val="lt1"/>
+              </a:buClr>
+              <a:buSzPts val="4600"/>
+              <a:buFont typeface="Arial Narrow"/>
+              <a:buChar char="●"/>
+            </a:pPr>
+            <a:r>
+              <a:rPr lang="en-US" sz="5900" b="1" dirty="0">
+                <a:solidFill>
+                  <a:schemeClr val="lt1"/>
+                </a:solidFill>
+                <a:latin typeface="Arial Narrow"/>
+                <a:ea typeface="Arial Narrow"/>
+                <a:cs typeface="Arial Narrow"/>
+                <a:sym typeface="Arial Narrow"/>
+              </a:rPr>
+              <a:t>Cheeseburger </a:t>
+            </a:r>
+            <a:r>
+              <a:rPr lang="en-US" sz="5900" dirty="0">
+                <a:solidFill>
+                  <a:schemeClr val="lt1"/>
+                </a:solidFill>
+                <a:latin typeface="Arial Narrow"/>
+                <a:ea typeface="Arial Narrow"/>
+                <a:cs typeface="Arial Narrow"/>
+                <a:sym typeface="Arial Narrow"/>
+              </a:rPr>
+              <a:t>……………………………….…..........................</a:t>
+            </a:r>
+            <a:r>
+              <a:rPr lang="en-US" sz="5900" dirty="0">
+                <a:solidFill>
+                  <a:srgbClr val="8CD872"/>
+                </a:solidFill>
+                <a:latin typeface="Arial Narrow"/>
+                <a:ea typeface="Arial Narrow"/>
+                <a:cs typeface="Arial Narrow"/>
+                <a:sym typeface="Arial Narrow"/>
+              </a:rPr>
+              <a:t> </a:t>
+            </a:r>
+            <a:r>
+              <a:rPr lang="en-US" sz="5900" b="1" dirty="0">
+                <a:solidFill>
+                  <a:srgbClr val="8CD872"/>
+                </a:solidFill>
+                <a:latin typeface="Arial Narrow"/>
+                <a:ea typeface="Arial Narrow"/>
+                <a:cs typeface="Arial Narrow"/>
+                <a:sym typeface="Arial Narrow"/>
+              </a:rPr>
+              <a:t>12</a:t>
+            </a:r>
+            <a:endParaRPr sz="5900" b="1" dirty="0">
+              <a:solidFill>
+                <a:srgbClr val="8CD872"/>
+              </a:solidFill>
+              <a:latin typeface="Arial Narrow"/>
+              <a:ea typeface="Arial Narrow"/>
+              <a:cs typeface="Arial Narrow"/>
+              <a:sym typeface="Arial Narrow"/>
+            </a:endParaRPr>
+          </a:p>
+          <a:p>
+            <a:pPr marL="1498600" lvl="0" indent="-1041400" algn="l" rtl="0">
+              <a:spcBef>
+                <a:spcPts val="0"/>
+              </a:spcBef>
+              <a:spcAft>
+                <a:spcPts val="0"/>
+              </a:spcAft>
+              <a:buClr>
+                <a:schemeClr val="lt1"/>
+              </a:buClr>
+              <a:buSzPts val="4600"/>
+              <a:buFont typeface="Arial Narrow"/>
+              <a:buChar char="●"/>
+            </a:pPr>
+            <a:r>
+              <a:rPr lang="en-US" sz="5900" b="1" dirty="0">
+                <a:solidFill>
+                  <a:schemeClr val="lt1"/>
+                </a:solidFill>
+                <a:latin typeface="Arial Narrow"/>
+                <a:ea typeface="Arial Narrow"/>
+                <a:cs typeface="Arial Narrow"/>
+                <a:sym typeface="Arial Narrow"/>
+              </a:rPr>
+              <a:t>Beer Brat </a:t>
+            </a:r>
+            <a:r>
+              <a:rPr lang="en-US" sz="5900" dirty="0">
+                <a:solidFill>
+                  <a:schemeClr val="lt1"/>
+                </a:solidFill>
+                <a:latin typeface="Arial Narrow"/>
+                <a:ea typeface="Arial Narrow"/>
+                <a:cs typeface="Arial Narrow"/>
+                <a:sym typeface="Arial Narrow"/>
+              </a:rPr>
+              <a:t>……………………………….......................................</a:t>
+            </a:r>
+            <a:r>
+              <a:rPr lang="en-US" sz="5900" dirty="0">
+                <a:solidFill>
+                  <a:srgbClr val="8CD872"/>
+                </a:solidFill>
+                <a:latin typeface="Arial Narrow"/>
+                <a:ea typeface="Arial Narrow"/>
+                <a:cs typeface="Arial Narrow"/>
+                <a:sym typeface="Arial Narrow"/>
+              </a:rPr>
+              <a:t>  </a:t>
+            </a:r>
+            <a:r>
+              <a:rPr lang="en-US" sz="5900" b="1" dirty="0">
+                <a:solidFill>
+                  <a:srgbClr val="8CD872"/>
+                </a:solidFill>
+                <a:latin typeface="Arial Narrow"/>
+                <a:ea typeface="Arial Narrow"/>
+                <a:cs typeface="Arial Narrow"/>
+                <a:sym typeface="Arial Narrow"/>
+              </a:rPr>
+              <a:t>8</a:t>
+            </a:r>
+            <a:endParaRPr sz="5900" b="1" dirty="0">
+              <a:solidFill>
+                <a:srgbClr val="8CD872"/>
+              </a:solidFill>
+              <a:latin typeface="Arial Narrow"/>
+              <a:ea typeface="Arial Narrow"/>
+              <a:cs typeface="Arial Narrow"/>
+              <a:sym typeface="Arial Narrow"/>
+            </a:endParaRPr>
+          </a:p>
+          <a:p>
+            <a:pPr marL="2984500" lvl="1" indent="-1123950" algn="l" rtl="0">
+              <a:spcBef>
+                <a:spcPts val="0"/>
+              </a:spcBef>
+              <a:spcAft>
+                <a:spcPts val="0"/>
+              </a:spcAft>
+              <a:buClr>
+                <a:schemeClr val="lt1"/>
+              </a:buClr>
+              <a:buSzPts val="5900"/>
+              <a:buFont typeface="Arial Narrow"/>
+              <a:buChar char="○"/>
+            </a:pPr>
+            <a:r>
+              <a:rPr lang="en-US" sz="5900" dirty="0">
+                <a:solidFill>
+                  <a:schemeClr val="lt1"/>
+                </a:solidFill>
+                <a:latin typeface="Arial Narrow"/>
+                <a:ea typeface="Arial Narrow"/>
+                <a:cs typeface="Arial Narrow"/>
+                <a:sym typeface="Arial Narrow"/>
+              </a:rPr>
+              <a:t>Meal deal: Chips and drink ……………………………. </a:t>
+            </a:r>
+            <a:r>
+              <a:rPr lang="en-US" sz="5900" b="1" dirty="0">
+                <a:solidFill>
+                  <a:srgbClr val="8CD872"/>
+                </a:solidFill>
+                <a:latin typeface="Arial Narrow"/>
+                <a:ea typeface="Arial Narrow"/>
+                <a:cs typeface="Arial Narrow"/>
+                <a:sym typeface="Arial Narrow"/>
+              </a:rPr>
+              <a:t>Add 3</a:t>
+            </a:r>
+            <a:endParaRPr sz="5900" b="1" dirty="0">
+              <a:solidFill>
+                <a:srgbClr val="8CD872"/>
+              </a:solidFill>
+              <a:latin typeface="Arial Narrow"/>
+              <a:ea typeface="Arial Narrow"/>
+              <a:cs typeface="Arial Narrow"/>
+              <a:sym typeface="Arial Narrow"/>
+            </a:endParaRPr>
+          </a:p>
+          <a:p>
+            <a:pPr marL="2984500" lvl="0" indent="0" algn="l" rtl="0">
+              <a:spcBef>
+                <a:spcPts val="0"/>
+              </a:spcBef>
+              <a:spcAft>
+                <a:spcPts val="0"/>
+              </a:spcAft>
+              <a:buNone/>
+            </a:pPr>
+            <a:endParaRPr sz="5900" dirty="0">
+              <a:solidFill>
+                <a:schemeClr val="lt1"/>
+              </a:solidFill>
+              <a:latin typeface="Arial Narrow"/>
+              <a:ea typeface="Arial Narrow"/>
+              <a:cs typeface="Arial Narrow"/>
+              <a:sym typeface="Arial Narrow"/>
+            </a:endParaRPr>
+          </a:p>
+          <a:p>
+            <a:pPr marL="1498600" marR="0" lvl="0" indent="-1041400" algn="l" rtl="0">
+              <a:spcBef>
+                <a:spcPts val="0"/>
+              </a:spcBef>
+              <a:spcAft>
+                <a:spcPts val="0"/>
+              </a:spcAft>
+              <a:buClr>
+                <a:schemeClr val="lt1"/>
+              </a:buClr>
+              <a:buSzPts val="4600"/>
+              <a:buFont typeface="Arial Narrow"/>
+              <a:buChar char="●"/>
+            </a:pPr>
+            <a:r>
+              <a:rPr lang="en-US" sz="5900" b="1" dirty="0" err="1">
+                <a:solidFill>
+                  <a:schemeClr val="lt1"/>
+                </a:solidFill>
+                <a:latin typeface="Arial Narrow"/>
+                <a:ea typeface="Arial Narrow"/>
+                <a:cs typeface="Arial Narrow"/>
+                <a:sym typeface="Arial Narrow"/>
+              </a:rPr>
+              <a:t>Pastelillos</a:t>
+            </a:r>
+            <a:r>
+              <a:rPr lang="en-US" sz="5900" b="1" dirty="0">
+                <a:solidFill>
+                  <a:schemeClr val="lt1"/>
+                </a:solidFill>
+                <a:latin typeface="Arial Narrow"/>
+                <a:ea typeface="Arial Narrow"/>
+                <a:cs typeface="Arial Narrow"/>
+                <a:sym typeface="Arial Narrow"/>
+              </a:rPr>
+              <a:t> ………………………………</a:t>
+            </a:r>
+            <a:r>
+              <a:rPr lang="en-US" sz="5900" dirty="0">
+                <a:solidFill>
+                  <a:schemeClr val="lt1"/>
+                </a:solidFill>
+                <a:latin typeface="Arial Narrow"/>
+                <a:ea typeface="Arial Narrow"/>
+                <a:cs typeface="Arial Narrow"/>
+                <a:sym typeface="Arial Narrow"/>
+              </a:rPr>
+              <a:t>.....................................</a:t>
+            </a:r>
+            <a:r>
+              <a:rPr lang="en-US" sz="5900" dirty="0">
+                <a:solidFill>
+                  <a:srgbClr val="8CD872"/>
+                </a:solidFill>
+                <a:latin typeface="Arial Narrow"/>
+                <a:ea typeface="Arial Narrow"/>
+                <a:cs typeface="Arial Narrow"/>
+                <a:sym typeface="Arial Narrow"/>
+              </a:rPr>
+              <a:t>  </a:t>
+            </a:r>
+            <a:r>
+              <a:rPr lang="en-US" sz="5900" b="1" dirty="0">
+                <a:solidFill>
+                  <a:srgbClr val="8CD872"/>
+                </a:solidFill>
+                <a:latin typeface="Arial Narrow"/>
+                <a:ea typeface="Arial Narrow"/>
+                <a:cs typeface="Arial Narrow"/>
+                <a:sym typeface="Arial Narrow"/>
+              </a:rPr>
+              <a:t>4</a:t>
+            </a:r>
+            <a:endParaRPr sz="5900" b="1" dirty="0">
+              <a:solidFill>
+                <a:srgbClr val="8CD872"/>
+              </a:solidFill>
+              <a:latin typeface="Arial Narrow"/>
+              <a:ea typeface="Arial Narrow"/>
+              <a:cs typeface="Arial Narrow"/>
+              <a:sym typeface="Arial Narrow"/>
+            </a:endParaRPr>
+          </a:p>
+          <a:p>
+            <a:pPr marL="2984500" marR="0" lvl="1" indent="-1123950" algn="l" rtl="0">
+              <a:spcBef>
+                <a:spcPts val="0"/>
+              </a:spcBef>
+              <a:spcAft>
+                <a:spcPts val="0"/>
+              </a:spcAft>
+              <a:buClr>
+                <a:schemeClr val="lt1"/>
+              </a:buClr>
+              <a:buSzPts val="5900"/>
+              <a:buFont typeface="Arial Narrow"/>
+              <a:buChar char="○"/>
+            </a:pPr>
+            <a:r>
+              <a:rPr lang="en-US" sz="5900" dirty="0">
+                <a:solidFill>
+                  <a:schemeClr val="lt1"/>
+                </a:solidFill>
+                <a:latin typeface="Arial Narrow"/>
+                <a:ea typeface="Arial Narrow"/>
+                <a:cs typeface="Arial Narrow"/>
+                <a:sym typeface="Arial Narrow"/>
+              </a:rPr>
+              <a:t>Stuffed fried empanadas (beef and cheese)</a:t>
+            </a:r>
+            <a:br>
+              <a:rPr lang="en-US" sz="5900" dirty="0">
+                <a:solidFill>
+                  <a:schemeClr val="lt1"/>
+                </a:solidFill>
+                <a:latin typeface="Arial Narrow"/>
+                <a:ea typeface="Arial Narrow"/>
+                <a:cs typeface="Arial Narrow"/>
+                <a:sym typeface="Arial Narrow"/>
+              </a:rPr>
+            </a:br>
+            <a:endParaRPr sz="5900" dirty="0">
+              <a:solidFill>
+                <a:schemeClr val="lt1"/>
+              </a:solidFill>
+              <a:latin typeface="Arial Narrow"/>
+              <a:ea typeface="Arial Narrow"/>
+              <a:cs typeface="Arial Narrow"/>
+              <a:sym typeface="Arial Narrow"/>
+            </a:endParaRPr>
+          </a:p>
+          <a:p>
+            <a:pPr marL="0" marR="0" lvl="0" indent="0" algn="l" rtl="0">
+              <a:spcBef>
+                <a:spcPts val="0"/>
+              </a:spcBef>
+              <a:spcAft>
+                <a:spcPts val="0"/>
+              </a:spcAft>
+              <a:buNone/>
+            </a:pPr>
+            <a:br>
+              <a:rPr lang="en-US" sz="1600" dirty="0">
+                <a:solidFill>
+                  <a:schemeClr val="lt1"/>
+                </a:solidFill>
+                <a:latin typeface="Arial Narrow"/>
+                <a:ea typeface="Arial Narrow"/>
+                <a:cs typeface="Arial Narrow"/>
+                <a:sym typeface="Arial Narrow"/>
+              </a:rPr>
+            </a:br>
+            <a:endParaRPr sz="2600" dirty="0">
+              <a:solidFill>
+                <a:schemeClr val="lt1"/>
+              </a:solidFill>
+              <a:latin typeface="Arial Narrow"/>
+              <a:ea typeface="Arial Narrow"/>
+              <a:cs typeface="Arial Narrow"/>
+              <a:sym typeface="Arial Narrow"/>
+            </a:endParaRPr>
+          </a:p>
+        </p:txBody>
+      </p:sp>
+      <p:sp>
+        <p:nvSpPr>
+          <p:cNvPr id="94" name="Google Shape;94;p1"/>
+          <p:cNvSpPr txBox="1"/>
+          <p:nvPr/>
+        </p:nvSpPr>
+        <p:spPr>
+          <a:xfrm>
+            <a:off x="953150" y="19068225"/>
+            <a:ext cx="9859200" cy="8072723"/>
+          </a:xfrm>
+          <a:prstGeom prst="rect">
+            <a:avLst/>
+          </a:prstGeom>
+          <a:noFill/>
+          <a:ln>
+            <a:noFill/>
+          </a:ln>
+        </p:spPr>
+        <p:txBody>
+          <a:bodyPr spcFirstLastPara="1" wrap="square" lIns="298525" tIns="149225" rIns="298525" bIns="149225" anchor="t" anchorCtr="0">
+            <a:spAutoFit/>
+          </a:bodyPr>
+          <a:lstStyle/>
+          <a:p>
+            <a:pPr marL="0" marR="0" lvl="0" indent="0" algn="l" rtl="0">
+              <a:spcBef>
+                <a:spcPts val="0"/>
+              </a:spcBef>
+              <a:spcAft>
+                <a:spcPts val="0"/>
+              </a:spcAft>
+              <a:buNone/>
+            </a:pPr>
+            <a:r>
+              <a:rPr lang="en-US" sz="11800" b="1" dirty="0">
+                <a:solidFill>
+                  <a:schemeClr val="lt1"/>
+                </a:solidFill>
+                <a:latin typeface="Arial Narrow"/>
+                <a:ea typeface="Arial Narrow"/>
+                <a:cs typeface="Arial Narrow"/>
+                <a:sym typeface="Arial Narrow"/>
+              </a:rPr>
               <a:t>Desserts</a:t>
             </a:r>
+            <a:endParaRPr sz="7800" b="1" dirty="0">
+              <a:solidFill>
+                <a:schemeClr val="lt1"/>
+              </a:solidFill>
+              <a:latin typeface="Arial Narrow"/>
+              <a:ea typeface="Arial Narrow"/>
+              <a:cs typeface="Arial Narrow"/>
+              <a:sym typeface="Arial Narrow"/>
+            </a:endParaRPr>
+          </a:p>
+          <a:p>
+            <a:pPr marL="0" marR="0" lvl="0" indent="0" algn="l" rtl="0">
+              <a:spcBef>
+                <a:spcPts val="0"/>
+              </a:spcBef>
+              <a:spcAft>
+                <a:spcPts val="0"/>
+              </a:spcAft>
+              <a:buNone/>
+            </a:pPr>
             <a:endParaRPr sz="4600" dirty="0">
               <a:solidFill>
                 <a:schemeClr val="lt1"/>
@@ -12134,7 +12610,7 @@
               <a:buFont typeface="Arial"/>
               <a:buChar char="•"/>
             </a:pPr>
-            <a:endParaRPr lang="en-US" sz="5900" dirty="0">
+            <a:endParaRPr lang="en-US" sz="5900">
               <a:solidFill>
                 <a:schemeClr val="lt1"/>
               </a:solidFill>
@@ -12145,13 +12621,7 @@
             </a:endParaRPr>
           </a:p>
           <a:p>
-            <a:pPr marL="927100" marR="0" lvl="0" indent="-933450" algn="l" rtl="0">
-              <a:spcBef>
-                <a:spcPts val="0"/>
-              </a:spcBef>
-              <a:spcAft>
-                <a:spcPts val="0"/>
-              </a:spcAft>
+            <a:pPr marL="927100" indent="-933450">
               <a:buClr>
                 <a:schemeClr val="lt1"/>
               </a:buClr>
@@ -12159,6 +12629,18 @@
               <a:buFont typeface="Arial"/>
               <a:buChar char="•"/>
             </a:pPr>
+            <a:r>
+              <a:rPr lang="en-US" sz="5900">
+                <a:solidFill>
+                  <a:schemeClr val="lt1"/>
+                </a:solidFill>
+                <a:latin typeface="Arial Narrow"/>
+                <a:ea typeface="Arial Narrow"/>
+                <a:cs typeface="Arial Narrow"/>
+                <a:sym typeface="Arial Narrow"/>
+              </a:rPr>
+              <a:t>Limber </a:t>
+            </a:r>
             <a:r>
               <a:rPr lang="en-US" sz="5900" dirty="0">
                 <a:solidFill>
@@ -12169,103 +12651,7 @@
                 <a:cs typeface="Arial Narrow"/>
                 <a:sym typeface="Arial Narrow"/>
               </a:rPr>
-              <a:t>Fried Oreos ……………….. </a:t>
-            </a:r>
-            <a:r>
-              <a:rPr lang="en-US" sz="5900" b="1" dirty="0">
-                <a:solidFill>
-                  <a:srgbClr val="8CD872"/>
-                </a:solidFill>
-                <a:latin typeface="Arial Narrow"/>
-                <a:ea typeface="Arial Narrow"/>
-                <a:cs typeface="Arial Narrow"/>
-                <a:sym typeface="Arial Narrow"/>
-              </a:rPr>
-              <a:t>5</a:t>
-            </a:r>
-            <a:endParaRPr lang="en-US" sz="4600" dirty="0"/>
-          </a:p>
-          <a:p>
-            <a:pPr marL="927100" marR="0" lvl="0" indent="-933450" algn="l" rtl="0">
-              <a:spcBef>
-                <a:spcPts val="0"/>
-              </a:spcBef>
-              <a:spcAft>
-                <a:spcPts val="0"/>
-              </a:spcAft>
-              <a:buClr>
-                <a:schemeClr val="lt1"/>
-              </a:buClr>
-              <a:buSzPts val="5900"/>
-              <a:buFont typeface="Arial"/>
-              <a:buChar char="•"/>
-            </a:pPr>
-            <a:r>
-              <a:rPr lang="en-US" sz="5900" dirty="0">
-                <a:solidFill>
-                  <a:schemeClr val="lt1"/>
-                </a:solidFill>
-                <a:latin typeface="Arial Narrow"/>
-                <a:ea typeface="Arial Narrow"/>
-                <a:cs typeface="Arial Narrow"/>
-                <a:sym typeface="Arial Narrow"/>
-              </a:rPr>
-              <a:t>Fried Cheesecake Bites </a:t>
-            </a:r>
-            <a:r>
-              <a:rPr lang="en-US" sz="5900">
-                <a:solidFill>
-                  <a:schemeClr val="lt1"/>
-                </a:solidFill>
-                <a:latin typeface="Arial Narrow"/>
-                <a:ea typeface="Arial Narrow"/>
-                <a:cs typeface="Arial Narrow"/>
-                <a:sym typeface="Arial Narrow"/>
-              </a:rPr>
-              <a:t>…. </a:t>
-            </a:r>
-            <a:r>
-              <a:rPr lang="en-US" sz="5900" b="1">
-                <a:solidFill>
-                  <a:srgbClr val="8CD872"/>
-                </a:solidFill>
-                <a:latin typeface="Arial Narrow"/>
-                <a:ea typeface="Arial Narrow"/>
-                <a:cs typeface="Arial Narrow"/>
-                <a:sym typeface="Arial Narrow"/>
-              </a:rPr>
-              <a:t>7</a:t>
-            </a:r>
-            <a:endParaRPr lang="en-US" sz="5900" b="1" dirty="0">
-              <a:solidFill>
-                <a:srgbClr val="8CD872"/>
-              </a:solidFill>
-              <a:latin typeface="Arial Narrow"/>
-              <a:ea typeface="Arial Narrow"/>
-              <a:cs typeface="Arial Narrow"/>
-              <a:sym typeface="Arial Narrow"/>
-            </a:endParaRPr>
-          </a:p>
-          <a:p>
-            <a:pPr marL="927100" indent="-933450">
-              <a:buClr>
-                <a:schemeClr val="lt1"/>
-              </a:buClr>
-              <a:buSzPts val="5900"/>
-              <a:buFont typeface="Arial"/>
-              <a:buChar char="•"/>
-            </a:pPr>
-            <a:r>
-              <a:rPr lang="en-US" sz="5900" dirty="0">
-                <a:solidFill>
-                  <a:schemeClr val="lt1"/>
-                </a:solidFill>
-                <a:latin typeface="Arial Narrow"/>
-                <a:ea typeface="Arial Narrow"/>
-                <a:cs typeface="Arial Narrow"/>
-                <a:sym typeface="Arial Narrow"/>
-              </a:rPr>
-              <a:t>Limber De Coco (Ice Cream)</a:t>
+              <a:t>De Coco (Ice Cream)</a:t>
             </a:r>
             <a:br>
               <a:rPr lang="en-US" sz="5900" dirty="0">
@@ -12330,7 +12716,84 @@
               <a:buFont typeface="Arial"/>
               <a:buChar char="•"/>
             </a:pPr>
-            <a:endParaRPr lang="en-US" sz="4600" dirty="0"/>
+            <a:r>
+              <a:rPr lang="en-US" sz="5900" dirty="0">
+                <a:solidFill>
+                  <a:schemeClr val="lt1"/>
+                </a:solidFill>
+                <a:latin typeface="Arial Narrow"/>
+                <a:ea typeface="Arial Narrow"/>
+                <a:cs typeface="Arial Narrow"/>
+                <a:sym typeface="Arial Narrow"/>
+              </a:rPr>
+              <a:t>Fried Oreos ……………….. </a:t>
+            </a:r>
+            <a:r>
+              <a:rPr lang="en-US" sz="5900" b="1" dirty="0">
+                <a:solidFill>
+                  <a:srgbClr val="8CD872"/>
+                </a:solidFill>
+                <a:latin typeface="Arial Narrow"/>
+                <a:ea typeface="Arial Narrow"/>
+                <a:cs typeface="Arial Narrow"/>
+                <a:sym typeface="Arial Narrow"/>
+              </a:rPr>
+              <a:t>5</a:t>
+            </a:r>
+            <a:endParaRPr sz="4600" dirty="0"/>
+          </a:p>
+          <a:p>
+            <a:pPr marL="927100" marR="0" lvl="0" indent="-933450" algn="l" rtl="0">
+              <a:spcBef>
+                <a:spcPts val="0"/>
+              </a:spcBef>
+              <a:spcAft>
+                <a:spcPts val="0"/>
+              </a:spcAft>
+              <a:buClr>
+                <a:schemeClr val="lt1"/>
+              </a:buClr>
+              <a:buSzPts val="5900"/>
+              <a:buFont typeface="Arial"/>
+              <a:buChar char="•"/>
+            </a:pPr>
+            <a:r>
+              <a:rPr lang="en-US" sz="5900" dirty="0">
+                <a:solidFill>
+                  <a:schemeClr val="lt1"/>
+                </a:solidFill>
+                <a:latin typeface="Arial Narrow"/>
+                <a:ea typeface="Arial Narrow"/>
+                <a:cs typeface="Arial Narrow"/>
+                <a:sym typeface="Arial Narrow"/>
+              </a:rPr>
+              <a:t>Fried Cheesecake Bites …. </a:t>
+            </a:r>
+            <a:r>
+              <a:rPr lang="en-US" sz="5900" b="1" dirty="0">
+                <a:solidFill>
+                  <a:srgbClr val="8CD872"/>
+                </a:solidFill>
+                <a:latin typeface="Arial Narrow"/>
+                <a:ea typeface="Arial Narrow"/>
+                <a:cs typeface="Arial Narrow"/>
+                <a:sym typeface="Arial Narrow"/>
+              </a:rPr>
+              <a:t>6</a:t>
+            </a:r>
+            <a:endParaRPr sz="4600" dirty="0"/>
+          </a:p>
+          <a:p>
+            <a:pPr marL="1498600" marR="0" lvl="0" indent="0" algn="l" rtl="0">
+              <a:spcBef>
+                <a:spcPts val="0"/>
+              </a:spcBef>
+              <a:spcAft>
+                <a:spcPts val="0"/>
+              </a:spcAft>
+              <a:buNone/>
+            </a:pPr>
+            <a:endParaRPr sz="4600" dirty="0"/>
           </a:p>
         </p:txBody>
       </p:sp>
@@ -12342,7 +12805,7 @@
         </p:nvCxnSpPr>
         <p:spPr>
           <a:xfrm>
-            <a:off x="497853" y="8480435"/>
+            <a:off x="497853" y="9816771"/>
             <a:ext cx="20755200" cy="0"/>
           </a:xfrm>
           <a:prstGeom prst="straightConnector1">
@@ -12368,7 +12831,7 @@
         </p:nvCxnSpPr>
         <p:spPr>
           <a:xfrm>
-            <a:off x="497853" y="23108246"/>
+            <a:off x="497853" y="21400656"/>
             <a:ext cx="20755200" cy="0"/>
           </a:xfrm>
           <a:prstGeom prst="straightConnector1">
@@ -12394,8 +12857,8 @@
         </p:nvSpPr>
         <p:spPr>
           <a:xfrm>
-            <a:off x="11416931" y="20882493"/>
-            <a:ext cx="9859200" cy="10396436"/>
+            <a:off x="11416931" y="19068223"/>
+            <a:ext cx="9859200" cy="9888604"/>
           </a:xfrm>
           <a:prstGeom prst="rect">
             <a:avLst/>
@@ -12432,6 +12895,18 @@
               </a:rPr>
               <a:t>Beverages</a:t>
             </a:r>
+            <a:endParaRPr sz="4600" dirty="0"/>
+          </a:p>
+          <a:p>
+            <a:pPr marL="0" marR="0" lvl="0" indent="0" algn="l" rtl="0">
+              <a:spcBef>
+                <a:spcPts val="0"/>
+              </a:spcBef>
+              <a:spcAft>
+                <a:spcPts val="0"/>
+              </a:spcAft>
+              <a:buNone/>
+            </a:pPr>
             <a:endParaRPr sz="5900" dirty="0">
               <a:solidFill>
                 <a:schemeClr val="lt1"/>
@@ -12602,37 +13077,8 @@
               </a:rPr>
               <a:t>3</a:t>
             </a:r>
-            <a:endParaRPr lang="en-US" sz="4600" dirty="0"/>
-          </a:p>
-          <a:p>
-            <a:pPr marL="2984500" marR="0" lvl="1" indent="-1041400" algn="l" rtl="0">
-              <a:spcBef>
-                <a:spcPts val="0"/>
-              </a:spcBef>
-              <a:spcAft>
-                <a:spcPts val="0"/>
-              </a:spcAft>
-              <a:buClr>
-                <a:schemeClr val="lt1"/>
-              </a:buClr>
-              <a:buSzPts val="4600"/>
-              <a:buFont typeface="Arial Narrow"/>
-              <a:buChar char="○"/>
-            </a:pPr>
-            <a:r>
-              <a:rPr lang="en-US" sz="4600" i="1" dirty="0">
-                <a:solidFill>
-                  <a:schemeClr val="lt1"/>
-                </a:solidFill>
-                <a:latin typeface="Arial Narrow"/>
-                <a:ea typeface="Arial Narrow"/>
-                <a:cs typeface="Arial Narrow"/>
-                <a:sym typeface="Arial Narrow"/>
-              </a:rPr>
-              <a:t>Gatorade, Red Bull, Coke,</a:t>
-            </a:r>
             <a:br>
-              <a:rPr lang="en-US" sz="4600" i="1" dirty="0">
+              <a:rPr lang="en-US" sz="5900" dirty="0">
                 <a:solidFill>
                   <a:schemeClr val="lt1"/>
                 </a:solidFill>
@@ -12642,35 +13088,7 @@
                 <a:sym typeface="Arial Narrow"/>
               </a:rPr>
             </a:br>
-            <a:r>
-              <a:rPr lang="en-US" sz="4600" i="1" dirty="0">
-                <a:solidFill>
-                  <a:schemeClr val="lt1"/>
-                </a:solidFill>
-                <a:latin typeface="Arial Narrow"/>
-                <a:ea typeface="Arial Narrow"/>
-                <a:cs typeface="Arial Narrow"/>
-                <a:sym typeface="Arial Narrow"/>
-              </a:rPr>
-              <a:t>Sprite, Fanta, Iced Tea, etc.</a:t>
-            </a:r>
-          </a:p>
-          <a:p>
-            <a:pPr marL="927100" marR="0" lvl="0" indent="-933450" algn="l" rtl="0">
-              <a:spcBef>
-                <a:spcPts val="0"/>
-              </a:spcBef>
-              <a:spcAft>
-                <a:spcPts val="0"/>
-              </a:spcAft>
-              <a:buClr>
-                <a:schemeClr val="lt1"/>
-              </a:buClr>
-              <a:buSzPts val="5900"/>
-              <a:buFont typeface="Arial"/>
-              <a:buChar char="•"/>
-            </a:pPr>
-            <a:endParaRPr lang="en-US" sz="5900">
+            <a:endParaRPr sz="5900" dirty="0">
               <a:solidFill>
                 <a:schemeClr val="lt1"/>
               </a:solidFill>
@@ -12696,18 +13114,6 @@
               <a:buChar char="•"/>
             </a:pPr>
             <a:r>
-              <a:rPr lang="en-US" sz="5900">
-                <a:solidFill>
-                  <a:schemeClr val="lt1"/>
-                </a:solidFill>
-                <a:latin typeface="Arial Narrow"/>
-                <a:ea typeface="Arial Narrow"/>
-                <a:cs typeface="Arial Narrow"/>
-                <a:sym typeface="Arial Narrow"/>
-              </a:rPr>
-              <a:t>Water </a:t>
-            </a:r>
-            <a:r>
               <a:rPr lang="en-US" sz="5900" dirty="0">
                 <a:solidFill>
                   <a:schemeClr val="lt1"/>
@@ -12717,7 +13123,7 @@
                 <a:cs typeface="Arial Narrow"/>
                 <a:sym typeface="Arial Narrow"/>
               </a:rPr>
-              <a:t>……………………….. </a:t>
+              <a:t>Water ……………………….. </a:t>
             </a:r>
             <a:r>
               <a:rPr lang="en-US" sz="5900" b="1" dirty="0">
@@ -12750,7 +13156,7 @@
         </p:blipFill>
         <p:spPr>
           <a:xfrm>
-            <a:off x="4054643" y="28052743"/>
+            <a:off x="4054643" y="27988238"/>
             <a:ext cx="2560503" cy="2560503"/>
           </a:xfrm>
           <a:prstGeom prst="rect">
@@ -12770,7 +13176,7 @@
         </p:nvSpPr>
         <p:spPr>
           <a:xfrm>
-            <a:off x="595237" y="30843472"/>
+            <a:off x="595237" y="30842762"/>
             <a:ext cx="9479100" cy="1101900"/>
           </a:xfrm>
           <a:prstGeom prst="rect">
@@ -12880,1112 +13286,6 @@
           </a:p>
         </p:txBody>
       </p:sp>
-      <p:sp>
-        <p:nvSpPr>
-          <p:cNvPr id="14" name="Google Shape;91;p1">
-            <a:extLst>
-              <a:ext uri="{FF2B5EF4-FFF2-40B4-BE49-F238E27FC236}">
-                <a16:creationId xmlns:a16="http://schemas.microsoft.com/office/drawing/2014/main" id="{C3B27BE9-C689-4820-811B-03F7B6B3A0E4}"/>
-              </a:ext>
-            </a:extLst>
-          </p:cNvPr>
-          <p:cNvSpPr/>
-          <p:nvPr/>
-        </p:nvSpPr>
-        <p:spPr>
-          <a:xfrm>
-            <a:off x="1200251" y="16688774"/>
-            <a:ext cx="19780445" cy="4381755"/>
-          </a:xfrm>
-          <a:prstGeom prst="roundRect">
-            <a:avLst>
-              <a:gd name="adj" fmla="val 4489"/>
-            </a:avLst>
-          </a:prstGeom>
-          <a:solidFill>
-            <a:srgbClr val="3F3F3F"/>
-          </a:solidFill>
-          <a:ln>
-            <a:noFill/>
-          </a:ln>
-        </p:spPr>
-        <p:txBody>
-          <a:bodyPr spcFirstLastPara="1" wrap="square" lIns="298525" tIns="149225" rIns="298525" bIns="149225" anchor="ctr" anchorCtr="0">
-            <a:noAutofit/>
-          </a:bodyPr>
-          <a:lstStyle/>
-          <a:p>
-            <a:pPr marL="0" marR="0" lvl="0" indent="0" algn="ctr" rtl="0">
-              <a:spcBef>
-                <a:spcPts val="0"/>
-              </a:spcBef>
-              <a:spcAft>
-                <a:spcPts val="0"/>
-              </a:spcAft>
-              <a:buNone/>
-            </a:pPr>
-            <a:endParaRPr sz="5900" b="0" i="0" u="none" strike="noStrike" cap="none">
-              <a:solidFill>
-                <a:schemeClr val="lt1"/>
-              </a:solidFill>
-              <a:latin typeface="Arial"/>
-              <a:ea typeface="Arial"/>
-              <a:cs typeface="Arial"/>
-              <a:sym typeface="Arial"/>
-            </a:endParaRPr>
-          </a:p>
-        </p:txBody>
-      </p:sp>
-      <p:sp>
-        <p:nvSpPr>
-          <p:cNvPr id="93" name="Google Shape;93;p1"/>
-          <p:cNvSpPr txBox="1"/>
-          <p:nvPr/>
-        </p:nvSpPr>
-        <p:spPr>
-          <a:xfrm>
-            <a:off x="894849" y="6094516"/>
-            <a:ext cx="20085900" cy="15228528"/>
-          </a:xfrm>
-          <a:prstGeom prst="rect">
-            <a:avLst/>
-          </a:prstGeom>
-          <a:noFill/>
-          <a:ln>
-            <a:noFill/>
-          </a:ln>
-        </p:spPr>
-        <p:txBody>
-          <a:bodyPr spcFirstLastPara="1" wrap="square" lIns="298525" tIns="149225" rIns="298525" bIns="149225" anchor="t" anchorCtr="0">
-            <a:spAutoFit/>
-          </a:bodyPr>
-          <a:lstStyle/>
-          <a:p>
-            <a:pPr marL="0" marR="0" lvl="0" indent="0" algn="l" rtl="0">
-              <a:spcBef>
-                <a:spcPts val="0"/>
-              </a:spcBef>
-              <a:spcAft>
-                <a:spcPts val="0"/>
-              </a:spcAft>
-              <a:buNone/>
-            </a:pPr>
-            <a:r>
-              <a:rPr lang="en-US" sz="11800" b="1" dirty="0">
-                <a:solidFill>
-                  <a:schemeClr val="lt1"/>
-                </a:solidFill>
-                <a:latin typeface="Arial Narrow"/>
-                <a:ea typeface="Arial Narrow"/>
-                <a:cs typeface="Arial Narrow"/>
-                <a:sym typeface="Arial Narrow"/>
-              </a:rPr>
-              <a:t>Lunch / Dinner</a:t>
-            </a:r>
-            <a:endParaRPr sz="11800" dirty="0">
-              <a:solidFill>
-                <a:schemeClr val="lt1"/>
-              </a:solidFill>
-              <a:latin typeface="Arial Narrow"/>
-              <a:ea typeface="Arial Narrow"/>
-              <a:cs typeface="Arial Narrow"/>
-              <a:sym typeface="Arial Narrow"/>
-            </a:endParaRPr>
-          </a:p>
-          <a:p>
-            <a:pPr marL="0" lvl="0" indent="0" algn="l" rtl="0">
-              <a:spcBef>
-                <a:spcPts val="0"/>
-              </a:spcBef>
-              <a:spcAft>
-                <a:spcPts val="0"/>
-              </a:spcAft>
-              <a:buNone/>
-            </a:pPr>
-            <a:endParaRPr sz="5900" b="1" dirty="0">
-              <a:solidFill>
-                <a:schemeClr val="lt1"/>
-              </a:solidFill>
-              <a:latin typeface="Arial Narrow"/>
-              <a:ea typeface="Arial Narrow"/>
-              <a:cs typeface="Arial Narrow"/>
-              <a:sym typeface="Arial Narrow"/>
-            </a:endParaRPr>
-          </a:p>
-          <a:p>
-            <a:pPr marL="1498600" lvl="0" indent="-1041400" algn="l" rtl="0">
-              <a:spcBef>
-                <a:spcPts val="0"/>
-              </a:spcBef>
-              <a:spcAft>
-                <a:spcPts val="0"/>
-              </a:spcAft>
-              <a:buClr>
-                <a:schemeClr val="lt1"/>
-              </a:buClr>
-              <a:buSzPts val="4600"/>
-              <a:buFont typeface="Arial Narrow"/>
-              <a:buChar char="●"/>
-            </a:pPr>
-            <a:r>
-              <a:rPr lang="en-US" sz="5900" b="1" dirty="0">
-                <a:solidFill>
-                  <a:schemeClr val="lt1"/>
-                </a:solidFill>
-                <a:latin typeface="Arial Narrow"/>
-                <a:ea typeface="Arial Narrow"/>
-                <a:cs typeface="Arial Narrow"/>
-                <a:sym typeface="Arial Narrow"/>
-              </a:rPr>
-              <a:t>Cheeseburger </a:t>
-            </a:r>
-            <a:r>
-              <a:rPr lang="en-US" sz="5900" dirty="0">
-                <a:solidFill>
-                  <a:schemeClr val="lt1"/>
-                </a:solidFill>
-                <a:latin typeface="Arial Narrow"/>
-                <a:ea typeface="Arial Narrow"/>
-                <a:cs typeface="Arial Narrow"/>
-                <a:sym typeface="Arial Narrow"/>
-              </a:rPr>
-              <a:t>……………………………….……....................</a:t>
-            </a:r>
-            <a:r>
-              <a:rPr lang="en-US" sz="5900" dirty="0">
-                <a:solidFill>
-                  <a:srgbClr val="8CD872"/>
-                </a:solidFill>
-                <a:latin typeface="Arial Narrow"/>
-                <a:ea typeface="Arial Narrow"/>
-                <a:cs typeface="Arial Narrow"/>
-                <a:sym typeface="Arial Narrow"/>
-              </a:rPr>
-              <a:t> </a:t>
-            </a:r>
-            <a:r>
-              <a:rPr lang="en-US" sz="5900" b="1" dirty="0">
-                <a:solidFill>
-                  <a:srgbClr val="8CD872"/>
-                </a:solidFill>
-                <a:latin typeface="Arial Narrow"/>
-                <a:ea typeface="Arial Narrow"/>
-                <a:cs typeface="Arial Narrow"/>
-                <a:sym typeface="Arial Narrow"/>
-              </a:rPr>
-              <a:t>13.5</a:t>
-            </a:r>
-          </a:p>
-          <a:p>
-            <a:pPr marL="2984500" lvl="1" indent="-1123950">
-              <a:buClr>
-                <a:schemeClr val="lt1"/>
-              </a:buClr>
-              <a:buSzPts val="5900"/>
-              <a:buFont typeface="Arial Narrow"/>
-              <a:buChar char="○"/>
-            </a:pPr>
-            <a:r>
-              <a:rPr lang="en-US" sz="5900" dirty="0">
-                <a:solidFill>
-                  <a:schemeClr val="lt1"/>
-                </a:solidFill>
-                <a:latin typeface="Arial Narrow"/>
-                <a:ea typeface="Arial Narrow"/>
-                <a:cs typeface="Arial Narrow"/>
-                <a:sym typeface="Arial Narrow"/>
-              </a:rPr>
-              <a:t>With</a:t>
-            </a:r>
-            <a:r>
-              <a:rPr lang="en-US" sz="5900" b="1" dirty="0">
-                <a:solidFill>
-                  <a:schemeClr val="lt1"/>
-                </a:solidFill>
-                <a:latin typeface="Arial Narrow"/>
-                <a:ea typeface="Arial Narrow"/>
-                <a:cs typeface="Arial Narrow"/>
-                <a:sym typeface="Arial Narrow"/>
-              </a:rPr>
-              <a:t> bacon  </a:t>
-            </a:r>
-            <a:r>
-              <a:rPr lang="en-US" sz="5900" dirty="0">
-                <a:solidFill>
-                  <a:schemeClr val="lt1"/>
-                </a:solidFill>
-                <a:latin typeface="Arial Narrow"/>
-                <a:ea typeface="Arial Narrow"/>
-                <a:cs typeface="Arial Narrow"/>
-                <a:sym typeface="Arial Narrow"/>
-              </a:rPr>
-              <a:t>……………………………………….......</a:t>
-            </a:r>
-            <a:r>
-              <a:rPr lang="en-US" sz="5900" b="1" dirty="0">
-                <a:solidFill>
-                  <a:srgbClr val="8CD872"/>
-                </a:solidFill>
-                <a:latin typeface="Arial Narrow"/>
-                <a:ea typeface="Arial Narrow"/>
-                <a:cs typeface="Arial Narrow"/>
-                <a:sym typeface="Arial Narrow"/>
-              </a:rPr>
-              <a:t> Add 1.5</a:t>
-            </a:r>
-            <a:endParaRPr lang="en-US" sz="5900" b="1" dirty="0">
-              <a:solidFill>
-                <a:schemeClr val="lt1"/>
-              </a:solidFill>
-              <a:latin typeface="Arial Narrow"/>
-              <a:ea typeface="Arial Narrow"/>
-              <a:cs typeface="Arial Narrow"/>
-              <a:sym typeface="Arial Narrow"/>
-            </a:endParaRPr>
-          </a:p>
-          <a:p>
-            <a:pPr marL="1498600" lvl="0" indent="-1041400" algn="l" rtl="0">
-              <a:spcBef>
-                <a:spcPts val="0"/>
-              </a:spcBef>
-              <a:spcAft>
-                <a:spcPts val="0"/>
-              </a:spcAft>
-              <a:buClr>
-                <a:schemeClr val="lt1"/>
-              </a:buClr>
-              <a:buSzPts val="4600"/>
-              <a:buFont typeface="Arial Narrow"/>
-              <a:buChar char="●"/>
-            </a:pPr>
-            <a:r>
-              <a:rPr lang="en-US" sz="5900" b="1" dirty="0">
-                <a:solidFill>
-                  <a:schemeClr val="lt1"/>
-                </a:solidFill>
-                <a:latin typeface="Arial Narrow"/>
-                <a:ea typeface="Arial Narrow"/>
-                <a:cs typeface="Arial Narrow"/>
-                <a:sym typeface="Arial Narrow"/>
-              </a:rPr>
-              <a:t>Smoked Chicken Sandwich </a:t>
-            </a:r>
-            <a:r>
-              <a:rPr lang="en-US" sz="5900" dirty="0">
-                <a:solidFill>
-                  <a:schemeClr val="lt1"/>
-                </a:solidFill>
-                <a:latin typeface="Arial Narrow"/>
-                <a:ea typeface="Arial Narrow"/>
-                <a:cs typeface="Arial Narrow"/>
-                <a:sym typeface="Arial Narrow"/>
-              </a:rPr>
-              <a:t>…………….….............................</a:t>
-            </a:r>
-            <a:r>
-              <a:rPr lang="en-US" sz="5900" dirty="0">
-                <a:solidFill>
-                  <a:srgbClr val="8CD872"/>
-                </a:solidFill>
-                <a:latin typeface="Arial Narrow"/>
-                <a:ea typeface="Arial Narrow"/>
-                <a:cs typeface="Arial Narrow"/>
-                <a:sym typeface="Arial Narrow"/>
-              </a:rPr>
-              <a:t> </a:t>
-            </a:r>
-            <a:r>
-              <a:rPr lang="en-US" sz="5900" b="1" dirty="0">
-                <a:solidFill>
-                  <a:srgbClr val="8CD872"/>
-                </a:solidFill>
-                <a:latin typeface="Arial Narrow"/>
-                <a:ea typeface="Arial Narrow"/>
-                <a:cs typeface="Arial Narrow"/>
-                <a:sym typeface="Arial Narrow"/>
-              </a:rPr>
-              <a:t>13</a:t>
-            </a:r>
-            <a:endParaRPr lang="en-US" sz="5900" b="1" dirty="0">
-              <a:solidFill>
-                <a:schemeClr val="lt1"/>
-              </a:solidFill>
-              <a:latin typeface="Arial Narrow"/>
-              <a:ea typeface="Arial Narrow"/>
-              <a:cs typeface="Arial Narrow"/>
-              <a:sym typeface="Arial Narrow"/>
-            </a:endParaRPr>
-          </a:p>
-          <a:p>
-            <a:pPr marL="1498600" lvl="0" indent="-1041400" algn="l" rtl="0">
-              <a:spcBef>
-                <a:spcPts val="0"/>
-              </a:spcBef>
-              <a:spcAft>
-                <a:spcPts val="0"/>
-              </a:spcAft>
-              <a:buClr>
-                <a:schemeClr val="lt1"/>
-              </a:buClr>
-              <a:buSzPts val="4600"/>
-              <a:buFont typeface="Arial Narrow"/>
-              <a:buChar char="●"/>
-            </a:pPr>
-            <a:r>
-              <a:rPr lang="en-US" sz="5900" b="1" dirty="0">
-                <a:solidFill>
-                  <a:schemeClr val="lt1"/>
-                </a:solidFill>
-                <a:latin typeface="Arial Narrow"/>
-                <a:ea typeface="Arial Narrow"/>
-                <a:cs typeface="Arial Narrow"/>
-                <a:sym typeface="Arial Narrow"/>
-              </a:rPr>
-              <a:t>Beer Brat </a:t>
-            </a:r>
-            <a:r>
-              <a:rPr lang="en-US" sz="5900" dirty="0">
-                <a:solidFill>
-                  <a:schemeClr val="lt1"/>
-                </a:solidFill>
-                <a:latin typeface="Arial Narrow"/>
-                <a:ea typeface="Arial Narrow"/>
-                <a:cs typeface="Arial Narrow"/>
-                <a:sym typeface="Arial Narrow"/>
-              </a:rPr>
-              <a:t>………………………………......................................</a:t>
-            </a:r>
-            <a:r>
-              <a:rPr lang="en-US" sz="5900" dirty="0">
-                <a:solidFill>
-                  <a:srgbClr val="8CD872"/>
-                </a:solidFill>
-                <a:latin typeface="Arial Narrow"/>
-                <a:ea typeface="Arial Narrow"/>
-                <a:cs typeface="Arial Narrow"/>
-                <a:sym typeface="Arial Narrow"/>
-              </a:rPr>
-              <a:t>  </a:t>
-            </a:r>
-            <a:r>
-              <a:rPr lang="en-US" sz="5900" b="1" dirty="0">
-                <a:solidFill>
-                  <a:srgbClr val="8CD872"/>
-                </a:solidFill>
-                <a:latin typeface="Arial Narrow"/>
-                <a:ea typeface="Arial Narrow"/>
-                <a:cs typeface="Arial Narrow"/>
-                <a:sym typeface="Arial Narrow"/>
-              </a:rPr>
-              <a:t>10</a:t>
-            </a:r>
-            <a:endParaRPr sz="5900" b="1" dirty="0">
-              <a:solidFill>
-                <a:srgbClr val="8CD872"/>
-              </a:solidFill>
-              <a:latin typeface="Arial Narrow"/>
-              <a:ea typeface="Arial Narrow"/>
-              <a:cs typeface="Arial Narrow"/>
-              <a:sym typeface="Arial Narrow"/>
-            </a:endParaRPr>
-          </a:p>
-          <a:p>
-            <a:pPr marL="2984500" indent="-1123950">
-              <a:buClr>
-                <a:schemeClr val="lt1"/>
-              </a:buClr>
-              <a:buSzPts val="5900"/>
-              <a:buFont typeface="Arial Narrow"/>
-              <a:buChar char="○"/>
-            </a:pPr>
-            <a:r>
-              <a:rPr lang="en-US" sz="5900" dirty="0">
-                <a:solidFill>
-                  <a:schemeClr val="lt1"/>
-                </a:solidFill>
-                <a:latin typeface="Arial Narrow"/>
-                <a:ea typeface="Arial Narrow"/>
-                <a:cs typeface="Arial Narrow"/>
-                <a:sym typeface="Arial Narrow"/>
-              </a:rPr>
-              <a:t>Meal deal: Chips and drink …………………………..... </a:t>
-            </a:r>
-            <a:r>
-              <a:rPr lang="en-US" sz="5900" b="1" dirty="0">
-                <a:solidFill>
-                  <a:srgbClr val="8CD872"/>
-                </a:solidFill>
-                <a:latin typeface="Arial Narrow"/>
-                <a:ea typeface="Arial Narrow"/>
-                <a:cs typeface="Arial Narrow"/>
-                <a:sym typeface="Arial Narrow"/>
-              </a:rPr>
-              <a:t>Add 3</a:t>
-            </a:r>
-          </a:p>
-          <a:p>
-            <a:pPr marL="2984500" indent="-1123950">
-              <a:buClr>
-                <a:schemeClr val="lt1"/>
-              </a:buClr>
-              <a:buSzPts val="5900"/>
-              <a:buFont typeface="Arial Narrow"/>
-              <a:buChar char="○"/>
-            </a:pPr>
-            <a:endParaRPr lang="en-US" sz="5900" dirty="0">
-              <a:solidFill>
-                <a:schemeClr val="lt1"/>
-              </a:solidFill>
-              <a:latin typeface="Arial Narrow"/>
-              <a:ea typeface="Arial Narrow"/>
-              <a:cs typeface="Arial Narrow"/>
-              <a:sym typeface="Arial Narrow"/>
-            </a:endParaRPr>
-          </a:p>
-          <a:p>
-            <a:pPr marL="1498600" lvl="0" indent="-1041400" algn="l" rtl="0">
-              <a:spcBef>
-                <a:spcPts val="0"/>
-              </a:spcBef>
-              <a:spcAft>
-                <a:spcPts val="0"/>
-              </a:spcAft>
-              <a:buClr>
-                <a:schemeClr val="lt1"/>
-              </a:buClr>
-              <a:buSzPts val="4600"/>
-              <a:buFont typeface="Arial Narrow"/>
-              <a:buChar char="●"/>
-            </a:pPr>
-            <a:r>
-              <a:rPr lang="en-US" sz="5900" b="1" dirty="0" err="1">
-                <a:solidFill>
-                  <a:schemeClr val="lt1"/>
-                </a:solidFill>
-                <a:latin typeface="Arial Narrow"/>
-                <a:ea typeface="Arial Narrow"/>
-                <a:cs typeface="Arial Narrow"/>
-                <a:sym typeface="Arial Narrow"/>
-              </a:rPr>
-              <a:t>Pastelillos</a:t>
-            </a:r>
-            <a:r>
-              <a:rPr lang="en-US" sz="5900" b="1" dirty="0">
-                <a:solidFill>
-                  <a:schemeClr val="lt1"/>
-                </a:solidFill>
-                <a:latin typeface="Arial Narrow"/>
-                <a:ea typeface="Arial Narrow"/>
-                <a:cs typeface="Arial Narrow"/>
-                <a:sym typeface="Arial Narrow"/>
-              </a:rPr>
-              <a:t> ………………………………</a:t>
-            </a:r>
-            <a:r>
-              <a:rPr lang="en-US" sz="5900" dirty="0">
-                <a:solidFill>
-                  <a:schemeClr val="lt1"/>
-                </a:solidFill>
-                <a:latin typeface="Arial Narrow"/>
-                <a:ea typeface="Arial Narrow"/>
-                <a:cs typeface="Arial Narrow"/>
-                <a:sym typeface="Arial Narrow"/>
-              </a:rPr>
-              <a:t>.....................................</a:t>
-            </a:r>
-            <a:r>
-              <a:rPr lang="en-US" sz="5900" dirty="0">
-                <a:solidFill>
-                  <a:srgbClr val="8CD872"/>
-                </a:solidFill>
-                <a:latin typeface="Arial Narrow"/>
-                <a:ea typeface="Arial Narrow"/>
-                <a:cs typeface="Arial Narrow"/>
-                <a:sym typeface="Arial Narrow"/>
-              </a:rPr>
-              <a:t>.. </a:t>
-            </a:r>
-            <a:r>
-              <a:rPr lang="en-US" sz="5900" b="1" dirty="0">
-                <a:solidFill>
-                  <a:srgbClr val="8CD872"/>
-                </a:solidFill>
-                <a:latin typeface="Arial Narrow"/>
-                <a:ea typeface="Arial Narrow"/>
-                <a:cs typeface="Arial Narrow"/>
-                <a:sym typeface="Arial Narrow"/>
-              </a:rPr>
-              <a:t>5</a:t>
-            </a:r>
-          </a:p>
-          <a:p>
-            <a:pPr marL="2984500" lvl="1" indent="-1123950" algn="l" rtl="0">
-              <a:spcBef>
-                <a:spcPts val="0"/>
-              </a:spcBef>
-              <a:spcAft>
-                <a:spcPts val="0"/>
-              </a:spcAft>
-              <a:buClr>
-                <a:schemeClr val="lt1"/>
-              </a:buClr>
-              <a:buSzPts val="5900"/>
-              <a:buFont typeface="Arial Narrow"/>
-              <a:buChar char="○"/>
-            </a:pPr>
-            <a:r>
-              <a:rPr lang="en-US" sz="5900" dirty="0">
-                <a:solidFill>
-                  <a:schemeClr val="lt1"/>
-                </a:solidFill>
-                <a:latin typeface="Arial Narrow"/>
-                <a:ea typeface="Arial Narrow"/>
-                <a:cs typeface="Arial Narrow"/>
-                <a:sym typeface="Arial Narrow"/>
-              </a:rPr>
-              <a:t>Stuffed fried </a:t>
-            </a:r>
-            <a:r>
-              <a:rPr lang="en-US" sz="5900" b="1" dirty="0">
-                <a:solidFill>
-                  <a:schemeClr val="lt1"/>
-                </a:solidFill>
-                <a:latin typeface="Arial Narrow"/>
-                <a:ea typeface="Arial Narrow"/>
-                <a:cs typeface="Arial Narrow"/>
-                <a:sym typeface="Arial Narrow"/>
-              </a:rPr>
-              <a:t>empanadas</a:t>
-            </a:r>
-            <a:r>
-              <a:rPr lang="en-US" sz="5900" dirty="0">
-                <a:solidFill>
-                  <a:schemeClr val="lt1"/>
-                </a:solidFill>
-                <a:latin typeface="Arial Narrow"/>
-                <a:ea typeface="Arial Narrow"/>
-                <a:cs typeface="Arial Narrow"/>
-                <a:sym typeface="Arial Narrow"/>
-              </a:rPr>
-              <a:t> (beef and cheese)</a:t>
-            </a:r>
-            <a:br>
-              <a:rPr lang="en-US" sz="5900" dirty="0">
-                <a:solidFill>
-                  <a:schemeClr val="lt1"/>
-                </a:solidFill>
-                <a:latin typeface="Arial Narrow"/>
-                <a:ea typeface="Arial Narrow"/>
-                <a:cs typeface="Arial Narrow"/>
-                <a:sym typeface="Arial Narrow"/>
-              </a:rPr>
-            </a:br>
-            <a:endParaRPr lang="en-US" sz="5900" dirty="0">
-              <a:solidFill>
-                <a:schemeClr val="lt1"/>
-              </a:solidFill>
-              <a:latin typeface="Arial Narrow"/>
-              <a:ea typeface="Arial Narrow"/>
-              <a:cs typeface="Arial Narrow"/>
-              <a:sym typeface="Arial Narrow"/>
-            </a:endParaRPr>
-          </a:p>
-          <a:p>
-            <a:pPr marL="1498600" lvl="0" indent="-1041400" algn="l" rtl="0">
-              <a:spcBef>
-                <a:spcPts val="0"/>
-              </a:spcBef>
-              <a:spcAft>
-                <a:spcPts val="0"/>
-              </a:spcAft>
-              <a:buClr>
-                <a:schemeClr val="lt1"/>
-              </a:buClr>
-              <a:buSzPts val="4600"/>
-              <a:buFont typeface="Arial Narrow"/>
-              <a:buChar char="●"/>
-            </a:pPr>
-            <a:r>
-              <a:rPr lang="en-US" sz="5900" b="1" dirty="0" err="1">
-                <a:solidFill>
-                  <a:schemeClr val="lt1"/>
-                </a:solidFill>
-                <a:latin typeface="Arial Narrow"/>
-                <a:ea typeface="Arial Narrow"/>
-                <a:cs typeface="Arial Narrow"/>
-                <a:sym typeface="Arial Narrow"/>
-              </a:rPr>
-              <a:t>Pincho</a:t>
-            </a:r>
-            <a:r>
-              <a:rPr lang="en-US" sz="5900" b="1" dirty="0">
-                <a:solidFill>
-                  <a:schemeClr val="lt1"/>
-                </a:solidFill>
-                <a:latin typeface="Arial Narrow"/>
-                <a:ea typeface="Arial Narrow"/>
-                <a:cs typeface="Arial Narrow"/>
-                <a:sym typeface="Arial Narrow"/>
-              </a:rPr>
-              <a:t> Fries </a:t>
-            </a:r>
-            <a:r>
-              <a:rPr lang="en-US" sz="5900" dirty="0">
-                <a:solidFill>
-                  <a:schemeClr val="lt1"/>
-                </a:solidFill>
-                <a:latin typeface="Arial Narrow"/>
-                <a:ea typeface="Arial Narrow"/>
-                <a:cs typeface="Arial Narrow"/>
-                <a:sym typeface="Arial Narrow"/>
-              </a:rPr>
-              <a:t>….......................................................................</a:t>
-            </a:r>
-            <a:r>
-              <a:rPr lang="en-US" sz="5900" dirty="0">
-                <a:solidFill>
-                  <a:srgbClr val="8CD872"/>
-                </a:solidFill>
-                <a:latin typeface="Arial Narrow"/>
-                <a:ea typeface="Arial Narrow"/>
-                <a:cs typeface="Arial Narrow"/>
-                <a:sym typeface="Arial Narrow"/>
-              </a:rPr>
-              <a:t>  </a:t>
-            </a:r>
-            <a:r>
-              <a:rPr lang="en-US" sz="5900" b="1" dirty="0">
-                <a:solidFill>
-                  <a:srgbClr val="8CD872"/>
-                </a:solidFill>
-                <a:latin typeface="Arial Narrow"/>
-                <a:ea typeface="Arial Narrow"/>
-                <a:cs typeface="Arial Narrow"/>
-                <a:sym typeface="Arial Narrow"/>
-              </a:rPr>
-              <a:t>18</a:t>
-            </a:r>
-          </a:p>
-          <a:p>
-            <a:pPr marL="2984500" lvl="1" indent="-1123950" algn="l" rtl="0">
-              <a:spcBef>
-                <a:spcPts val="0"/>
-              </a:spcBef>
-              <a:spcAft>
-                <a:spcPts val="0"/>
-              </a:spcAft>
-              <a:buClr>
-                <a:schemeClr val="lt1"/>
-              </a:buClr>
-              <a:buSzPts val="5900"/>
-              <a:buFont typeface="Arial Narrow"/>
-              <a:buChar char="○"/>
-            </a:pPr>
-            <a:r>
-              <a:rPr lang="en-US" sz="5900" dirty="0">
-                <a:solidFill>
-                  <a:schemeClr val="lt1"/>
-                </a:solidFill>
-                <a:latin typeface="Arial Narrow"/>
-                <a:ea typeface="Arial Narrow"/>
-                <a:cs typeface="Arial Narrow"/>
-                <a:sym typeface="Arial Narrow"/>
-              </a:rPr>
-              <a:t>Includes smoked chicken, cheese, guava BBQ, &amp; cilantro</a:t>
-            </a:r>
-          </a:p>
-          <a:p>
-            <a:pPr marL="1498600" marR="0" lvl="0" indent="-1041400" algn="l" rtl="0">
-              <a:spcBef>
-                <a:spcPts val="0"/>
-              </a:spcBef>
-              <a:spcAft>
-                <a:spcPts val="0"/>
-              </a:spcAft>
-              <a:buClr>
-                <a:schemeClr val="lt1"/>
-              </a:buClr>
-              <a:buSzPts val="4600"/>
-              <a:buFont typeface="Arial Narrow"/>
-              <a:buChar char="●"/>
-            </a:pPr>
-            <a:r>
-              <a:rPr lang="en-US" sz="5900" b="1" dirty="0">
-                <a:solidFill>
-                  <a:schemeClr val="lt1"/>
-                </a:solidFill>
-                <a:latin typeface="Arial Narrow"/>
-                <a:ea typeface="Arial Narrow"/>
-                <a:cs typeface="Arial Narrow"/>
-                <a:sym typeface="Arial Narrow"/>
-              </a:rPr>
-              <a:t>Regular Fries </a:t>
-            </a:r>
-            <a:r>
-              <a:rPr lang="en-US" sz="5900" dirty="0">
-                <a:solidFill>
-                  <a:schemeClr val="lt1"/>
-                </a:solidFill>
-                <a:latin typeface="Arial Narrow"/>
-                <a:ea typeface="Arial Narrow"/>
-                <a:cs typeface="Arial Narrow"/>
-                <a:sym typeface="Arial Narrow"/>
-              </a:rPr>
-              <a:t>….......................................................................</a:t>
-            </a:r>
-            <a:r>
-              <a:rPr lang="en-US" sz="5900" dirty="0">
-                <a:solidFill>
-                  <a:srgbClr val="8CD872"/>
-                </a:solidFill>
-                <a:latin typeface="Arial Narrow"/>
-                <a:ea typeface="Arial Narrow"/>
-                <a:cs typeface="Arial Narrow"/>
-                <a:sym typeface="Arial Narrow"/>
-              </a:rPr>
-              <a:t>  </a:t>
-            </a:r>
-            <a:r>
-              <a:rPr lang="en-US" sz="5900" b="1" dirty="0">
-                <a:solidFill>
-                  <a:srgbClr val="8CD872"/>
-                </a:solidFill>
-                <a:latin typeface="Arial Narrow"/>
-                <a:ea typeface="Arial Narrow"/>
-                <a:cs typeface="Arial Narrow"/>
-                <a:sym typeface="Arial Narrow"/>
-              </a:rPr>
-              <a:t>9</a:t>
-            </a:r>
-            <a:endParaRPr lang="en-US" sz="2600" b="1" dirty="0">
-              <a:solidFill>
-                <a:schemeClr val="lt1"/>
-              </a:solidFill>
-              <a:latin typeface="Arial Narrow"/>
-              <a:ea typeface="Arial Narrow"/>
-              <a:cs typeface="Arial Narrow"/>
-              <a:sym typeface="Arial Narrow"/>
-            </a:endParaRPr>
-          </a:p>
-          <a:p>
-            <a:pPr marL="1498600" marR="0" lvl="0" indent="-1041400" algn="l" rtl="0">
-              <a:spcBef>
-                <a:spcPts val="0"/>
-              </a:spcBef>
-              <a:spcAft>
-                <a:spcPts val="0"/>
-              </a:spcAft>
-              <a:buClr>
-                <a:schemeClr val="lt1"/>
-              </a:buClr>
-              <a:buSzPts val="4600"/>
-              <a:buFont typeface="Arial Narrow"/>
-              <a:buChar char="●"/>
-            </a:pPr>
-            <a:r>
-              <a:rPr lang="en-US" sz="5900" b="1" dirty="0">
-                <a:solidFill>
-                  <a:schemeClr val="lt1"/>
-                </a:solidFill>
-                <a:latin typeface="Arial Narrow"/>
-                <a:ea typeface="Arial Narrow"/>
-                <a:cs typeface="Arial Narrow"/>
-                <a:sym typeface="Arial Narrow"/>
-              </a:rPr>
-              <a:t>Homestyle Fries </a:t>
-            </a:r>
-            <a:r>
-              <a:rPr lang="en-US" sz="5900" dirty="0">
-                <a:solidFill>
-                  <a:schemeClr val="lt1"/>
-                </a:solidFill>
-                <a:latin typeface="Arial Narrow"/>
-                <a:ea typeface="Arial Narrow"/>
-                <a:cs typeface="Arial Narrow"/>
-                <a:sym typeface="Arial Narrow"/>
-              </a:rPr>
-              <a:t>…..................................................................</a:t>
-            </a:r>
-            <a:r>
-              <a:rPr lang="en-US" sz="5900" dirty="0">
-                <a:solidFill>
-                  <a:srgbClr val="8CD872"/>
-                </a:solidFill>
-                <a:latin typeface="Arial Narrow"/>
-                <a:ea typeface="Arial Narrow"/>
-                <a:cs typeface="Arial Narrow"/>
-                <a:sym typeface="Arial Narrow"/>
-              </a:rPr>
-              <a:t>  </a:t>
-            </a:r>
-            <a:r>
-              <a:rPr lang="en-US" sz="5900" b="1" dirty="0">
-                <a:solidFill>
-                  <a:srgbClr val="8CD872"/>
-                </a:solidFill>
-                <a:latin typeface="Arial Narrow"/>
-                <a:ea typeface="Arial Narrow"/>
-                <a:cs typeface="Arial Narrow"/>
-                <a:sym typeface="Arial Narrow"/>
-              </a:rPr>
-              <a:t>5</a:t>
-            </a:r>
-            <a:br>
-              <a:rPr lang="en-US" sz="1600" dirty="0">
-                <a:solidFill>
-                  <a:schemeClr val="lt1"/>
-                </a:solidFill>
-                <a:latin typeface="Arial Narrow"/>
-                <a:ea typeface="Arial Narrow"/>
-                <a:cs typeface="Arial Narrow"/>
-                <a:sym typeface="Arial Narrow"/>
-              </a:rPr>
-            </a:br>
-            <a:endParaRPr sz="2600" dirty="0">
-              <a:solidFill>
-                <a:schemeClr val="lt1"/>
-              </a:solidFill>
-              <a:latin typeface="Arial Narrow"/>
-              <a:ea typeface="Arial Narrow"/>
-              <a:cs typeface="Arial Narrow"/>
-              <a:sym typeface="Arial Narrow"/>
-            </a:endParaRPr>
-          </a:p>
-        </p:txBody>
-      </p:sp>
-      <p:grpSp>
-        <p:nvGrpSpPr>
-          <p:cNvPr id="15" name="Group 14">
-            <a:extLst>
-              <a:ext uri="{FF2B5EF4-FFF2-40B4-BE49-F238E27FC236}">
-                <a16:creationId xmlns:a16="http://schemas.microsoft.com/office/drawing/2014/main" id="{F0A390F7-70A9-4BC0-B08B-4552209E8164}"/>
-              </a:ext>
-            </a:extLst>
-          </p:cNvPr>
-          <p:cNvGrpSpPr/>
-          <p:nvPr/>
-        </p:nvGrpSpPr>
-        <p:grpSpPr>
-          <a:xfrm>
-            <a:off x="1832007" y="9525805"/>
-            <a:ext cx="2222636" cy="3730290"/>
-            <a:chOff x="1832007" y="9525805"/>
-            <a:chExt cx="2222636" cy="3730290"/>
-          </a:xfrm>
-        </p:grpSpPr>
-        <p:sp>
-          <p:nvSpPr>
-            <p:cNvPr id="4" name="Rectangle 3">
-              <a:extLst>
-                <a:ext uri="{FF2B5EF4-FFF2-40B4-BE49-F238E27FC236}">
-                  <a16:creationId xmlns:a16="http://schemas.microsoft.com/office/drawing/2014/main" id="{D2178AA9-52F4-48B2-9E84-6DD1AABE18D5}"/>
-                </a:ext>
-              </a:extLst>
-            </p:cNvPr>
-            <p:cNvSpPr/>
-            <p:nvPr/>
-          </p:nvSpPr>
-          <p:spPr>
-            <a:xfrm>
-              <a:off x="2993011" y="12888450"/>
-              <a:ext cx="1061632" cy="367645"/>
-            </a:xfrm>
-            <a:prstGeom prst="rect">
-              <a:avLst/>
-            </a:prstGeom>
-            <a:noFill/>
-            <a:ln>
-              <a:noFill/>
-            </a:ln>
-          </p:spPr>
-          <p:style>
-            <a:lnRef idx="2">
-              <a:schemeClr val="accent1">
-                <a:shade val="50000"/>
-              </a:schemeClr>
-            </a:lnRef>
-            <a:fillRef idx="1">
-              <a:schemeClr val="accent1"/>
-            </a:fillRef>
-            <a:effectRef idx="0">
-              <a:schemeClr val="accent1"/>
-            </a:effectRef>
-            <a:fontRef idx="minor">
-              <a:schemeClr val="lt1"/>
-            </a:fontRef>
-          </p:style>
-          <p:txBody>
-            <a:bodyPr rtlCol="0" anchor="ctr"/>
-            <a:lstStyle/>
-            <a:p>
-              <a:pPr algn="ctr"/>
-              <a:endParaRPr lang="en-US"/>
-            </a:p>
-          </p:txBody>
-        </p:sp>
-        <p:cxnSp>
-          <p:nvCxnSpPr>
-            <p:cNvPr id="8" name="Connector: Elbow 7">
-              <a:extLst>
-                <a:ext uri="{FF2B5EF4-FFF2-40B4-BE49-F238E27FC236}">
-                  <a16:creationId xmlns:a16="http://schemas.microsoft.com/office/drawing/2014/main" id="{61407823-9A88-477B-A998-48180145C7F1}"/>
-                </a:ext>
-              </a:extLst>
-            </p:cNvPr>
-            <p:cNvCxnSpPr>
-              <a:cxnSpLocks/>
-              <a:endCxn id="4" idx="1"/>
-            </p:cNvCxnSpPr>
-            <p:nvPr/>
-          </p:nvCxnSpPr>
-          <p:spPr>
-            <a:xfrm rot="16200000" flipH="1">
-              <a:off x="639275" y="10718537"/>
-              <a:ext cx="3546468" cy="1161003"/>
-            </a:xfrm>
-            <a:prstGeom prst="bentConnector2">
-              <a:avLst/>
-            </a:prstGeom>
-            <a:ln w="57150" cap="rnd">
-              <a:solidFill>
-                <a:schemeClr val="bg1"/>
-              </a:solidFill>
-              <a:prstDash val="sysDot"/>
-              <a:round/>
-              <a:tailEnd type="stealth"/>
-            </a:ln>
-          </p:spPr>
-          <p:style>
-            <a:lnRef idx="1">
-              <a:schemeClr val="accent1"/>
-            </a:lnRef>
-            <a:fillRef idx="0">
-              <a:schemeClr val="accent1"/>
-            </a:fillRef>
-            <a:effectRef idx="0">
-              <a:schemeClr val="accent1"/>
-            </a:effectRef>
-            <a:fontRef idx="minor">
-              <a:schemeClr val="tx1"/>
-            </a:fontRef>
-          </p:style>
-        </p:cxnSp>
-        <p:grpSp>
-          <p:nvGrpSpPr>
-            <p:cNvPr id="13" name="Group 12">
-              <a:extLst>
-                <a:ext uri="{FF2B5EF4-FFF2-40B4-BE49-F238E27FC236}">
-                  <a16:creationId xmlns:a16="http://schemas.microsoft.com/office/drawing/2014/main" id="{070F665B-7F65-4565-8667-05C97B32CC51}"/>
-                </a:ext>
-              </a:extLst>
-            </p:cNvPr>
-            <p:cNvGrpSpPr/>
-            <p:nvPr/>
-          </p:nvGrpSpPr>
-          <p:grpSpPr>
-            <a:xfrm>
-              <a:off x="3080839" y="9902914"/>
-              <a:ext cx="270526" cy="999811"/>
-              <a:chOff x="3080210" y="9903677"/>
-              <a:chExt cx="270526" cy="999811"/>
-            </a:xfrm>
-          </p:grpSpPr>
-          <p:cxnSp>
-            <p:nvCxnSpPr>
-              <p:cNvPr id="11" name="Straight Connector 10">
-                <a:extLst>
-                  <a:ext uri="{FF2B5EF4-FFF2-40B4-BE49-F238E27FC236}">
-                    <a16:creationId xmlns:a16="http://schemas.microsoft.com/office/drawing/2014/main" id="{A08D5958-C764-448E-90A2-C685E1E47884}"/>
-                  </a:ext>
-                </a:extLst>
-              </p:cNvPr>
-              <p:cNvCxnSpPr/>
-              <p:nvPr/>
-            </p:nvCxnSpPr>
-            <p:spPr>
-              <a:xfrm>
-                <a:off x="3215473" y="9903677"/>
-                <a:ext cx="0" cy="999811"/>
-              </a:xfrm>
-              <a:prstGeom prst="line">
-                <a:avLst/>
-              </a:prstGeom>
-              <a:ln w="57150" cap="rnd">
-                <a:solidFill>
-                  <a:schemeClr val="bg1"/>
-                </a:solidFill>
-                <a:prstDash val="sysDot"/>
-              </a:ln>
-            </p:spPr>
-            <p:style>
-              <a:lnRef idx="1">
-                <a:schemeClr val="accent1"/>
-              </a:lnRef>
-              <a:fillRef idx="0">
-                <a:schemeClr val="accent1"/>
-              </a:fillRef>
-              <a:effectRef idx="0">
-                <a:schemeClr val="accent1"/>
-              </a:effectRef>
-              <a:fontRef idx="minor">
-                <a:schemeClr val="tx1"/>
-              </a:fontRef>
-            </p:style>
-          </p:cxnSp>
-          <p:sp>
-            <p:nvSpPr>
-              <p:cNvPr id="12" name="Oval 11">
-                <a:extLst>
-                  <a:ext uri="{FF2B5EF4-FFF2-40B4-BE49-F238E27FC236}">
-                    <a16:creationId xmlns:a16="http://schemas.microsoft.com/office/drawing/2014/main" id="{655E8217-FA33-4C6D-A9C5-206215842B38}"/>
-                  </a:ext>
-                </a:extLst>
-              </p:cNvPr>
-              <p:cNvSpPr/>
-              <p:nvPr/>
-            </p:nvSpPr>
-            <p:spPr>
-              <a:xfrm>
-                <a:off x="3080210" y="10226521"/>
-                <a:ext cx="270526" cy="270524"/>
-              </a:xfrm>
-              <a:prstGeom prst="ellipse">
-                <a:avLst/>
-              </a:prstGeom>
-              <a:solidFill>
-                <a:srgbClr val="262626"/>
-              </a:solidFill>
-              <a:ln>
-                <a:noFill/>
-              </a:ln>
-            </p:spPr>
-            <p:style>
-              <a:lnRef idx="2">
-                <a:schemeClr val="accent1">
-                  <a:shade val="50000"/>
-                </a:schemeClr>
-              </a:lnRef>
-              <a:fillRef idx="1">
-                <a:schemeClr val="accent1"/>
-              </a:fillRef>
-              <a:effectRef idx="0">
-                <a:schemeClr val="accent1"/>
-              </a:effectRef>
-              <a:fontRef idx="minor">
-                <a:schemeClr val="lt1"/>
-              </a:fontRef>
-            </p:style>
-            <p:txBody>
-              <a:bodyPr rtlCol="0" anchor="ctr"/>
-              <a:lstStyle/>
-              <a:p>
-                <a:pPr algn="ctr"/>
-                <a:endParaRPr lang="en-US"/>
-              </a:p>
-            </p:txBody>
-          </p:sp>
-        </p:grpSp>
-      </p:grpSp>
     </p:spTree>
   </p:cSld>
   <p:clrMapOvr>

--- a/misc/Menu 24 by 36 on 12-12-24/2_DaBeast Services Menu.pptx
+++ b/misc/Menu 24 by 36 on 12-12-24/2_DaBeast Services Menu.pptx
@@ -21,15 +21,16 @@
       <p:boldItalic r:id="rId7"/>
     </p:embeddedFont>
     <p:embeddedFont>
-      <p:font typeface="Open Sans" panose="020B0606030504020204" pitchFamily="34" charset="0"/>
+      <p:font typeface="Open Sans" panose="020B0604020202020204" charset="0"/>
       <p:regular r:id="rId8"/>
       <p:bold r:id="rId9"/>
-      <p:boldItalic r:id="rId10"/>
+      <p:italic r:id="rId10"/>
+      <p:boldItalic r:id="rId11"/>
     </p:embeddedFont>
     <p:embeddedFont>
       <p:font typeface="Play" panose="020B0604020202020204" charset="0"/>
-      <p:regular r:id="rId11"/>
-      <p:bold r:id="rId12"/>
+      <p:regular r:id="rId12"/>
+      <p:bold r:id="rId13"/>
     </p:embeddedFont>
   </p:embeddedFontLst>
   <p:defaultTextStyle>
@@ -12070,14 +12071,14 @@
       </p:pic>
       <p:sp>
         <p:nvSpPr>
-          <p:cNvPr id="93" name="Google Shape;93;p1"/>
+          <p:cNvPr id="94" name="Google Shape;94;p1"/>
           <p:cNvSpPr txBox="1"/>
           <p:nvPr/>
         </p:nvSpPr>
         <p:spPr>
           <a:xfrm>
-            <a:off x="894849" y="7286475"/>
-            <a:ext cx="20085900" cy="10029300"/>
+            <a:off x="953150" y="20882495"/>
+            <a:ext cx="9859200" cy="7364837"/>
           </a:xfrm>
           <a:prstGeom prst="rect">
             <a:avLst/>
@@ -12112,485 +12113,8 @@
                 <a:cs typeface="Arial Narrow"/>
                 <a:sym typeface="Arial Narrow"/>
               </a:rPr>
-              <a:t>Lunch / Dinner</a:t>
-            </a:r>
-            <a:endParaRPr sz="11800" dirty="0">
-              <a:solidFill>
-                <a:schemeClr val="lt1"/>
-              </a:solidFill>
-              <a:latin typeface="Arial Narrow"/>
-              <a:ea typeface="Arial Narrow"/>
-              <a:cs typeface="Arial Narrow"/>
-              <a:sym typeface="Arial Narrow"/>
-            </a:endParaRPr>
-          </a:p>
-          <a:p>
-            <a:pPr marL="0" lvl="0" indent="0" algn="l" rtl="0">
-              <a:spcBef>
-                <a:spcPts val="0"/>
-              </a:spcBef>
-              <a:spcAft>
-                <a:spcPts val="0"/>
-              </a:spcAft>
-              <a:buNone/>
-            </a:pPr>
-            <a:endParaRPr sz="5900" b="1" dirty="0">
-              <a:solidFill>
-                <a:schemeClr val="lt1"/>
-              </a:solidFill>
-              <a:latin typeface="Arial Narrow"/>
-              <a:ea typeface="Arial Narrow"/>
-              <a:cs typeface="Arial Narrow"/>
-              <a:sym typeface="Arial Narrow"/>
-            </a:endParaRPr>
-          </a:p>
-          <a:p>
-            <a:pPr marL="1498600" lvl="0" indent="-1041400" algn="l" rtl="0">
-              <a:spcBef>
-                <a:spcPts val="0"/>
-              </a:spcBef>
-              <a:spcAft>
-                <a:spcPts val="0"/>
-              </a:spcAft>
-              <a:buClr>
-                <a:schemeClr val="lt1"/>
-              </a:buClr>
-              <a:buSzPts val="4600"/>
-              <a:buFont typeface="Arial Narrow"/>
-              <a:buChar char="●"/>
-            </a:pPr>
-            <a:r>
-              <a:rPr lang="en-US" sz="5900" b="1" dirty="0">
-                <a:solidFill>
-                  <a:schemeClr val="lt1"/>
-                </a:solidFill>
-                <a:latin typeface="Arial Narrow"/>
-                <a:ea typeface="Arial Narrow"/>
-                <a:cs typeface="Arial Narrow"/>
-                <a:sym typeface="Arial Narrow"/>
-              </a:rPr>
-              <a:t>Cheeseburger </a:t>
-            </a:r>
-            <a:r>
-              <a:rPr lang="en-US" sz="5900" dirty="0">
-                <a:solidFill>
-                  <a:schemeClr val="lt1"/>
-                </a:solidFill>
-                <a:latin typeface="Arial Narrow"/>
-                <a:ea typeface="Arial Narrow"/>
-                <a:cs typeface="Arial Narrow"/>
-                <a:sym typeface="Arial Narrow"/>
-              </a:rPr>
-              <a:t>……………………………….…..........................</a:t>
-            </a:r>
-            <a:r>
-              <a:rPr lang="en-US" sz="5900" dirty="0">
-                <a:solidFill>
-                  <a:srgbClr val="8CD872"/>
-                </a:solidFill>
-                <a:latin typeface="Arial Narrow"/>
-                <a:ea typeface="Arial Narrow"/>
-                <a:cs typeface="Arial Narrow"/>
-                <a:sym typeface="Arial Narrow"/>
-              </a:rPr>
-              <a:t> </a:t>
-            </a:r>
-            <a:r>
-              <a:rPr lang="en-US" sz="5900" b="1" dirty="0">
-                <a:solidFill>
-                  <a:srgbClr val="8CD872"/>
-                </a:solidFill>
-                <a:latin typeface="Arial Narrow"/>
-                <a:ea typeface="Arial Narrow"/>
-                <a:cs typeface="Arial Narrow"/>
-                <a:sym typeface="Arial Narrow"/>
-              </a:rPr>
-              <a:t>12</a:t>
-            </a:r>
-            <a:endParaRPr sz="5900" b="1" dirty="0">
-              <a:solidFill>
-                <a:srgbClr val="8CD872"/>
-              </a:solidFill>
-              <a:latin typeface="Arial Narrow"/>
-              <a:ea typeface="Arial Narrow"/>
-              <a:cs typeface="Arial Narrow"/>
-              <a:sym typeface="Arial Narrow"/>
-            </a:endParaRPr>
-          </a:p>
-          <a:p>
-            <a:pPr marL="1498600" lvl="0" indent="-1041400" algn="l" rtl="0">
-              <a:spcBef>
-                <a:spcPts val="0"/>
-              </a:spcBef>
-              <a:spcAft>
-                <a:spcPts val="0"/>
-              </a:spcAft>
-              <a:buClr>
-                <a:schemeClr val="lt1"/>
-              </a:buClr>
-              <a:buSzPts val="4600"/>
-              <a:buFont typeface="Arial Narrow"/>
-              <a:buChar char="●"/>
-            </a:pPr>
-            <a:r>
-              <a:rPr lang="en-US" sz="5900" b="1" dirty="0">
-                <a:solidFill>
-                  <a:schemeClr val="lt1"/>
-                </a:solidFill>
-                <a:latin typeface="Arial Narrow"/>
-                <a:ea typeface="Arial Narrow"/>
-                <a:cs typeface="Arial Narrow"/>
-                <a:sym typeface="Arial Narrow"/>
-              </a:rPr>
-              <a:t>Beer Brat </a:t>
-            </a:r>
-            <a:r>
-              <a:rPr lang="en-US" sz="5900" dirty="0">
-                <a:solidFill>
-                  <a:schemeClr val="lt1"/>
-                </a:solidFill>
-                <a:latin typeface="Arial Narrow"/>
-                <a:ea typeface="Arial Narrow"/>
-                <a:cs typeface="Arial Narrow"/>
-                <a:sym typeface="Arial Narrow"/>
-              </a:rPr>
-              <a:t>……………………………….......................................</a:t>
-            </a:r>
-            <a:r>
-              <a:rPr lang="en-US" sz="5900" dirty="0">
-                <a:solidFill>
-                  <a:srgbClr val="8CD872"/>
-                </a:solidFill>
-                <a:latin typeface="Arial Narrow"/>
-                <a:ea typeface="Arial Narrow"/>
-                <a:cs typeface="Arial Narrow"/>
-                <a:sym typeface="Arial Narrow"/>
-              </a:rPr>
-              <a:t>  </a:t>
-            </a:r>
-            <a:r>
-              <a:rPr lang="en-US" sz="5900" b="1" dirty="0">
-                <a:solidFill>
-                  <a:srgbClr val="8CD872"/>
-                </a:solidFill>
-                <a:latin typeface="Arial Narrow"/>
-                <a:ea typeface="Arial Narrow"/>
-                <a:cs typeface="Arial Narrow"/>
-                <a:sym typeface="Arial Narrow"/>
-              </a:rPr>
-              <a:t>8</a:t>
-            </a:r>
-            <a:endParaRPr sz="5900" b="1" dirty="0">
-              <a:solidFill>
-                <a:srgbClr val="8CD872"/>
-              </a:solidFill>
-              <a:latin typeface="Arial Narrow"/>
-              <a:ea typeface="Arial Narrow"/>
-              <a:cs typeface="Arial Narrow"/>
-              <a:sym typeface="Arial Narrow"/>
-            </a:endParaRPr>
-          </a:p>
-          <a:p>
-            <a:pPr marL="2984500" lvl="1" indent="-1123950" algn="l" rtl="0">
-              <a:spcBef>
-                <a:spcPts val="0"/>
-              </a:spcBef>
-              <a:spcAft>
-                <a:spcPts val="0"/>
-              </a:spcAft>
-              <a:buClr>
-                <a:schemeClr val="lt1"/>
-              </a:buClr>
-              <a:buSzPts val="5900"/>
-              <a:buFont typeface="Arial Narrow"/>
-              <a:buChar char="○"/>
-            </a:pPr>
-            <a:r>
-              <a:rPr lang="en-US" sz="5900" dirty="0">
-                <a:solidFill>
-                  <a:schemeClr val="lt1"/>
-                </a:solidFill>
-                <a:latin typeface="Arial Narrow"/>
-                <a:ea typeface="Arial Narrow"/>
-                <a:cs typeface="Arial Narrow"/>
-                <a:sym typeface="Arial Narrow"/>
-              </a:rPr>
-              <a:t>Meal deal: Chips and drink ……………………………. </a:t>
-            </a:r>
-            <a:r>
-              <a:rPr lang="en-US" sz="5900" b="1" dirty="0">
-                <a:solidFill>
-                  <a:srgbClr val="8CD872"/>
-                </a:solidFill>
-                <a:latin typeface="Arial Narrow"/>
-                <a:ea typeface="Arial Narrow"/>
-                <a:cs typeface="Arial Narrow"/>
-                <a:sym typeface="Arial Narrow"/>
-              </a:rPr>
-              <a:t>Add 3</a:t>
-            </a:r>
-            <a:endParaRPr sz="5900" b="1" dirty="0">
-              <a:solidFill>
-                <a:srgbClr val="8CD872"/>
-              </a:solidFill>
-              <a:latin typeface="Arial Narrow"/>
-              <a:ea typeface="Arial Narrow"/>
-              <a:cs typeface="Arial Narrow"/>
-              <a:sym typeface="Arial Narrow"/>
-            </a:endParaRPr>
-          </a:p>
-          <a:p>
-            <a:pPr marL="2984500" lvl="0" indent="0" algn="l" rtl="0">
-              <a:spcBef>
-                <a:spcPts val="0"/>
-              </a:spcBef>
-              <a:spcAft>
-                <a:spcPts val="0"/>
-              </a:spcAft>
-              <a:buNone/>
-            </a:pPr>
-            <a:endParaRPr sz="5900" dirty="0">
-              <a:solidFill>
-                <a:schemeClr val="lt1"/>
-              </a:solidFill>
-              <a:latin typeface="Arial Narrow"/>
-              <a:ea typeface="Arial Narrow"/>
-              <a:cs typeface="Arial Narrow"/>
-              <a:sym typeface="Arial Narrow"/>
-            </a:endParaRPr>
-          </a:p>
-          <a:p>
-            <a:pPr marL="1498600" marR="0" lvl="0" indent="-1041400" algn="l" rtl="0">
-              <a:spcBef>
-                <a:spcPts val="0"/>
-              </a:spcBef>
-              <a:spcAft>
-                <a:spcPts val="0"/>
-              </a:spcAft>
-              <a:buClr>
-                <a:schemeClr val="lt1"/>
-              </a:buClr>
-              <a:buSzPts val="4600"/>
-              <a:buFont typeface="Arial Narrow"/>
-              <a:buChar char="●"/>
-            </a:pPr>
-            <a:r>
-              <a:rPr lang="en-US" sz="5900" b="1" dirty="0" err="1">
-                <a:solidFill>
-                  <a:schemeClr val="lt1"/>
-                </a:solidFill>
-                <a:latin typeface="Arial Narrow"/>
-                <a:ea typeface="Arial Narrow"/>
-                <a:cs typeface="Arial Narrow"/>
-                <a:sym typeface="Arial Narrow"/>
-              </a:rPr>
-              <a:t>Pastelillos</a:t>
-            </a:r>
-            <a:r>
-              <a:rPr lang="en-US" sz="5900" b="1" dirty="0">
-                <a:solidFill>
-                  <a:schemeClr val="lt1"/>
-                </a:solidFill>
-                <a:latin typeface="Arial Narrow"/>
-                <a:ea typeface="Arial Narrow"/>
-                <a:cs typeface="Arial Narrow"/>
-                <a:sym typeface="Arial Narrow"/>
-              </a:rPr>
-              <a:t> ………………………………</a:t>
-            </a:r>
-            <a:r>
-              <a:rPr lang="en-US" sz="5900" dirty="0">
-                <a:solidFill>
-                  <a:schemeClr val="lt1"/>
-                </a:solidFill>
-                <a:latin typeface="Arial Narrow"/>
-                <a:ea typeface="Arial Narrow"/>
-                <a:cs typeface="Arial Narrow"/>
-                <a:sym typeface="Arial Narrow"/>
-              </a:rPr>
-              <a:t>.....................................</a:t>
-            </a:r>
-            <a:r>
-              <a:rPr lang="en-US" sz="5900" dirty="0">
-                <a:solidFill>
-                  <a:srgbClr val="8CD872"/>
-                </a:solidFill>
-                <a:latin typeface="Arial Narrow"/>
-                <a:ea typeface="Arial Narrow"/>
-                <a:cs typeface="Arial Narrow"/>
-                <a:sym typeface="Arial Narrow"/>
-              </a:rPr>
-              <a:t>  </a:t>
-            </a:r>
-            <a:r>
-              <a:rPr lang="en-US" sz="5900" b="1" dirty="0">
-                <a:solidFill>
-                  <a:srgbClr val="8CD872"/>
-                </a:solidFill>
-                <a:latin typeface="Arial Narrow"/>
-                <a:ea typeface="Arial Narrow"/>
-                <a:cs typeface="Arial Narrow"/>
-                <a:sym typeface="Arial Narrow"/>
-              </a:rPr>
-              <a:t>4</a:t>
-            </a:r>
-            <a:endParaRPr sz="5900" b="1" dirty="0">
-              <a:solidFill>
-                <a:srgbClr val="8CD872"/>
-              </a:solidFill>
-              <a:latin typeface="Arial Narrow"/>
-              <a:ea typeface="Arial Narrow"/>
-              <a:cs typeface="Arial Narrow"/>
-              <a:sym typeface="Arial Narrow"/>
-            </a:endParaRPr>
-          </a:p>
-          <a:p>
-            <a:pPr marL="2984500" marR="0" lvl="1" indent="-1123950" algn="l" rtl="0">
-              <a:spcBef>
-                <a:spcPts val="0"/>
-              </a:spcBef>
-              <a:spcAft>
-                <a:spcPts val="0"/>
-              </a:spcAft>
-              <a:buClr>
-                <a:schemeClr val="lt1"/>
-              </a:buClr>
-              <a:buSzPts val="5900"/>
-              <a:buFont typeface="Arial Narrow"/>
-              <a:buChar char="○"/>
-            </a:pPr>
-            <a:r>
-              <a:rPr lang="en-US" sz="5900" dirty="0">
-                <a:solidFill>
-                  <a:schemeClr val="lt1"/>
-                </a:solidFill>
-                <a:latin typeface="Arial Narrow"/>
-                <a:ea typeface="Arial Narrow"/>
-                <a:cs typeface="Arial Narrow"/>
-                <a:sym typeface="Arial Narrow"/>
-              </a:rPr>
-              <a:t>Stuffed fried empanadas (beef and cheese)</a:t>
-            </a:r>
-            <a:br>
-              <a:rPr lang="en-US" sz="5900" dirty="0">
-                <a:solidFill>
-                  <a:schemeClr val="lt1"/>
-                </a:solidFill>
-                <a:latin typeface="Arial Narrow"/>
-                <a:ea typeface="Arial Narrow"/>
-                <a:cs typeface="Arial Narrow"/>
-                <a:sym typeface="Arial Narrow"/>
-              </a:rPr>
-            </a:br>
-            <a:endParaRPr sz="5900" dirty="0">
-              <a:solidFill>
-                <a:schemeClr val="lt1"/>
-              </a:solidFill>
-              <a:latin typeface="Arial Narrow"/>
-              <a:ea typeface="Arial Narrow"/>
-              <a:cs typeface="Arial Narrow"/>
-              <a:sym typeface="Arial Narrow"/>
-            </a:endParaRPr>
-          </a:p>
-          <a:p>
-            <a:pPr marL="0" marR="0" lvl="0" indent="0" algn="l" rtl="0">
-              <a:spcBef>
-                <a:spcPts val="0"/>
-              </a:spcBef>
-              <a:spcAft>
-                <a:spcPts val="0"/>
-              </a:spcAft>
-              <a:buNone/>
-            </a:pPr>
-            <a:br>
-              <a:rPr lang="en-US" sz="1600" dirty="0">
-                <a:solidFill>
-                  <a:schemeClr val="lt1"/>
-                </a:solidFill>
-                <a:latin typeface="Arial Narrow"/>
-                <a:ea typeface="Arial Narrow"/>
-                <a:cs typeface="Arial Narrow"/>
-                <a:sym typeface="Arial Narrow"/>
-              </a:rPr>
-            </a:br>
-            <a:endParaRPr sz="2600" dirty="0">
-              <a:solidFill>
-                <a:schemeClr val="lt1"/>
-              </a:solidFill>
-              <a:latin typeface="Arial Narrow"/>
-              <a:ea typeface="Arial Narrow"/>
-              <a:cs typeface="Arial Narrow"/>
-              <a:sym typeface="Arial Narrow"/>
-            </a:endParaRPr>
-          </a:p>
-        </p:txBody>
-      </p:sp>
-      <p:sp>
-        <p:nvSpPr>
-          <p:cNvPr id="94" name="Google Shape;94;p1"/>
-          <p:cNvSpPr txBox="1"/>
-          <p:nvPr/>
-        </p:nvSpPr>
-        <p:spPr>
-          <a:xfrm>
-            <a:off x="953150" y="19068225"/>
-            <a:ext cx="9859200" cy="8072723"/>
-          </a:xfrm>
-          <a:prstGeom prst="rect">
-            <a:avLst/>
-          </a:prstGeom>
-          <a:noFill/>
-          <a:ln>
-            <a:noFill/>
-          </a:ln>
-        </p:spPr>
-        <p:txBody>
-          <a:bodyPr spcFirstLastPara="1" wrap="square" lIns="298525" tIns="149225" rIns="298525" bIns="149225" anchor="t" anchorCtr="0">
-            <a:spAutoFit/>
-          </a:bodyPr>
-          <a:lstStyle/>
-          <a:p>
-            <a:pPr marL="0" marR="0" lvl="0" indent="0" algn="l" rtl="0">
-              <a:spcBef>
-                <a:spcPts val="0"/>
-              </a:spcBef>
-              <a:spcAft>
-                <a:spcPts val="0"/>
-              </a:spcAft>
-              <a:buNone/>
-            </a:pPr>
-            <a:r>
-              <a:rPr lang="en-US" sz="11800" b="1" dirty="0">
-                <a:solidFill>
-                  <a:schemeClr val="lt1"/>
-                </a:solidFill>
-                <a:latin typeface="Arial Narrow"/>
-                <a:ea typeface="Arial Narrow"/>
-                <a:cs typeface="Arial Narrow"/>
-                <a:sym typeface="Arial Narrow"/>
-              </a:rPr>
               <a:t>Desserts</a:t>
             </a:r>
-            <a:endParaRPr sz="7800" b="1" dirty="0">
-              <a:solidFill>
-                <a:schemeClr val="lt1"/>
-              </a:solidFill>
-              <a:latin typeface="Arial Narrow"/>
-              <a:ea typeface="Arial Narrow"/>
-              <a:cs typeface="Arial Narrow"/>
-              <a:sym typeface="Arial Narrow"/>
-            </a:endParaRPr>
-          </a:p>
-          <a:p>
-            <a:pPr marL="0" marR="0" lvl="0" indent="0" algn="l" rtl="0">
-              <a:spcBef>
-                <a:spcPts val="0"/>
-              </a:spcBef>
-              <a:spcAft>
-                <a:spcPts val="0"/>
-              </a:spcAft>
-              <a:buNone/>
-            </a:pPr>
             <a:endParaRPr sz="4600" dirty="0">
               <a:solidFill>
                 <a:schemeClr val="lt1"/>
@@ -12610,7 +12134,7 @@
               <a:buFont typeface="Arial"/>
               <a:buChar char="•"/>
             </a:pPr>
-            <a:endParaRPr lang="en-US" sz="5900">
+            <a:endParaRPr lang="en-US" sz="5900" dirty="0">
               <a:solidFill>
                 <a:schemeClr val="lt1"/>
               </a:solidFill>
@@ -12621,7 +12145,13 @@
             </a:endParaRPr>
           </a:p>
           <a:p>
-            <a:pPr marL="927100" indent="-933450">
+            <a:pPr marL="927100" marR="0" lvl="0" indent="-933450" algn="l" rtl="0">
+              <a:spcBef>
+                <a:spcPts val="0"/>
+              </a:spcBef>
+              <a:spcAft>
+                <a:spcPts val="0"/>
+              </a:spcAft>
               <a:buClr>
                 <a:schemeClr val="lt1"/>
               </a:buClr>
@@ -12630,7 +12160,7 @@
               <a:buChar char="•"/>
             </a:pPr>
             <a:r>
-              <a:rPr lang="en-US" sz="5900">
+              <a:rPr lang="en-US" sz="5900" dirty="0">
                 <a:solidFill>
                   <a:schemeClr val="lt1"/>
                 </a:solidFill>
@@ -12639,19 +12169,103 @@
                 <a:cs typeface="Arial Narrow"/>
                 <a:sym typeface="Arial Narrow"/>
               </a:rPr>
-              <a:t>Limber </a:t>
+              <a:t>Fried Oreos ……………….. </a:t>
             </a:r>
             <a:r>
-              <a:rPr lang="en-US" sz="5900" dirty="0">
-                <a:solidFill>
-                  <a:schemeClr val="lt1"/>
+              <a:rPr lang="en-US" sz="5900" b="1" dirty="0">
+                <a:solidFill>
+                  <a:srgbClr val="8CD872"/>
                 </a:solidFill>
                 <a:latin typeface="Arial Narrow"/>
                 <a:ea typeface="Arial Narrow"/>
                 <a:cs typeface="Arial Narrow"/>
                 <a:sym typeface="Arial Narrow"/>
               </a:rPr>
-              <a:t>De Coco (Ice Cream)</a:t>
+              <a:t>5</a:t>
+            </a:r>
+            <a:endParaRPr lang="en-US" sz="4600" dirty="0"/>
+          </a:p>
+          <a:p>
+            <a:pPr marL="927100" marR="0" lvl="0" indent="-933450" algn="l" rtl="0">
+              <a:spcBef>
+                <a:spcPts val="0"/>
+              </a:spcBef>
+              <a:spcAft>
+                <a:spcPts val="0"/>
+              </a:spcAft>
+              <a:buClr>
+                <a:schemeClr val="lt1"/>
+              </a:buClr>
+              <a:buSzPts val="5900"/>
+              <a:buFont typeface="Arial"/>
+              <a:buChar char="•"/>
+            </a:pPr>
+            <a:r>
+              <a:rPr lang="en-US" sz="5900" dirty="0">
+                <a:solidFill>
+                  <a:schemeClr val="lt1"/>
+                </a:solidFill>
+                <a:latin typeface="Arial Narrow"/>
+                <a:ea typeface="Arial Narrow"/>
+                <a:cs typeface="Arial Narrow"/>
+                <a:sym typeface="Arial Narrow"/>
+              </a:rPr>
+              <a:t>Fried Cheesecake Bites </a:t>
+            </a:r>
+            <a:r>
+              <a:rPr lang="en-US" sz="5900">
+                <a:solidFill>
+                  <a:schemeClr val="lt1"/>
+                </a:solidFill>
+                <a:latin typeface="Arial Narrow"/>
+                <a:ea typeface="Arial Narrow"/>
+                <a:cs typeface="Arial Narrow"/>
+                <a:sym typeface="Arial Narrow"/>
+              </a:rPr>
+              <a:t>…. </a:t>
+            </a:r>
+            <a:r>
+              <a:rPr lang="en-US" sz="5900" b="1">
+                <a:solidFill>
+                  <a:srgbClr val="8CD872"/>
+                </a:solidFill>
+                <a:latin typeface="Arial Narrow"/>
+                <a:ea typeface="Arial Narrow"/>
+                <a:cs typeface="Arial Narrow"/>
+                <a:sym typeface="Arial Narrow"/>
+              </a:rPr>
+              <a:t>7</a:t>
+            </a:r>
+            <a:endParaRPr lang="en-US" sz="5900" b="1" dirty="0">
+              <a:solidFill>
+                <a:srgbClr val="8CD872"/>
+              </a:solidFill>
+              <a:latin typeface="Arial Narrow"/>
+              <a:ea typeface="Arial Narrow"/>
+              <a:cs typeface="Arial Narrow"/>
+              <a:sym typeface="Arial Narrow"/>
+            </a:endParaRPr>
+          </a:p>
+          <a:p>
+            <a:pPr marL="927100" indent="-933450">
+              <a:buClr>
+                <a:schemeClr val="lt1"/>
+              </a:buClr>
+              <a:buSzPts val="5900"/>
+              <a:buFont typeface="Arial"/>
+              <a:buChar char="•"/>
+            </a:pPr>
+            <a:r>
+              <a:rPr lang="en-US" sz="5900" dirty="0">
+                <a:solidFill>
+                  <a:schemeClr val="lt1"/>
+                </a:solidFill>
+                <a:latin typeface="Arial Narrow"/>
+                <a:ea typeface="Arial Narrow"/>
+                <a:cs typeface="Arial Narrow"/>
+                <a:sym typeface="Arial Narrow"/>
+              </a:rPr>
+              <a:t>Limber De Coco (Ice Cream)</a:t>
             </a:r>
             <a:br>
               <a:rPr lang="en-US" sz="5900" dirty="0">
@@ -12716,84 +12330,7 @@
               <a:buFont typeface="Arial"/>
               <a:buChar char="•"/>
             </a:pPr>
-            <a:r>
-              <a:rPr lang="en-US" sz="5900" dirty="0">
-                <a:solidFill>
-                  <a:schemeClr val="lt1"/>
-                </a:solidFill>
-                <a:latin typeface="Arial Narrow"/>
-                <a:ea typeface="Arial Narrow"/>
-                <a:cs typeface="Arial Narrow"/>
-                <a:sym typeface="Arial Narrow"/>
-              </a:rPr>
-              <a:t>Fried Oreos ……………….. </a:t>
-            </a:r>
-            <a:r>
-              <a:rPr lang="en-US" sz="5900" b="1" dirty="0">
-                <a:solidFill>
-                  <a:srgbClr val="8CD872"/>
-                </a:solidFill>
-                <a:latin typeface="Arial Narrow"/>
-                <a:ea typeface="Arial Narrow"/>
-                <a:cs typeface="Arial Narrow"/>
-                <a:sym typeface="Arial Narrow"/>
-              </a:rPr>
-              <a:t>5</a:t>
-            </a:r>
-            <a:endParaRPr sz="4600" dirty="0"/>
-          </a:p>
-          <a:p>
-            <a:pPr marL="927100" marR="0" lvl="0" indent="-933450" algn="l" rtl="0">
-              <a:spcBef>
-                <a:spcPts val="0"/>
-              </a:spcBef>
-              <a:spcAft>
-                <a:spcPts val="0"/>
-              </a:spcAft>
-              <a:buClr>
-                <a:schemeClr val="lt1"/>
-              </a:buClr>
-              <a:buSzPts val="5900"/>
-              <a:buFont typeface="Arial"/>
-              <a:buChar char="•"/>
-            </a:pPr>
-            <a:r>
-              <a:rPr lang="en-US" sz="5900" dirty="0">
-                <a:solidFill>
-                  <a:schemeClr val="lt1"/>
-                </a:solidFill>
-                <a:latin typeface="Arial Narrow"/>
-                <a:ea typeface="Arial Narrow"/>
-                <a:cs typeface="Arial Narrow"/>
-                <a:sym typeface="Arial Narrow"/>
-              </a:rPr>
-              <a:t>Fried Cheesecake Bites …. </a:t>
-            </a:r>
-            <a:r>
-              <a:rPr lang="en-US" sz="5900" b="1" dirty="0">
-                <a:solidFill>
-                  <a:srgbClr val="8CD872"/>
-                </a:solidFill>
-                <a:latin typeface="Arial Narrow"/>
-                <a:ea typeface="Arial Narrow"/>
-                <a:cs typeface="Arial Narrow"/>
-                <a:sym typeface="Arial Narrow"/>
-              </a:rPr>
-              <a:t>6</a:t>
-            </a:r>
-            <a:endParaRPr sz="4600" dirty="0"/>
-          </a:p>
-          <a:p>
-            <a:pPr marL="1498600" marR="0" lvl="0" indent="0" algn="l" rtl="0">
-              <a:spcBef>
-                <a:spcPts val="0"/>
-              </a:spcBef>
-              <a:spcAft>
-                <a:spcPts val="0"/>
-              </a:spcAft>
-              <a:buNone/>
-            </a:pPr>
-            <a:endParaRPr sz="4600" dirty="0"/>
+            <a:endParaRPr lang="en-US" sz="4600" dirty="0"/>
           </a:p>
         </p:txBody>
       </p:sp>
@@ -12805,7 +12342,7 @@
         </p:nvCxnSpPr>
         <p:spPr>
           <a:xfrm>
-            <a:off x="497853" y="9816771"/>
+            <a:off x="497853" y="8480435"/>
             <a:ext cx="20755200" cy="0"/>
           </a:xfrm>
           <a:prstGeom prst="straightConnector1">
@@ -12831,7 +12368,7 @@
         </p:nvCxnSpPr>
         <p:spPr>
           <a:xfrm>
-            <a:off x="497853" y="21400656"/>
+            <a:off x="497853" y="23108246"/>
             <a:ext cx="20755200" cy="0"/>
           </a:xfrm>
           <a:prstGeom prst="straightConnector1">
@@ -12857,8 +12394,8 @@
         </p:nvSpPr>
         <p:spPr>
           <a:xfrm>
-            <a:off x="11416931" y="19068223"/>
-            <a:ext cx="9859200" cy="9888604"/>
+            <a:off x="11416931" y="20882493"/>
+            <a:ext cx="9859200" cy="10396436"/>
           </a:xfrm>
           <a:prstGeom prst="rect">
             <a:avLst/>
@@ -12895,18 +12432,6 @@
               </a:rPr>
               <a:t>Beverages</a:t>
             </a:r>
-            <a:endParaRPr sz="4600" dirty="0"/>
-          </a:p>
-          <a:p>
-            <a:pPr marL="0" marR="0" lvl="0" indent="0" algn="l" rtl="0">
-              <a:spcBef>
-                <a:spcPts val="0"/>
-              </a:spcBef>
-              <a:spcAft>
-                <a:spcPts val="0"/>
-              </a:spcAft>
-              <a:buNone/>
-            </a:pPr>
             <a:endParaRPr sz="5900" dirty="0">
               <a:solidFill>
                 <a:schemeClr val="lt1"/>
@@ -13077,8 +12602,37 @@
               </a:rPr>
               <a:t>3</a:t>
             </a:r>
+            <a:endParaRPr lang="en-US" sz="4600" dirty="0"/>
+          </a:p>
+          <a:p>
+            <a:pPr marL="2984500" marR="0" lvl="1" indent="-1041400" algn="l" rtl="0">
+              <a:spcBef>
+                <a:spcPts val="0"/>
+              </a:spcBef>
+              <a:spcAft>
+                <a:spcPts val="0"/>
+              </a:spcAft>
+              <a:buClr>
+                <a:schemeClr val="lt1"/>
+              </a:buClr>
+              <a:buSzPts val="4600"/>
+              <a:buFont typeface="Arial Narrow"/>
+              <a:buChar char="○"/>
+            </a:pPr>
+            <a:r>
+              <a:rPr lang="en-US" sz="4600" i="1" dirty="0">
+                <a:solidFill>
+                  <a:schemeClr val="lt1"/>
+                </a:solidFill>
+                <a:latin typeface="Arial Narrow"/>
+                <a:ea typeface="Arial Narrow"/>
+                <a:cs typeface="Arial Narrow"/>
+                <a:sym typeface="Arial Narrow"/>
+              </a:rPr>
+              <a:t>Gatorade, Red Bull, Coke,</a:t>
+            </a:r>
             <a:br>
-              <a:rPr lang="en-US" sz="5900" dirty="0">
+              <a:rPr lang="en-US" sz="4600" i="1" dirty="0">
                 <a:solidFill>
                   <a:schemeClr val="lt1"/>
                 </a:solidFill>
@@ -13088,7 +12642,35 @@
                 <a:sym typeface="Arial Narrow"/>
               </a:rPr>
             </a:br>
-            <a:endParaRPr sz="5900" dirty="0">
+            <a:r>
+              <a:rPr lang="en-US" sz="4600" i="1" dirty="0">
+                <a:solidFill>
+                  <a:schemeClr val="lt1"/>
+                </a:solidFill>
+                <a:latin typeface="Arial Narrow"/>
+                <a:ea typeface="Arial Narrow"/>
+                <a:cs typeface="Arial Narrow"/>
+                <a:sym typeface="Arial Narrow"/>
+              </a:rPr>
+              <a:t>Sprite, Fanta, Iced Tea, etc.</a:t>
+            </a:r>
+          </a:p>
+          <a:p>
+            <a:pPr marL="927100" marR="0" lvl="0" indent="-933450" algn="l" rtl="0">
+              <a:spcBef>
+                <a:spcPts val="0"/>
+              </a:spcBef>
+              <a:spcAft>
+                <a:spcPts val="0"/>
+              </a:spcAft>
+              <a:buClr>
+                <a:schemeClr val="lt1"/>
+              </a:buClr>
+              <a:buSzPts val="5900"/>
+              <a:buFont typeface="Arial"/>
+              <a:buChar char="•"/>
+            </a:pPr>
+            <a:endParaRPr lang="en-US" sz="5900">
               <a:solidFill>
                 <a:schemeClr val="lt1"/>
               </a:solidFill>
@@ -13114,7 +12696,7 @@
               <a:buChar char="•"/>
             </a:pPr>
             <a:r>
-              <a:rPr lang="en-US" sz="5900" dirty="0">
+              <a:rPr lang="en-US" sz="5900">
                 <a:solidFill>
                   <a:schemeClr val="lt1"/>
                 </a:solidFill>
@@ -13123,7 +12705,19 @@
                 <a:cs typeface="Arial Narrow"/>
                 <a:sym typeface="Arial Narrow"/>
               </a:rPr>
-              <a:t>Water ……………………….. </a:t>
+              <a:t>Water </a:t>
+            </a:r>
+            <a:r>
+              <a:rPr lang="en-US" sz="5900" dirty="0">
+                <a:solidFill>
+                  <a:schemeClr val="lt1"/>
+                </a:solidFill>
+                <a:latin typeface="Arial Narrow"/>
+                <a:ea typeface="Arial Narrow"/>
+                <a:cs typeface="Arial Narrow"/>
+                <a:sym typeface="Arial Narrow"/>
+              </a:rPr>
+              <a:t>……………………….. </a:t>
             </a:r>
             <a:r>
               <a:rPr lang="en-US" sz="5900" b="1" dirty="0">
@@ -13156,7 +12750,7 @@
         </p:blipFill>
         <p:spPr>
           <a:xfrm>
-            <a:off x="4054643" y="27988238"/>
+            <a:off x="4054643" y="28052743"/>
             <a:ext cx="2560503" cy="2560503"/>
           </a:xfrm>
           <a:prstGeom prst="rect">
@@ -13176,7 +12770,7 @@
         </p:nvSpPr>
         <p:spPr>
           <a:xfrm>
-            <a:off x="595237" y="30842762"/>
+            <a:off x="595237" y="30843472"/>
             <a:ext cx="9479100" cy="1101900"/>
           </a:xfrm>
           <a:prstGeom prst="rect">
@@ -13286,6 +12880,1112 @@
           </a:p>
         </p:txBody>
       </p:sp>
+      <p:sp>
+        <p:nvSpPr>
+          <p:cNvPr id="14" name="Google Shape;91;p1">
+            <a:extLst>
+              <a:ext uri="{FF2B5EF4-FFF2-40B4-BE49-F238E27FC236}">
+                <a16:creationId xmlns:a16="http://schemas.microsoft.com/office/drawing/2014/main" id="{C3B27BE9-C689-4820-811B-03F7B6B3A0E4}"/>
+              </a:ext>
+            </a:extLst>
+          </p:cNvPr>
+          <p:cNvSpPr/>
+          <p:nvPr/>
+        </p:nvSpPr>
+        <p:spPr>
+          <a:xfrm>
+            <a:off x="1200251" y="16688774"/>
+            <a:ext cx="19780445" cy="4381755"/>
+          </a:xfrm>
+          <a:prstGeom prst="roundRect">
+            <a:avLst>
+              <a:gd name="adj" fmla="val 4489"/>
+            </a:avLst>
+          </a:prstGeom>
+          <a:solidFill>
+            <a:srgbClr val="3F3F3F"/>
+          </a:solidFill>
+          <a:ln>
+            <a:noFill/>
+          </a:ln>
+        </p:spPr>
+        <p:txBody>
+          <a:bodyPr spcFirstLastPara="1" wrap="square" lIns="298525" tIns="149225" rIns="298525" bIns="149225" anchor="ctr" anchorCtr="0">
+            <a:noAutofit/>
+          </a:bodyPr>
+          <a:lstStyle/>
+          <a:p>
+            <a:pPr marL="0" marR="0" lvl="0" indent="0" algn="ctr" rtl="0">
+              <a:spcBef>
+                <a:spcPts val="0"/>
+              </a:spcBef>
+              <a:spcAft>
+                <a:spcPts val="0"/>
+              </a:spcAft>
+              <a:buNone/>
+            </a:pPr>
+            <a:endParaRPr sz="5900" b="0" i="0" u="none" strike="noStrike" cap="none">
+              <a:solidFill>
+                <a:schemeClr val="lt1"/>
+              </a:solidFill>
+              <a:latin typeface="Arial"/>
+              <a:ea typeface="Arial"/>
+              <a:cs typeface="Arial"/>
+              <a:sym typeface="Arial"/>
+            </a:endParaRPr>
+          </a:p>
+        </p:txBody>
+      </p:sp>
+      <p:sp>
+        <p:nvSpPr>
+          <p:cNvPr id="93" name="Google Shape;93;p1"/>
+          <p:cNvSpPr txBox="1"/>
+          <p:nvPr/>
+        </p:nvSpPr>
+        <p:spPr>
+          <a:xfrm>
+            <a:off x="894849" y="6094516"/>
+            <a:ext cx="20085900" cy="15228528"/>
+          </a:xfrm>
+          <a:prstGeom prst="rect">
+            <a:avLst/>
+          </a:prstGeom>
+          <a:noFill/>
+          <a:ln>
+            <a:noFill/>
+          </a:ln>
+        </p:spPr>
+        <p:txBody>
+          <a:bodyPr spcFirstLastPara="1" wrap="square" lIns="298525" tIns="149225" rIns="298525" bIns="149225" anchor="t" anchorCtr="0">
+            <a:spAutoFit/>
+          </a:bodyPr>
+          <a:lstStyle/>
+          <a:p>
+            <a:pPr marL="0" marR="0" lvl="0" indent="0" algn="l" rtl="0">
+              <a:spcBef>
+                <a:spcPts val="0"/>
+              </a:spcBef>
+              <a:spcAft>
+                <a:spcPts val="0"/>
+              </a:spcAft>
+              <a:buNone/>
+            </a:pPr>
+            <a:r>
+              <a:rPr lang="en-US" sz="11800" b="1" dirty="0">
+                <a:solidFill>
+                  <a:schemeClr val="lt1"/>
+                </a:solidFill>
+                <a:latin typeface="Arial Narrow"/>
+                <a:ea typeface="Arial Narrow"/>
+                <a:cs typeface="Arial Narrow"/>
+                <a:sym typeface="Arial Narrow"/>
+              </a:rPr>
+              <a:t>Lunch / Dinner</a:t>
+            </a:r>
+            <a:endParaRPr sz="11800" dirty="0">
+              <a:solidFill>
+                <a:schemeClr val="lt1"/>
+              </a:solidFill>
+              <a:latin typeface="Arial Narrow"/>
+              <a:ea typeface="Arial Narrow"/>
+              <a:cs typeface="Arial Narrow"/>
+              <a:sym typeface="Arial Narrow"/>
+            </a:endParaRPr>
+          </a:p>
+          <a:p>
+            <a:pPr marL="0" lvl="0" indent="0" algn="l" rtl="0">
+              <a:spcBef>
+                <a:spcPts val="0"/>
+              </a:spcBef>
+              <a:spcAft>
+                <a:spcPts val="0"/>
+              </a:spcAft>
+              <a:buNone/>
+            </a:pPr>
+            <a:endParaRPr sz="5900" b="1" dirty="0">
+              <a:solidFill>
+                <a:schemeClr val="lt1"/>
+              </a:solidFill>
+              <a:latin typeface="Arial Narrow"/>
+              <a:ea typeface="Arial Narrow"/>
+              <a:cs typeface="Arial Narrow"/>
+              <a:sym typeface="Arial Narrow"/>
+            </a:endParaRPr>
+          </a:p>
+          <a:p>
+            <a:pPr marL="1498600" lvl="0" indent="-1041400" algn="l" rtl="0">
+              <a:spcBef>
+                <a:spcPts val="0"/>
+              </a:spcBef>
+              <a:spcAft>
+                <a:spcPts val="0"/>
+              </a:spcAft>
+              <a:buClr>
+                <a:schemeClr val="lt1"/>
+              </a:buClr>
+              <a:buSzPts val="4600"/>
+              <a:buFont typeface="Arial Narrow"/>
+              <a:buChar char="●"/>
+            </a:pPr>
+            <a:r>
+              <a:rPr lang="en-US" sz="5900" b="1" dirty="0">
+                <a:solidFill>
+                  <a:schemeClr val="lt1"/>
+                </a:solidFill>
+                <a:latin typeface="Arial Narrow"/>
+                <a:ea typeface="Arial Narrow"/>
+                <a:cs typeface="Arial Narrow"/>
+                <a:sym typeface="Arial Narrow"/>
+              </a:rPr>
+              <a:t>Cheeseburger </a:t>
+            </a:r>
+            <a:r>
+              <a:rPr lang="en-US" sz="5900" dirty="0">
+                <a:solidFill>
+                  <a:schemeClr val="lt1"/>
+                </a:solidFill>
+                <a:latin typeface="Arial Narrow"/>
+                <a:ea typeface="Arial Narrow"/>
+                <a:cs typeface="Arial Narrow"/>
+                <a:sym typeface="Arial Narrow"/>
+              </a:rPr>
+              <a:t>……………………………….……....................</a:t>
+            </a:r>
+            <a:r>
+              <a:rPr lang="en-US" sz="5900" dirty="0">
+                <a:solidFill>
+                  <a:srgbClr val="8CD872"/>
+                </a:solidFill>
+                <a:latin typeface="Arial Narrow"/>
+                <a:ea typeface="Arial Narrow"/>
+                <a:cs typeface="Arial Narrow"/>
+                <a:sym typeface="Arial Narrow"/>
+              </a:rPr>
+              <a:t> </a:t>
+            </a:r>
+            <a:r>
+              <a:rPr lang="en-US" sz="5900" b="1" dirty="0">
+                <a:solidFill>
+                  <a:srgbClr val="8CD872"/>
+                </a:solidFill>
+                <a:latin typeface="Arial Narrow"/>
+                <a:ea typeface="Arial Narrow"/>
+                <a:cs typeface="Arial Narrow"/>
+                <a:sym typeface="Arial Narrow"/>
+              </a:rPr>
+              <a:t>13.5</a:t>
+            </a:r>
+          </a:p>
+          <a:p>
+            <a:pPr marL="2984500" lvl="1" indent="-1123950">
+              <a:buClr>
+                <a:schemeClr val="lt1"/>
+              </a:buClr>
+              <a:buSzPts val="5900"/>
+              <a:buFont typeface="Arial Narrow"/>
+              <a:buChar char="○"/>
+            </a:pPr>
+            <a:r>
+              <a:rPr lang="en-US" sz="5900" dirty="0">
+                <a:solidFill>
+                  <a:schemeClr val="lt1"/>
+                </a:solidFill>
+                <a:latin typeface="Arial Narrow"/>
+                <a:ea typeface="Arial Narrow"/>
+                <a:cs typeface="Arial Narrow"/>
+                <a:sym typeface="Arial Narrow"/>
+              </a:rPr>
+              <a:t>With</a:t>
+            </a:r>
+            <a:r>
+              <a:rPr lang="en-US" sz="5900" b="1" dirty="0">
+                <a:solidFill>
+                  <a:schemeClr val="lt1"/>
+                </a:solidFill>
+                <a:latin typeface="Arial Narrow"/>
+                <a:ea typeface="Arial Narrow"/>
+                <a:cs typeface="Arial Narrow"/>
+                <a:sym typeface="Arial Narrow"/>
+              </a:rPr>
+              <a:t> bacon  </a:t>
+            </a:r>
+            <a:r>
+              <a:rPr lang="en-US" sz="5900" dirty="0">
+                <a:solidFill>
+                  <a:schemeClr val="lt1"/>
+                </a:solidFill>
+                <a:latin typeface="Arial Narrow"/>
+                <a:ea typeface="Arial Narrow"/>
+                <a:cs typeface="Arial Narrow"/>
+                <a:sym typeface="Arial Narrow"/>
+              </a:rPr>
+              <a:t>……………………………………….......</a:t>
+            </a:r>
+            <a:r>
+              <a:rPr lang="en-US" sz="5900" b="1" dirty="0">
+                <a:solidFill>
+                  <a:srgbClr val="8CD872"/>
+                </a:solidFill>
+                <a:latin typeface="Arial Narrow"/>
+                <a:ea typeface="Arial Narrow"/>
+                <a:cs typeface="Arial Narrow"/>
+                <a:sym typeface="Arial Narrow"/>
+              </a:rPr>
+              <a:t> Add 1.5</a:t>
+            </a:r>
+            <a:endParaRPr lang="en-US" sz="5900" b="1" dirty="0">
+              <a:solidFill>
+                <a:schemeClr val="lt1"/>
+              </a:solidFill>
+              <a:latin typeface="Arial Narrow"/>
+              <a:ea typeface="Arial Narrow"/>
+              <a:cs typeface="Arial Narrow"/>
+              <a:sym typeface="Arial Narrow"/>
+            </a:endParaRPr>
+          </a:p>
+          <a:p>
+            <a:pPr marL="1498600" lvl="0" indent="-1041400" algn="l" rtl="0">
+              <a:spcBef>
+                <a:spcPts val="0"/>
+              </a:spcBef>
+              <a:spcAft>
+                <a:spcPts val="0"/>
+              </a:spcAft>
+              <a:buClr>
+                <a:schemeClr val="lt1"/>
+              </a:buClr>
+              <a:buSzPts val="4600"/>
+              <a:buFont typeface="Arial Narrow"/>
+              <a:buChar char="●"/>
+            </a:pPr>
+            <a:r>
+              <a:rPr lang="en-US" sz="5900" b="1" dirty="0">
+                <a:solidFill>
+                  <a:schemeClr val="lt1"/>
+                </a:solidFill>
+                <a:latin typeface="Arial Narrow"/>
+                <a:ea typeface="Arial Narrow"/>
+                <a:cs typeface="Arial Narrow"/>
+                <a:sym typeface="Arial Narrow"/>
+              </a:rPr>
+              <a:t>Smoked Chicken Sandwich </a:t>
+            </a:r>
+            <a:r>
+              <a:rPr lang="en-US" sz="5900" dirty="0">
+                <a:solidFill>
+                  <a:schemeClr val="lt1"/>
+                </a:solidFill>
+                <a:latin typeface="Arial Narrow"/>
+                <a:ea typeface="Arial Narrow"/>
+                <a:cs typeface="Arial Narrow"/>
+                <a:sym typeface="Arial Narrow"/>
+              </a:rPr>
+              <a:t>…………….….............................</a:t>
+            </a:r>
+            <a:r>
+              <a:rPr lang="en-US" sz="5900" dirty="0">
+                <a:solidFill>
+                  <a:srgbClr val="8CD872"/>
+                </a:solidFill>
+                <a:latin typeface="Arial Narrow"/>
+                <a:ea typeface="Arial Narrow"/>
+                <a:cs typeface="Arial Narrow"/>
+                <a:sym typeface="Arial Narrow"/>
+              </a:rPr>
+              <a:t> </a:t>
+            </a:r>
+            <a:r>
+              <a:rPr lang="en-US" sz="5900" b="1" dirty="0">
+                <a:solidFill>
+                  <a:srgbClr val="8CD872"/>
+                </a:solidFill>
+                <a:latin typeface="Arial Narrow"/>
+                <a:ea typeface="Arial Narrow"/>
+                <a:cs typeface="Arial Narrow"/>
+                <a:sym typeface="Arial Narrow"/>
+              </a:rPr>
+              <a:t>13</a:t>
+            </a:r>
+            <a:endParaRPr lang="en-US" sz="5900" b="1" dirty="0">
+              <a:solidFill>
+                <a:schemeClr val="lt1"/>
+              </a:solidFill>
+              <a:latin typeface="Arial Narrow"/>
+              <a:ea typeface="Arial Narrow"/>
+              <a:cs typeface="Arial Narrow"/>
+              <a:sym typeface="Arial Narrow"/>
+            </a:endParaRPr>
+          </a:p>
+          <a:p>
+            <a:pPr marL="1498600" lvl="0" indent="-1041400" algn="l" rtl="0">
+              <a:spcBef>
+                <a:spcPts val="0"/>
+              </a:spcBef>
+              <a:spcAft>
+                <a:spcPts val="0"/>
+              </a:spcAft>
+              <a:buClr>
+                <a:schemeClr val="lt1"/>
+              </a:buClr>
+              <a:buSzPts val="4600"/>
+              <a:buFont typeface="Arial Narrow"/>
+              <a:buChar char="●"/>
+            </a:pPr>
+            <a:r>
+              <a:rPr lang="en-US" sz="5900" b="1" dirty="0">
+                <a:solidFill>
+                  <a:schemeClr val="lt1"/>
+                </a:solidFill>
+                <a:latin typeface="Arial Narrow"/>
+                <a:ea typeface="Arial Narrow"/>
+                <a:cs typeface="Arial Narrow"/>
+                <a:sym typeface="Arial Narrow"/>
+              </a:rPr>
+              <a:t>Beer Brat </a:t>
+            </a:r>
+            <a:r>
+              <a:rPr lang="en-US" sz="5900" dirty="0">
+                <a:solidFill>
+                  <a:schemeClr val="lt1"/>
+                </a:solidFill>
+                <a:latin typeface="Arial Narrow"/>
+                <a:ea typeface="Arial Narrow"/>
+                <a:cs typeface="Arial Narrow"/>
+                <a:sym typeface="Arial Narrow"/>
+              </a:rPr>
+              <a:t>………………………………......................................</a:t>
+            </a:r>
+            <a:r>
+              <a:rPr lang="en-US" sz="5900" dirty="0">
+                <a:solidFill>
+                  <a:srgbClr val="8CD872"/>
+                </a:solidFill>
+                <a:latin typeface="Arial Narrow"/>
+                <a:ea typeface="Arial Narrow"/>
+                <a:cs typeface="Arial Narrow"/>
+                <a:sym typeface="Arial Narrow"/>
+              </a:rPr>
+              <a:t>  </a:t>
+            </a:r>
+            <a:r>
+              <a:rPr lang="en-US" sz="5900" b="1" dirty="0">
+                <a:solidFill>
+                  <a:srgbClr val="8CD872"/>
+                </a:solidFill>
+                <a:latin typeface="Arial Narrow"/>
+                <a:ea typeface="Arial Narrow"/>
+                <a:cs typeface="Arial Narrow"/>
+                <a:sym typeface="Arial Narrow"/>
+              </a:rPr>
+              <a:t>10</a:t>
+            </a:r>
+            <a:endParaRPr sz="5900" b="1" dirty="0">
+              <a:solidFill>
+                <a:srgbClr val="8CD872"/>
+              </a:solidFill>
+              <a:latin typeface="Arial Narrow"/>
+              <a:ea typeface="Arial Narrow"/>
+              <a:cs typeface="Arial Narrow"/>
+              <a:sym typeface="Arial Narrow"/>
+            </a:endParaRPr>
+          </a:p>
+          <a:p>
+            <a:pPr marL="2984500" indent="-1123950">
+              <a:buClr>
+                <a:schemeClr val="lt1"/>
+              </a:buClr>
+              <a:buSzPts val="5900"/>
+              <a:buFont typeface="Arial Narrow"/>
+              <a:buChar char="○"/>
+            </a:pPr>
+            <a:r>
+              <a:rPr lang="en-US" sz="5900" dirty="0">
+                <a:solidFill>
+                  <a:schemeClr val="lt1"/>
+                </a:solidFill>
+                <a:latin typeface="Arial Narrow"/>
+                <a:ea typeface="Arial Narrow"/>
+                <a:cs typeface="Arial Narrow"/>
+                <a:sym typeface="Arial Narrow"/>
+              </a:rPr>
+              <a:t>Meal deal: Chips and drink …………………………..... </a:t>
+            </a:r>
+            <a:r>
+              <a:rPr lang="en-US" sz="5900" b="1" dirty="0">
+                <a:solidFill>
+                  <a:srgbClr val="8CD872"/>
+                </a:solidFill>
+                <a:latin typeface="Arial Narrow"/>
+                <a:ea typeface="Arial Narrow"/>
+                <a:cs typeface="Arial Narrow"/>
+                <a:sym typeface="Arial Narrow"/>
+              </a:rPr>
+              <a:t>Add 3</a:t>
+            </a:r>
+          </a:p>
+          <a:p>
+            <a:pPr marL="2984500" indent="-1123950">
+              <a:buClr>
+                <a:schemeClr val="lt1"/>
+              </a:buClr>
+              <a:buSzPts val="5900"/>
+              <a:buFont typeface="Arial Narrow"/>
+              <a:buChar char="○"/>
+            </a:pPr>
+            <a:endParaRPr lang="en-US" sz="5900" dirty="0">
+              <a:solidFill>
+                <a:schemeClr val="lt1"/>
+              </a:solidFill>
+              <a:latin typeface="Arial Narrow"/>
+              <a:ea typeface="Arial Narrow"/>
+              <a:cs typeface="Arial Narrow"/>
+              <a:sym typeface="Arial Narrow"/>
+            </a:endParaRPr>
+          </a:p>
+          <a:p>
+            <a:pPr marL="1498600" lvl="0" indent="-1041400" algn="l" rtl="0">
+              <a:spcBef>
+                <a:spcPts val="0"/>
+              </a:spcBef>
+              <a:spcAft>
+                <a:spcPts val="0"/>
+              </a:spcAft>
+              <a:buClr>
+                <a:schemeClr val="lt1"/>
+              </a:buClr>
+              <a:buSzPts val="4600"/>
+              <a:buFont typeface="Arial Narrow"/>
+              <a:buChar char="●"/>
+            </a:pPr>
+            <a:r>
+              <a:rPr lang="en-US" sz="5900" b="1" dirty="0" err="1">
+                <a:solidFill>
+                  <a:schemeClr val="lt1"/>
+                </a:solidFill>
+                <a:latin typeface="Arial Narrow"/>
+                <a:ea typeface="Arial Narrow"/>
+                <a:cs typeface="Arial Narrow"/>
+                <a:sym typeface="Arial Narrow"/>
+              </a:rPr>
+              <a:t>Pastelillos</a:t>
+            </a:r>
+            <a:r>
+              <a:rPr lang="en-US" sz="5900" b="1" dirty="0">
+                <a:solidFill>
+                  <a:schemeClr val="lt1"/>
+                </a:solidFill>
+                <a:latin typeface="Arial Narrow"/>
+                <a:ea typeface="Arial Narrow"/>
+                <a:cs typeface="Arial Narrow"/>
+                <a:sym typeface="Arial Narrow"/>
+              </a:rPr>
+              <a:t> ………………………………</a:t>
+            </a:r>
+            <a:r>
+              <a:rPr lang="en-US" sz="5900" dirty="0">
+                <a:solidFill>
+                  <a:schemeClr val="lt1"/>
+                </a:solidFill>
+                <a:latin typeface="Arial Narrow"/>
+                <a:ea typeface="Arial Narrow"/>
+                <a:cs typeface="Arial Narrow"/>
+                <a:sym typeface="Arial Narrow"/>
+              </a:rPr>
+              <a:t>.....................................</a:t>
+            </a:r>
+            <a:r>
+              <a:rPr lang="en-US" sz="5900" dirty="0">
+                <a:solidFill>
+                  <a:srgbClr val="8CD872"/>
+                </a:solidFill>
+                <a:latin typeface="Arial Narrow"/>
+                <a:ea typeface="Arial Narrow"/>
+                <a:cs typeface="Arial Narrow"/>
+                <a:sym typeface="Arial Narrow"/>
+              </a:rPr>
+              <a:t>.. </a:t>
+            </a:r>
+            <a:r>
+              <a:rPr lang="en-US" sz="5900" b="1" dirty="0">
+                <a:solidFill>
+                  <a:srgbClr val="8CD872"/>
+                </a:solidFill>
+                <a:latin typeface="Arial Narrow"/>
+                <a:ea typeface="Arial Narrow"/>
+                <a:cs typeface="Arial Narrow"/>
+                <a:sym typeface="Arial Narrow"/>
+              </a:rPr>
+              <a:t>5</a:t>
+            </a:r>
+          </a:p>
+          <a:p>
+            <a:pPr marL="2984500" lvl="1" indent="-1123950" algn="l" rtl="0">
+              <a:spcBef>
+                <a:spcPts val="0"/>
+              </a:spcBef>
+              <a:spcAft>
+                <a:spcPts val="0"/>
+              </a:spcAft>
+              <a:buClr>
+                <a:schemeClr val="lt1"/>
+              </a:buClr>
+              <a:buSzPts val="5900"/>
+              <a:buFont typeface="Arial Narrow"/>
+              <a:buChar char="○"/>
+            </a:pPr>
+            <a:r>
+              <a:rPr lang="en-US" sz="5900" dirty="0">
+                <a:solidFill>
+                  <a:schemeClr val="lt1"/>
+                </a:solidFill>
+                <a:latin typeface="Arial Narrow"/>
+                <a:ea typeface="Arial Narrow"/>
+                <a:cs typeface="Arial Narrow"/>
+                <a:sym typeface="Arial Narrow"/>
+              </a:rPr>
+              <a:t>Stuffed fried </a:t>
+            </a:r>
+            <a:r>
+              <a:rPr lang="en-US" sz="5900" b="1" dirty="0">
+                <a:solidFill>
+                  <a:schemeClr val="lt1"/>
+                </a:solidFill>
+                <a:latin typeface="Arial Narrow"/>
+                <a:ea typeface="Arial Narrow"/>
+                <a:cs typeface="Arial Narrow"/>
+                <a:sym typeface="Arial Narrow"/>
+              </a:rPr>
+              <a:t>empanadas</a:t>
+            </a:r>
+            <a:r>
+              <a:rPr lang="en-US" sz="5900" dirty="0">
+                <a:solidFill>
+                  <a:schemeClr val="lt1"/>
+                </a:solidFill>
+                <a:latin typeface="Arial Narrow"/>
+                <a:ea typeface="Arial Narrow"/>
+                <a:cs typeface="Arial Narrow"/>
+                <a:sym typeface="Arial Narrow"/>
+              </a:rPr>
+              <a:t> (beef and cheese)</a:t>
+            </a:r>
+            <a:br>
+              <a:rPr lang="en-US" sz="5900" dirty="0">
+                <a:solidFill>
+                  <a:schemeClr val="lt1"/>
+                </a:solidFill>
+                <a:latin typeface="Arial Narrow"/>
+                <a:ea typeface="Arial Narrow"/>
+                <a:cs typeface="Arial Narrow"/>
+                <a:sym typeface="Arial Narrow"/>
+              </a:rPr>
+            </a:br>
+            <a:endParaRPr lang="en-US" sz="5900" dirty="0">
+              <a:solidFill>
+                <a:schemeClr val="lt1"/>
+              </a:solidFill>
+              <a:latin typeface="Arial Narrow"/>
+              <a:ea typeface="Arial Narrow"/>
+              <a:cs typeface="Arial Narrow"/>
+              <a:sym typeface="Arial Narrow"/>
+            </a:endParaRPr>
+          </a:p>
+          <a:p>
+            <a:pPr marL="1498600" lvl="0" indent="-1041400" algn="l" rtl="0">
+              <a:spcBef>
+                <a:spcPts val="0"/>
+              </a:spcBef>
+              <a:spcAft>
+                <a:spcPts val="0"/>
+              </a:spcAft>
+              <a:buClr>
+                <a:schemeClr val="lt1"/>
+              </a:buClr>
+              <a:buSzPts val="4600"/>
+              <a:buFont typeface="Arial Narrow"/>
+              <a:buChar char="●"/>
+            </a:pPr>
+            <a:r>
+              <a:rPr lang="en-US" sz="5900" b="1" dirty="0" err="1">
+                <a:solidFill>
+                  <a:schemeClr val="lt1"/>
+                </a:solidFill>
+                <a:latin typeface="Arial Narrow"/>
+                <a:ea typeface="Arial Narrow"/>
+                <a:cs typeface="Arial Narrow"/>
+                <a:sym typeface="Arial Narrow"/>
+              </a:rPr>
+              <a:t>Pincho</a:t>
+            </a:r>
+            <a:r>
+              <a:rPr lang="en-US" sz="5900" b="1" dirty="0">
+                <a:solidFill>
+                  <a:schemeClr val="lt1"/>
+                </a:solidFill>
+                <a:latin typeface="Arial Narrow"/>
+                <a:ea typeface="Arial Narrow"/>
+                <a:cs typeface="Arial Narrow"/>
+                <a:sym typeface="Arial Narrow"/>
+              </a:rPr>
+              <a:t> Fries </a:t>
+            </a:r>
+            <a:r>
+              <a:rPr lang="en-US" sz="5900" dirty="0">
+                <a:solidFill>
+                  <a:schemeClr val="lt1"/>
+                </a:solidFill>
+                <a:latin typeface="Arial Narrow"/>
+                <a:ea typeface="Arial Narrow"/>
+                <a:cs typeface="Arial Narrow"/>
+                <a:sym typeface="Arial Narrow"/>
+              </a:rPr>
+              <a:t>….......................................................................</a:t>
+            </a:r>
+            <a:r>
+              <a:rPr lang="en-US" sz="5900" dirty="0">
+                <a:solidFill>
+                  <a:srgbClr val="8CD872"/>
+                </a:solidFill>
+                <a:latin typeface="Arial Narrow"/>
+                <a:ea typeface="Arial Narrow"/>
+                <a:cs typeface="Arial Narrow"/>
+                <a:sym typeface="Arial Narrow"/>
+              </a:rPr>
+              <a:t>  </a:t>
+            </a:r>
+            <a:r>
+              <a:rPr lang="en-US" sz="5900" b="1" dirty="0">
+                <a:solidFill>
+                  <a:srgbClr val="8CD872"/>
+                </a:solidFill>
+                <a:latin typeface="Arial Narrow"/>
+                <a:ea typeface="Arial Narrow"/>
+                <a:cs typeface="Arial Narrow"/>
+                <a:sym typeface="Arial Narrow"/>
+              </a:rPr>
+              <a:t>18</a:t>
+            </a:r>
+          </a:p>
+          <a:p>
+            <a:pPr marL="2984500" lvl="1" indent="-1123950" algn="l" rtl="0">
+              <a:spcBef>
+                <a:spcPts val="0"/>
+              </a:spcBef>
+              <a:spcAft>
+                <a:spcPts val="0"/>
+              </a:spcAft>
+              <a:buClr>
+                <a:schemeClr val="lt1"/>
+              </a:buClr>
+              <a:buSzPts val="5900"/>
+              <a:buFont typeface="Arial Narrow"/>
+              <a:buChar char="○"/>
+            </a:pPr>
+            <a:r>
+              <a:rPr lang="en-US" sz="5900" dirty="0">
+                <a:solidFill>
+                  <a:schemeClr val="lt1"/>
+                </a:solidFill>
+                <a:latin typeface="Arial Narrow"/>
+                <a:ea typeface="Arial Narrow"/>
+                <a:cs typeface="Arial Narrow"/>
+                <a:sym typeface="Arial Narrow"/>
+              </a:rPr>
+              <a:t>Includes smoked chicken, cheese, guava BBQ, &amp; cilantro</a:t>
+            </a:r>
+          </a:p>
+          <a:p>
+            <a:pPr marL="1498600" marR="0" lvl="0" indent="-1041400" algn="l" rtl="0">
+              <a:spcBef>
+                <a:spcPts val="0"/>
+              </a:spcBef>
+              <a:spcAft>
+                <a:spcPts val="0"/>
+              </a:spcAft>
+              <a:buClr>
+                <a:schemeClr val="lt1"/>
+              </a:buClr>
+              <a:buSzPts val="4600"/>
+              <a:buFont typeface="Arial Narrow"/>
+              <a:buChar char="●"/>
+            </a:pPr>
+            <a:r>
+              <a:rPr lang="en-US" sz="5900" b="1" dirty="0">
+                <a:solidFill>
+                  <a:schemeClr val="lt1"/>
+                </a:solidFill>
+                <a:latin typeface="Arial Narrow"/>
+                <a:ea typeface="Arial Narrow"/>
+                <a:cs typeface="Arial Narrow"/>
+                <a:sym typeface="Arial Narrow"/>
+              </a:rPr>
+              <a:t>Regular Fries </a:t>
+            </a:r>
+            <a:r>
+              <a:rPr lang="en-US" sz="5900" dirty="0">
+                <a:solidFill>
+                  <a:schemeClr val="lt1"/>
+                </a:solidFill>
+                <a:latin typeface="Arial Narrow"/>
+                <a:ea typeface="Arial Narrow"/>
+                <a:cs typeface="Arial Narrow"/>
+                <a:sym typeface="Arial Narrow"/>
+              </a:rPr>
+              <a:t>….......................................................................</a:t>
+            </a:r>
+            <a:r>
+              <a:rPr lang="en-US" sz="5900" dirty="0">
+                <a:solidFill>
+                  <a:srgbClr val="8CD872"/>
+                </a:solidFill>
+                <a:latin typeface="Arial Narrow"/>
+                <a:ea typeface="Arial Narrow"/>
+                <a:cs typeface="Arial Narrow"/>
+                <a:sym typeface="Arial Narrow"/>
+              </a:rPr>
+              <a:t>  </a:t>
+            </a:r>
+            <a:r>
+              <a:rPr lang="en-US" sz="5900" b="1" dirty="0">
+                <a:solidFill>
+                  <a:srgbClr val="8CD872"/>
+                </a:solidFill>
+                <a:latin typeface="Arial Narrow"/>
+                <a:ea typeface="Arial Narrow"/>
+                <a:cs typeface="Arial Narrow"/>
+                <a:sym typeface="Arial Narrow"/>
+              </a:rPr>
+              <a:t>9</a:t>
+            </a:r>
+            <a:endParaRPr lang="en-US" sz="2600" b="1" dirty="0">
+              <a:solidFill>
+                <a:schemeClr val="lt1"/>
+              </a:solidFill>
+              <a:latin typeface="Arial Narrow"/>
+              <a:ea typeface="Arial Narrow"/>
+              <a:cs typeface="Arial Narrow"/>
+              <a:sym typeface="Arial Narrow"/>
+            </a:endParaRPr>
+          </a:p>
+          <a:p>
+            <a:pPr marL="1498600" marR="0" lvl="0" indent="-1041400" algn="l" rtl="0">
+              <a:spcBef>
+                <a:spcPts val="0"/>
+              </a:spcBef>
+              <a:spcAft>
+                <a:spcPts val="0"/>
+              </a:spcAft>
+              <a:buClr>
+                <a:schemeClr val="lt1"/>
+              </a:buClr>
+              <a:buSzPts val="4600"/>
+              <a:buFont typeface="Arial Narrow"/>
+              <a:buChar char="●"/>
+            </a:pPr>
+            <a:r>
+              <a:rPr lang="en-US" sz="5900" b="1" dirty="0">
+                <a:solidFill>
+                  <a:schemeClr val="lt1"/>
+                </a:solidFill>
+                <a:latin typeface="Arial Narrow"/>
+                <a:ea typeface="Arial Narrow"/>
+                <a:cs typeface="Arial Narrow"/>
+                <a:sym typeface="Arial Narrow"/>
+              </a:rPr>
+              <a:t>Homestyle Fries </a:t>
+            </a:r>
+            <a:r>
+              <a:rPr lang="en-US" sz="5900" dirty="0">
+                <a:solidFill>
+                  <a:schemeClr val="lt1"/>
+                </a:solidFill>
+                <a:latin typeface="Arial Narrow"/>
+                <a:ea typeface="Arial Narrow"/>
+                <a:cs typeface="Arial Narrow"/>
+                <a:sym typeface="Arial Narrow"/>
+              </a:rPr>
+              <a:t>…..................................................................</a:t>
+            </a:r>
+            <a:r>
+              <a:rPr lang="en-US" sz="5900" dirty="0">
+                <a:solidFill>
+                  <a:srgbClr val="8CD872"/>
+                </a:solidFill>
+                <a:latin typeface="Arial Narrow"/>
+                <a:ea typeface="Arial Narrow"/>
+                <a:cs typeface="Arial Narrow"/>
+                <a:sym typeface="Arial Narrow"/>
+              </a:rPr>
+              <a:t>  </a:t>
+            </a:r>
+            <a:r>
+              <a:rPr lang="en-US" sz="5900" b="1" dirty="0">
+                <a:solidFill>
+                  <a:srgbClr val="8CD872"/>
+                </a:solidFill>
+                <a:latin typeface="Arial Narrow"/>
+                <a:ea typeface="Arial Narrow"/>
+                <a:cs typeface="Arial Narrow"/>
+                <a:sym typeface="Arial Narrow"/>
+              </a:rPr>
+              <a:t>5</a:t>
+            </a:r>
+            <a:br>
+              <a:rPr lang="en-US" sz="1600" dirty="0">
+                <a:solidFill>
+                  <a:schemeClr val="lt1"/>
+                </a:solidFill>
+                <a:latin typeface="Arial Narrow"/>
+                <a:ea typeface="Arial Narrow"/>
+                <a:cs typeface="Arial Narrow"/>
+                <a:sym typeface="Arial Narrow"/>
+              </a:rPr>
+            </a:br>
+            <a:endParaRPr sz="2600" dirty="0">
+              <a:solidFill>
+                <a:schemeClr val="lt1"/>
+              </a:solidFill>
+              <a:latin typeface="Arial Narrow"/>
+              <a:ea typeface="Arial Narrow"/>
+              <a:cs typeface="Arial Narrow"/>
+              <a:sym typeface="Arial Narrow"/>
+            </a:endParaRPr>
+          </a:p>
+        </p:txBody>
+      </p:sp>
+      <p:grpSp>
+        <p:nvGrpSpPr>
+          <p:cNvPr id="15" name="Group 14">
+            <a:extLst>
+              <a:ext uri="{FF2B5EF4-FFF2-40B4-BE49-F238E27FC236}">
+                <a16:creationId xmlns:a16="http://schemas.microsoft.com/office/drawing/2014/main" id="{F0A390F7-70A9-4BC0-B08B-4552209E8164}"/>
+              </a:ext>
+            </a:extLst>
+          </p:cNvPr>
+          <p:cNvGrpSpPr/>
+          <p:nvPr/>
+        </p:nvGrpSpPr>
+        <p:grpSpPr>
+          <a:xfrm>
+            <a:off x="1832007" y="9525805"/>
+            <a:ext cx="2222636" cy="3730290"/>
+            <a:chOff x="1832007" y="9525805"/>
+            <a:chExt cx="2222636" cy="3730290"/>
+          </a:xfrm>
+        </p:grpSpPr>
+        <p:sp>
+          <p:nvSpPr>
+            <p:cNvPr id="4" name="Rectangle 3">
+              <a:extLst>
+                <a:ext uri="{FF2B5EF4-FFF2-40B4-BE49-F238E27FC236}">
+                  <a16:creationId xmlns:a16="http://schemas.microsoft.com/office/drawing/2014/main" id="{D2178AA9-52F4-48B2-9E84-6DD1AABE18D5}"/>
+                </a:ext>
+              </a:extLst>
+            </p:cNvPr>
+            <p:cNvSpPr/>
+            <p:nvPr/>
+          </p:nvSpPr>
+          <p:spPr>
+            <a:xfrm>
+              <a:off x="2993011" y="12888450"/>
+              <a:ext cx="1061632" cy="367645"/>
+            </a:xfrm>
+            <a:prstGeom prst="rect">
+              <a:avLst/>
+            </a:prstGeom>
+            <a:noFill/>
+            <a:ln>
+              <a:noFill/>
+            </a:ln>
+          </p:spPr>
+          <p:style>
+            <a:lnRef idx="2">
+              <a:schemeClr val="accent1">
+                <a:shade val="50000"/>
+              </a:schemeClr>
+            </a:lnRef>
+            <a:fillRef idx="1">
+              <a:schemeClr val="accent1"/>
+            </a:fillRef>
+            <a:effectRef idx="0">
+              <a:schemeClr val="accent1"/>
+            </a:effectRef>
+            <a:fontRef idx="minor">
+              <a:schemeClr val="lt1"/>
+            </a:fontRef>
+          </p:style>
+          <p:txBody>
+            <a:bodyPr rtlCol="0" anchor="ctr"/>
+            <a:lstStyle/>
+            <a:p>
+              <a:pPr algn="ctr"/>
+              <a:endParaRPr lang="en-US"/>
+            </a:p>
+          </p:txBody>
+        </p:sp>
+        <p:cxnSp>
+          <p:nvCxnSpPr>
+            <p:cNvPr id="8" name="Connector: Elbow 7">
+              <a:extLst>
+                <a:ext uri="{FF2B5EF4-FFF2-40B4-BE49-F238E27FC236}">
+                  <a16:creationId xmlns:a16="http://schemas.microsoft.com/office/drawing/2014/main" id="{61407823-9A88-477B-A998-48180145C7F1}"/>
+                </a:ext>
+              </a:extLst>
+            </p:cNvPr>
+            <p:cNvCxnSpPr>
+              <a:cxnSpLocks/>
+              <a:endCxn id="4" idx="1"/>
+            </p:cNvCxnSpPr>
+            <p:nvPr/>
+          </p:nvCxnSpPr>
+          <p:spPr>
+            <a:xfrm rot="16200000" flipH="1">
+              <a:off x="639275" y="10718537"/>
+              <a:ext cx="3546468" cy="1161003"/>
+            </a:xfrm>
+            <a:prstGeom prst="bentConnector2">
+              <a:avLst/>
+            </a:prstGeom>
+            <a:ln w="57150" cap="rnd">
+              <a:solidFill>
+                <a:schemeClr val="bg1"/>
+              </a:solidFill>
+              <a:prstDash val="sysDot"/>
+              <a:round/>
+              <a:tailEnd type="stealth"/>
+            </a:ln>
+          </p:spPr>
+          <p:style>
+            <a:lnRef idx="1">
+              <a:schemeClr val="accent1"/>
+            </a:lnRef>
+            <a:fillRef idx="0">
+              <a:schemeClr val="accent1"/>
+            </a:fillRef>
+            <a:effectRef idx="0">
+              <a:schemeClr val="accent1"/>
+            </a:effectRef>
+            <a:fontRef idx="minor">
+              <a:schemeClr val="tx1"/>
+            </a:fontRef>
+          </p:style>
+        </p:cxnSp>
+        <p:grpSp>
+          <p:nvGrpSpPr>
+            <p:cNvPr id="13" name="Group 12">
+              <a:extLst>
+                <a:ext uri="{FF2B5EF4-FFF2-40B4-BE49-F238E27FC236}">
+                  <a16:creationId xmlns:a16="http://schemas.microsoft.com/office/drawing/2014/main" id="{070F665B-7F65-4565-8667-05C97B32CC51}"/>
+                </a:ext>
+              </a:extLst>
+            </p:cNvPr>
+            <p:cNvGrpSpPr/>
+            <p:nvPr/>
+          </p:nvGrpSpPr>
+          <p:grpSpPr>
+            <a:xfrm>
+              <a:off x="3080839" y="9902914"/>
+              <a:ext cx="270526" cy="999811"/>
+              <a:chOff x="3080210" y="9903677"/>
+              <a:chExt cx="270526" cy="999811"/>
+            </a:xfrm>
+          </p:grpSpPr>
+          <p:cxnSp>
+            <p:nvCxnSpPr>
+              <p:cNvPr id="11" name="Straight Connector 10">
+                <a:extLst>
+                  <a:ext uri="{FF2B5EF4-FFF2-40B4-BE49-F238E27FC236}">
+                    <a16:creationId xmlns:a16="http://schemas.microsoft.com/office/drawing/2014/main" id="{A08D5958-C764-448E-90A2-C685E1E47884}"/>
+                  </a:ext>
+                </a:extLst>
+              </p:cNvPr>
+              <p:cNvCxnSpPr/>
+              <p:nvPr/>
+            </p:nvCxnSpPr>
+            <p:spPr>
+              <a:xfrm>
+                <a:off x="3215473" y="9903677"/>
+                <a:ext cx="0" cy="999811"/>
+              </a:xfrm>
+              <a:prstGeom prst="line">
+                <a:avLst/>
+              </a:prstGeom>
+              <a:ln w="57150" cap="rnd">
+                <a:solidFill>
+                  <a:schemeClr val="bg1"/>
+                </a:solidFill>
+                <a:prstDash val="sysDot"/>
+              </a:ln>
+            </p:spPr>
+            <p:style>
+              <a:lnRef idx="1">
+                <a:schemeClr val="accent1"/>
+              </a:lnRef>
+              <a:fillRef idx="0">
+                <a:schemeClr val="accent1"/>
+              </a:fillRef>
+              <a:effectRef idx="0">
+                <a:schemeClr val="accent1"/>
+              </a:effectRef>
+              <a:fontRef idx="minor">
+                <a:schemeClr val="tx1"/>
+              </a:fontRef>
+            </p:style>
+          </p:cxnSp>
+          <p:sp>
+            <p:nvSpPr>
+              <p:cNvPr id="12" name="Oval 11">
+                <a:extLst>
+                  <a:ext uri="{FF2B5EF4-FFF2-40B4-BE49-F238E27FC236}">
+                    <a16:creationId xmlns:a16="http://schemas.microsoft.com/office/drawing/2014/main" id="{655E8217-FA33-4C6D-A9C5-206215842B38}"/>
+                  </a:ext>
+                </a:extLst>
+              </p:cNvPr>
+              <p:cNvSpPr/>
+              <p:nvPr/>
+            </p:nvSpPr>
+            <p:spPr>
+              <a:xfrm>
+                <a:off x="3080210" y="10226521"/>
+                <a:ext cx="270526" cy="270524"/>
+              </a:xfrm>
+              <a:prstGeom prst="ellipse">
+                <a:avLst/>
+              </a:prstGeom>
+              <a:solidFill>
+                <a:srgbClr val="262626"/>
+              </a:solidFill>
+              <a:ln>
+                <a:noFill/>
+              </a:ln>
+            </p:spPr>
+            <p:style>
+              <a:lnRef idx="2">
+                <a:schemeClr val="accent1">
+                  <a:shade val="50000"/>
+                </a:schemeClr>
+              </a:lnRef>
+              <a:fillRef idx="1">
+                <a:schemeClr val="accent1"/>
+              </a:fillRef>
+              <a:effectRef idx="0">
+                <a:schemeClr val="accent1"/>
+              </a:effectRef>
+              <a:fontRef idx="minor">
+                <a:schemeClr val="lt1"/>
+              </a:fontRef>
+            </p:style>
+            <p:txBody>
+              <a:bodyPr rtlCol="0" anchor="ctr"/>
+              <a:lstStyle/>
+              <a:p>
+                <a:pPr algn="ctr"/>
+                <a:endParaRPr lang="en-US"/>
+              </a:p>
+            </p:txBody>
+          </p:sp>
+        </p:grpSp>
+      </p:grpSp>
     </p:spTree>
   </p:cSld>
   <p:clrMapOvr>

--- a/misc/Menu 24 by 36 on 12-12-24/2_DaBeast Services Menu.pptx
+++ b/misc/Menu 24 by 36 on 12-12-24/2_DaBeast Services Menu.pptx
@@ -267,7 +267,7 @@
       <p15:sldGuideLst xmlns:p15="http://schemas.microsoft.com/office/powerpoint/2012/main"/>
     </p:ext>
     <p:ext uri="GoogleSlidesCustomDataVersion2">
-      <go:slidesCustomData xmlns:go="http://customooxmlschemas.google.com/" xmlns:ahyp="http://schemas.microsoft.com/office/drawing/2018/hyperlinkcolor" xmlns:p15="http://schemas.microsoft.com/office/powerpoint/2012/main" xmlns:p14="http://schemas.microsoft.com/office/powerpoint/2010/main" xmlns:com="http://schemas.openxmlformats.org/drawingml/2006/compatibility" xmlns:pvml="urn:schemas-microsoft-com:office:powerpoint" xmlns:v="urn:schemas-microsoft-com:vml" xmlns:o="urn:schemas-microsoft-com:office:office" xmlns:dgm="http://schemas.openxmlformats.org/drawingml/2006/diagram" xmlns:c="http://schemas.openxmlformats.org/drawingml/2006/chart" xmlns:mv="urn:schemas-microsoft-com:mac:vml" xmlns:mc="http://schemas.openxmlformats.org/markup-compatibility/2006" xmlns="" r:id="rId14" roundtripDataSignature="AMtx7mhAGQ6bx072VdG0iiEFAjy+qtJDIw=="/>
+      <go:slidesCustomData xmlns="" xmlns:mc="http://schemas.openxmlformats.org/markup-compatibility/2006" xmlns:mv="urn:schemas-microsoft-com:mac:vml" xmlns:c="http://schemas.openxmlformats.org/drawingml/2006/chart" xmlns:dgm="http://schemas.openxmlformats.org/drawingml/2006/diagram" xmlns:o="urn:schemas-microsoft-com:office:office" xmlns:v="urn:schemas-microsoft-com:vml" xmlns:pvml="urn:schemas-microsoft-com:office:powerpoint" xmlns:com="http://schemas.openxmlformats.org/drawingml/2006/compatibility" xmlns:p14="http://schemas.microsoft.com/office/powerpoint/2010/main" xmlns:p15="http://schemas.microsoft.com/office/powerpoint/2012/main" xmlns:ahyp="http://schemas.microsoft.com/office/drawing/2018/hyperlinkcolor" xmlns:go="http://customooxmlschemas.google.com/" r:id="rId14" roundtripDataSignature="AMtx7mhAGQ6bx072VdG0iiEFAjy+qtJDIw=="/>
     </p:ext>
   </p:extLst>
 </p:presentation>
@@ -12865,7 +12865,7 @@
               <a:buNone/>
             </a:pPr>
             <a:r>
-              <a:rPr lang="en-US" sz="5200" i="1">
+              <a:rPr lang="en-US" sz="5200" i="1" dirty="0">
                 <a:solidFill>
                   <a:schemeClr val="lt1"/>
                 </a:solidFill>
@@ -12874,9 +12874,21 @@
                 <a:cs typeface="Arial"/>
                 <a:sym typeface="Arial"/>
               </a:rPr>
-              <a:t>(719) 551-9409</a:t>
+              <a:t>(719</a:t>
             </a:r>
-            <a:endParaRPr sz="4600"/>
+            <a:r>
+              <a:rPr lang="en-US" sz="5200" i="1">
+                <a:solidFill>
+                  <a:schemeClr val="lt1"/>
+                </a:solidFill>
+                <a:latin typeface="Arial"/>
+                <a:ea typeface="Arial"/>
+                <a:cs typeface="Arial"/>
+                <a:sym typeface="Arial"/>
+              </a:rPr>
+              <a:t>) 243-2541</a:t>
+            </a:r>
+            <a:endParaRPr sz="4600" dirty="0"/>
           </a:p>
         </p:txBody>
       </p:sp>
